--- a/BlockchainDS.pptx
+++ b/BlockchainDS.pptx
@@ -2,22 +2,26 @@
 <file path=ppt/presentation.xml><?xml version="1.0" encoding="utf-8"?>
 <p:presentation xmlns:a="http://schemas.openxmlformats.org/drawingml/2006/main" xmlns:r="http://schemas.openxmlformats.org/officeDocument/2006/relationships" xmlns:p="http://schemas.openxmlformats.org/presentationml/2006/main" autoCompressPictures="0">
   <p:sldMasterIdLst>
-    <p:sldMasterId id="2147483648" r:id="rId1"/>
+    <p:sldMasterId id="2147483687" r:id="rId1"/>
   </p:sldMasterIdLst>
   <p:sldIdLst>
     <p:sldId id="256" r:id="rId2"/>
-    <p:sldId id="257" r:id="rId3"/>
-    <p:sldId id="258" r:id="rId4"/>
-    <p:sldId id="264" r:id="rId5"/>
-    <p:sldId id="259" r:id="rId6"/>
-    <p:sldId id="260" r:id="rId7"/>
-    <p:sldId id="261" r:id="rId8"/>
-    <p:sldId id="262" r:id="rId9"/>
-    <p:sldId id="265" r:id="rId10"/>
-    <p:sldId id="266" r:id="rId11"/>
-    <p:sldId id="267" r:id="rId12"/>
-    <p:sldId id="268" r:id="rId13"/>
-    <p:sldId id="263" r:id="rId14"/>
+    <p:sldId id="269" r:id="rId3"/>
+    <p:sldId id="257" r:id="rId4"/>
+    <p:sldId id="258" r:id="rId5"/>
+    <p:sldId id="264" r:id="rId6"/>
+    <p:sldId id="270" r:id="rId7"/>
+    <p:sldId id="271" r:id="rId8"/>
+    <p:sldId id="272" r:id="rId9"/>
+    <p:sldId id="259" r:id="rId10"/>
+    <p:sldId id="260" r:id="rId11"/>
+    <p:sldId id="261" r:id="rId12"/>
+    <p:sldId id="262" r:id="rId13"/>
+    <p:sldId id="265" r:id="rId14"/>
+    <p:sldId id="266" r:id="rId15"/>
+    <p:sldId id="267" r:id="rId16"/>
+    <p:sldId id="268" r:id="rId17"/>
+    <p:sldId id="263" r:id="rId18"/>
   </p:sldIdLst>
   <p:sldSz cx="12192000" cy="6858000"/>
   <p:notesSz cx="6858000" cy="9144000"/>
@@ -122,11 +126,6 @@
 <file path=ppt/slideLayouts/slideLayout1.xml><?xml version="1.0" encoding="utf-8"?>
 <p:sldLayout xmlns:a="http://schemas.openxmlformats.org/drawingml/2006/main" xmlns:r="http://schemas.openxmlformats.org/officeDocument/2006/relationships" xmlns:p="http://schemas.openxmlformats.org/presentationml/2006/main" type="title" preserve="1">
   <p:cSld name="Title Slide">
-    <p:bg>
-      <p:bgRef idx="1003">
-        <a:schemeClr val="bg2"/>
-      </p:bgRef>
-    </p:bg>
     <p:spTree>
       <p:nvGrpSpPr>
         <p:cNvPr id="1" name=""/>
@@ -141,50 +140,86 @@
           <a:chExt cx="0" cy="0"/>
         </a:xfrm>
       </p:grpSpPr>
-      <p:pic>
-        <p:nvPicPr>
-          <p:cNvPr id="7" name="Picture 6" descr="Celestia-R1---OverlayTitleHD.png"/>
-          <p:cNvPicPr>
-            <a:picLocks noChangeAspect="1"/>
-          </p:cNvPicPr>
-          <p:nvPr/>
-        </p:nvPicPr>
-        <p:blipFill>
-          <a:blip r:embed="rId2">
-            <a:extLst>
-              <a:ext uri="{28A0092B-C50C-407E-A947-70E740481C1C}">
-                <a14:useLocalDpi xmlns:a14="http://schemas.microsoft.com/office/drawing/2010/main" xmlns="" val="0"/>
-              </a:ext>
-            </a:extLst>
-          </a:blip>
-          <a:stretch>
-            <a:fillRect/>
-          </a:stretch>
-        </p:blipFill>
+      <p:sp>
+        <p:nvSpPr>
+          <p:cNvPr id="2" name="Title 1"/>
+          <p:cNvSpPr>
+            <a:spLocks noGrp="1"/>
+          </p:cNvSpPr>
+          <p:nvPr>
+            <p:ph type="ctrTitle"/>
+          </p:nvPr>
+        </p:nvSpPr>
         <p:spPr>
           <a:xfrm>
-            <a:off x="0" y="0"/>
-            <a:ext cx="12188825" cy="6856214"/>
+            <a:off x="2209800" y="4464028"/>
+            <a:ext cx="9144000" cy="1641490"/>
           </a:xfrm>
-          <a:prstGeom prst="rect">
-            <a:avLst/>
-          </a:prstGeom>
         </p:spPr>
-      </p:pic>
-      <p:sp>
-        <p:nvSpPr>
-          <p:cNvPr id="2" name="Title 1"/>
-          <p:cNvSpPr>
-            <a:spLocks noGrp="1"/>
-          </p:cNvSpPr>
-          <p:nvPr>
-            <p:ph type="ctrTitle"/>
+        <p:txBody>
+          <a:bodyPr wrap="none" anchor="t">
+            <a:normAutofit/>
+          </a:bodyPr>
+          <a:lstStyle>
+            <a:lvl1pPr algn="r">
+              <a:defRPr sz="9600" b="0" spc="-300">
+                <a:gradFill flip="none" rotWithShape="1">
+                  <a:gsLst>
+                    <a:gs pos="32000">
+                      <a:schemeClr val="tx1">
+                        <a:lumMod val="89000"/>
+                      </a:schemeClr>
+                    </a:gs>
+                    <a:gs pos="0">
+                      <a:schemeClr val="bg1">
+                        <a:lumMod val="41000"/>
+                        <a:lumOff val="59000"/>
+                      </a:schemeClr>
+                    </a:gs>
+                    <a:gs pos="100000">
+                      <a:schemeClr val="tx2">
+                        <a:lumMod val="0"/>
+                        <a:lumOff val="100000"/>
+                      </a:schemeClr>
+                    </a:gs>
+                  </a:gsLst>
+                  <a:lin ang="8100000" scaled="1"/>
+                  <a:tileRect/>
+                </a:gradFill>
+                <a:effectLst>
+                  <a:outerShdw blurRad="469900" dist="342900" dir="5400000" sy="-20000" rotWithShape="0">
+                    <a:prstClr val="black">
+                      <a:alpha val="66000"/>
+                    </a:prstClr>
+                  </a:outerShdw>
+                </a:effectLst>
+                <a:latin typeface="+mj-lt"/>
+              </a:defRPr>
+            </a:lvl1pPr>
+          </a:lstStyle>
+          <a:p>
+            <a:r>
+              <a:rPr lang="en-US" smtClean="0"/>
+              <a:t>Click to edit Master title style</a:t>
+            </a:r>
+            <a:endParaRPr lang="en-US" dirty="0"/>
+          </a:p>
+        </p:txBody>
+      </p:sp>
+      <p:sp>
+        <p:nvSpPr>
+          <p:cNvPr id="3" name="Subtitle 2"/>
+          <p:cNvSpPr>
+            <a:spLocks noGrp="1"/>
+          </p:cNvSpPr>
+          <p:nvPr>
+            <p:ph type="subTitle" idx="1"/>
           </p:nvPr>
         </p:nvSpPr>
         <p:spPr>
           <a:xfrm>
-            <a:off x="3962399" y="1964267"/>
-            <a:ext cx="7197726" cy="2421464"/>
+            <a:off x="2209799" y="3694375"/>
+            <a:ext cx="9144000" cy="754025"/>
           </a:xfrm>
         </p:spPr>
         <p:txBody>
@@ -192,129 +227,70 @@
             <a:normAutofit/>
           </a:bodyPr>
           <a:lstStyle>
-            <a:lvl1pPr algn="r">
-              <a:defRPr sz="4800">
-                <a:effectLst/>
-              </a:defRPr>
-            </a:lvl1pPr>
-          </a:lstStyle>
-          <a:p>
-            <a:r>
-              <a:rPr lang="en-US" smtClean="0"/>
-              <a:t>Click to edit Master title style</a:t>
-            </a:r>
-            <a:endParaRPr lang="en-US" dirty="0"/>
-          </a:p>
-        </p:txBody>
-      </p:sp>
-      <p:sp>
-        <p:nvSpPr>
-          <p:cNvPr id="3" name="Subtitle 2"/>
-          <p:cNvSpPr>
-            <a:spLocks noGrp="1"/>
-          </p:cNvSpPr>
-          <p:nvPr>
-            <p:ph type="subTitle" idx="1"/>
-          </p:nvPr>
-        </p:nvSpPr>
-        <p:spPr>
-          <a:xfrm>
-            <a:off x="3962399" y="4385732"/>
-            <a:ext cx="7197726" cy="1405467"/>
-          </a:xfrm>
-        </p:spPr>
-        <p:txBody>
-          <a:bodyPr anchor="t">
-            <a:normAutofit/>
-          </a:bodyPr>
-          <a:lstStyle>
             <a:lvl1pPr marL="0" indent="0" algn="r">
               <a:buNone/>
-              <a:defRPr sz="1800" cap="all">
-                <a:solidFill>
-                  <a:schemeClr val="tx1"/>
-                </a:solidFill>
+              <a:defRPr sz="3200" b="0">
+                <a:gradFill flip="none" rotWithShape="1">
+                  <a:gsLst>
+                    <a:gs pos="15000">
+                      <a:schemeClr val="tx2"/>
+                    </a:gs>
+                    <a:gs pos="73000">
+                      <a:schemeClr val="tx2">
+                        <a:lumMod val="60000"/>
+                        <a:lumOff val="40000"/>
+                      </a:schemeClr>
+                    </a:gs>
+                    <a:gs pos="0">
+                      <a:schemeClr val="tx2">
+                        <a:lumMod val="90000"/>
+                        <a:lumOff val="10000"/>
+                      </a:schemeClr>
+                    </a:gs>
+                    <a:gs pos="100000">
+                      <a:schemeClr val="tx2">
+                        <a:lumMod val="0"/>
+                        <a:lumOff val="100000"/>
+                      </a:schemeClr>
+                    </a:gs>
+                  </a:gsLst>
+                  <a:lin ang="16200000" scaled="1"/>
+                  <a:tileRect/>
+                </a:gradFill>
+                <a:latin typeface="+mj-lt"/>
               </a:defRPr>
             </a:lvl1pPr>
             <a:lvl2pPr marL="457200" indent="0" algn="ctr">
               <a:buNone/>
-              <a:defRPr>
-                <a:solidFill>
-                  <a:schemeClr val="tx1">
-                    <a:tint val="75000"/>
-                  </a:schemeClr>
-                </a:solidFill>
-              </a:defRPr>
+              <a:defRPr sz="2000"/>
             </a:lvl2pPr>
             <a:lvl3pPr marL="914400" indent="0" algn="ctr">
               <a:buNone/>
-              <a:defRPr>
-                <a:solidFill>
-                  <a:schemeClr val="tx1">
-                    <a:tint val="75000"/>
-                  </a:schemeClr>
-                </a:solidFill>
-              </a:defRPr>
+              <a:defRPr sz="1800"/>
             </a:lvl3pPr>
             <a:lvl4pPr marL="1371600" indent="0" algn="ctr">
               <a:buNone/>
-              <a:defRPr>
-                <a:solidFill>
-                  <a:schemeClr val="tx1">
-                    <a:tint val="75000"/>
-                  </a:schemeClr>
-                </a:solidFill>
-              </a:defRPr>
+              <a:defRPr sz="1600"/>
             </a:lvl4pPr>
             <a:lvl5pPr marL="1828800" indent="0" algn="ctr">
               <a:buNone/>
-              <a:defRPr>
-                <a:solidFill>
-                  <a:schemeClr val="tx1">
-                    <a:tint val="75000"/>
-                  </a:schemeClr>
-                </a:solidFill>
-              </a:defRPr>
+              <a:defRPr sz="1600"/>
             </a:lvl5pPr>
             <a:lvl6pPr marL="2286000" indent="0" algn="ctr">
               <a:buNone/>
-              <a:defRPr>
-                <a:solidFill>
-                  <a:schemeClr val="tx1">
-                    <a:tint val="75000"/>
-                  </a:schemeClr>
-                </a:solidFill>
-              </a:defRPr>
+              <a:defRPr sz="1600"/>
             </a:lvl6pPr>
             <a:lvl7pPr marL="2743200" indent="0" algn="ctr">
               <a:buNone/>
-              <a:defRPr>
-                <a:solidFill>
-                  <a:schemeClr val="tx1">
-                    <a:tint val="75000"/>
-                  </a:schemeClr>
-                </a:solidFill>
-              </a:defRPr>
+              <a:defRPr sz="1600"/>
             </a:lvl7pPr>
             <a:lvl8pPr marL="3200400" indent="0" algn="ctr">
               <a:buNone/>
-              <a:defRPr>
-                <a:solidFill>
-                  <a:schemeClr val="tx1">
-                    <a:tint val="75000"/>
-                  </a:schemeClr>
-                </a:solidFill>
-              </a:defRPr>
+              <a:defRPr sz="1600"/>
             </a:lvl8pPr>
             <a:lvl9pPr marL="3657600" indent="0" algn="ctr">
               <a:buNone/>
-              <a:defRPr>
-                <a:solidFill>
-                  <a:schemeClr val="tx1">
-                    <a:tint val="75000"/>
-                  </a:schemeClr>
-                </a:solidFill>
-              </a:defRPr>
+              <a:defRPr sz="1600"/>
             </a:lvl9pPr>
           </a:lstStyle>
           <a:p>
@@ -328,7 +304,7 @@
       </p:sp>
       <p:sp>
         <p:nvSpPr>
-          <p:cNvPr id="4" name="Date Placeholder 3"/>
+          <p:cNvPr id="7" name="Date Placeholder 6"/>
           <p:cNvSpPr>
             <a:spLocks noGrp="1"/>
           </p:cNvSpPr>
@@ -336,20 +312,15 @@
             <p:ph type="dt" sz="half" idx="10"/>
           </p:nvPr>
         </p:nvSpPr>
-        <p:spPr>
-          <a:xfrm>
-            <a:off x="8932558" y="5870575"/>
-            <a:ext cx="1600200" cy="377825"/>
-          </a:xfrm>
-        </p:spPr>
+        <p:spPr/>
         <p:txBody>
           <a:bodyPr/>
           <a:lstStyle/>
           <a:p>
             <a:fld id="{B61BEF0D-F0BB-DE4B-95CE-6DB70DBA9567}" type="datetimeFigureOut">
-              <a:rPr lang="en-US" dirty="0"/>
+              <a:rPr lang="en-US" smtClean="0"/>
               <a:pPr/>
-              <a:t>7/27/2018</a:t>
+              <a:t>7/29/2018</a:t>
             </a:fld>
             <a:endParaRPr lang="en-US" dirty="0"/>
           </a:p>
@@ -357,7 +328,7 @@
       </p:sp>
       <p:sp>
         <p:nvSpPr>
-          <p:cNvPr id="5" name="Footer Placeholder 4"/>
+          <p:cNvPr id="8" name="Footer Placeholder 7"/>
           <p:cNvSpPr>
             <a:spLocks noGrp="1"/>
           </p:cNvSpPr>
@@ -365,12 +336,7 @@
             <p:ph type="ftr" sz="quarter" idx="11"/>
           </p:nvPr>
         </p:nvSpPr>
-        <p:spPr>
-          <a:xfrm>
-            <a:off x="3962399" y="5870575"/>
-            <a:ext cx="4893958" cy="377825"/>
-          </a:xfrm>
-        </p:spPr>
+        <p:spPr/>
         <p:txBody>
           <a:bodyPr/>
           <a:lstStyle/>
@@ -381,7 +347,7 @@
       </p:sp>
       <p:sp>
         <p:nvSpPr>
-          <p:cNvPr id="6" name="Slide Number Placeholder 5"/>
+          <p:cNvPr id="9" name="Slide Number Placeholder 8"/>
           <p:cNvSpPr>
             <a:spLocks noGrp="1"/>
           </p:cNvSpPr>
@@ -389,18 +355,13 @@
             <p:ph type="sldNum" sz="quarter" idx="12"/>
           </p:nvPr>
         </p:nvSpPr>
-        <p:spPr>
-          <a:xfrm>
-            <a:off x="10608958" y="5870575"/>
-            <a:ext cx="551167" cy="377825"/>
-          </a:xfrm>
-        </p:spPr>
+        <p:spPr/>
         <p:txBody>
           <a:bodyPr/>
           <a:lstStyle/>
           <a:p>
             <a:fld id="{D57F1E4F-1CFF-5643-939E-217C01CDF565}" type="slidenum">
-              <a:rPr lang="en-US" dirty="0"/>
+              <a:rPr lang="en-US" smtClean="0"/>
               <a:pPr/>
               <a:t>‹#›</a:t>
             </a:fld>
@@ -411,7 +372,7 @@
     </p:spTree>
   </p:cSld>
   <p:clrMapOvr>
-    <a:overrideClrMapping bg1="dk1" tx1="lt1" bg2="dk2" tx2="lt2" accent1="accent1" accent2="accent2" accent3="accent3" accent4="accent4" accent5="accent5" accent6="accent6" hlink="hlink" folHlink="folHlink"/>
+    <a:masterClrMapping/>
   </p:clrMapOvr>
 </p:sldLayout>
 </file>
@@ -433,227 +394,184 @@
           <a:chExt cx="0" cy="0"/>
         </a:xfrm>
       </p:grpSpPr>
-      <p:pic>
-        <p:nvPicPr>
-          <p:cNvPr id="8" name="Picture 7" descr="Celestia-R1---OverlayContentHD.png"/>
-          <p:cNvPicPr>
-            <a:picLocks noChangeAspect="1"/>
-          </p:cNvPicPr>
-          <p:nvPr/>
-        </p:nvPicPr>
-        <p:blipFill>
-          <a:blip r:embed="rId2">
-            <a:extLst>
-              <a:ext uri="{28A0092B-C50C-407E-A947-70E740481C1C}">
-                <a14:useLocalDpi xmlns:a14="http://schemas.microsoft.com/office/drawing/2010/main" xmlns="" val="0"/>
-              </a:ext>
-            </a:extLst>
-          </a:blip>
-          <a:stretch>
-            <a:fillRect/>
-          </a:stretch>
-        </p:blipFill>
+      <p:sp>
+        <p:nvSpPr>
+          <p:cNvPr id="2" name="Title 1"/>
+          <p:cNvSpPr>
+            <a:spLocks noGrp="1"/>
+          </p:cNvSpPr>
+          <p:nvPr>
+            <p:ph type="title"/>
+          </p:nvPr>
+        </p:nvSpPr>
         <p:spPr>
           <a:xfrm>
-            <a:off x="0" y="0"/>
-            <a:ext cx="12188825" cy="6856214"/>
+            <a:off x="839788" y="4367160"/>
+            <a:ext cx="10515600" cy="819355"/>
           </a:xfrm>
-          <a:prstGeom prst="rect">
-            <a:avLst/>
-          </a:prstGeom>
         </p:spPr>
-      </p:pic>
-      <p:sp>
-        <p:nvSpPr>
-          <p:cNvPr id="2" name="Title 1"/>
-          <p:cNvSpPr>
-            <a:spLocks noGrp="1"/>
-          </p:cNvSpPr>
-          <p:nvPr>
-            <p:ph type="title"/>
+        <p:txBody>
+          <a:bodyPr anchor="b"/>
+          <a:lstStyle>
+            <a:lvl1pPr>
+              <a:defRPr sz="3200"/>
+            </a:lvl1pPr>
+          </a:lstStyle>
+          <a:p>
+            <a:r>
+              <a:rPr lang="en-US" smtClean="0"/>
+              <a:t>Click to edit Master title style</a:t>
+            </a:r>
+            <a:endParaRPr lang="en-US" dirty="0"/>
+          </a:p>
+        </p:txBody>
+      </p:sp>
+      <p:sp>
+        <p:nvSpPr>
+          <p:cNvPr id="3" name="Picture Placeholder 2"/>
+          <p:cNvSpPr>
+            <a:spLocks noGrp="1" noChangeAspect="1"/>
+          </p:cNvSpPr>
+          <p:nvPr>
+            <p:ph type="pic" idx="1"/>
           </p:nvPr>
         </p:nvSpPr>
         <p:spPr>
           <a:xfrm>
-            <a:off x="685800" y="4732865"/>
-            <a:ext cx="10131427" cy="566738"/>
+            <a:off x="839788" y="987425"/>
+            <a:ext cx="10515600" cy="3379735"/>
           </a:xfrm>
         </p:spPr>
         <p:txBody>
-          <a:bodyPr anchor="b">
-            <a:normAutofit/>
-          </a:bodyPr>
+          <a:bodyPr anchor="t"/>
           <a:lstStyle>
-            <a:lvl1pPr algn="l">
-              <a:defRPr sz="2400" b="0"/>
+            <a:lvl1pPr marL="0" indent="0">
+              <a:buNone/>
+              <a:defRPr sz="3200"/>
             </a:lvl1pPr>
+            <a:lvl2pPr marL="457200" indent="0">
+              <a:buNone/>
+              <a:defRPr sz="2800"/>
+            </a:lvl2pPr>
+            <a:lvl3pPr marL="914400" indent="0">
+              <a:buNone/>
+              <a:defRPr sz="2400"/>
+            </a:lvl3pPr>
+            <a:lvl4pPr marL="1371600" indent="0">
+              <a:buNone/>
+              <a:defRPr sz="2000"/>
+            </a:lvl4pPr>
+            <a:lvl5pPr marL="1828800" indent="0">
+              <a:buNone/>
+              <a:defRPr sz="2000"/>
+            </a:lvl5pPr>
+            <a:lvl6pPr marL="2286000" indent="0">
+              <a:buNone/>
+              <a:defRPr sz="2000"/>
+            </a:lvl6pPr>
+            <a:lvl7pPr marL="2743200" indent="0">
+              <a:buNone/>
+              <a:defRPr sz="2000"/>
+            </a:lvl7pPr>
+            <a:lvl8pPr marL="3200400" indent="0">
+              <a:buNone/>
+              <a:defRPr sz="2000"/>
+            </a:lvl8pPr>
+            <a:lvl9pPr marL="3657600" indent="0">
+              <a:buNone/>
+              <a:defRPr sz="2000"/>
+            </a:lvl9pPr>
           </a:lstStyle>
           <a:p>
             <a:r>
               <a:rPr lang="en-US" smtClean="0"/>
-              <a:t>Click to edit Master title style</a:t>
-            </a:r>
-            <a:endParaRPr lang="en-US" dirty="0"/>
-          </a:p>
-        </p:txBody>
-      </p:sp>
-      <p:sp>
-        <p:nvSpPr>
-          <p:cNvPr id="3" name="Picture Placeholder 2"/>
-          <p:cNvSpPr>
-            <a:spLocks noGrp="1" noChangeAspect="1"/>
-          </p:cNvSpPr>
-          <p:nvPr>
-            <p:ph type="pic" idx="1"/>
+              <a:t>Click icon to add picture</a:t>
+            </a:r>
+            <a:endParaRPr lang="en-US" dirty="0"/>
+          </a:p>
+        </p:txBody>
+      </p:sp>
+      <p:sp>
+        <p:nvSpPr>
+          <p:cNvPr id="4" name="Text Placeholder 3"/>
+          <p:cNvSpPr>
+            <a:spLocks noGrp="1"/>
+          </p:cNvSpPr>
+          <p:nvPr>
+            <p:ph type="body" sz="half" idx="2"/>
           </p:nvPr>
         </p:nvSpPr>
         <p:spPr>
           <a:xfrm>
-            <a:off x="1371600" y="932112"/>
-            <a:ext cx="8759827" cy="3164976"/>
+            <a:off x="839788" y="5186516"/>
+            <a:ext cx="10514012" cy="682472"/>
           </a:xfrm>
-          <a:prstGeom prst="roundRect">
-            <a:avLst>
-              <a:gd name="adj" fmla="val 4380"/>
-            </a:avLst>
-          </a:prstGeom>
-          <a:ln w="50800" cap="sq" cmpd="dbl">
-            <a:gradFill flip="none" rotWithShape="1">
-              <a:gsLst>
-                <a:gs pos="0">
-                  <a:srgbClr val="FFFFFF"/>
-                </a:gs>
-                <a:gs pos="100000">
-                  <a:schemeClr val="tx1">
-                    <a:alpha val="0"/>
-                  </a:schemeClr>
-                </a:gs>
-              </a:gsLst>
-              <a:path path="circle">
-                <a:fillToRect l="50000" t="50000" r="50000" b="50000"/>
-              </a:path>
-              <a:tileRect/>
-            </a:gradFill>
-            <a:miter lim="800000"/>
-          </a:ln>
-          <a:effectLst>
-            <a:outerShdw blurRad="254000" algn="tl" rotWithShape="0">
-              <a:srgbClr val="000000">
-                <a:alpha val="43000"/>
-              </a:srgbClr>
-            </a:outerShdw>
-          </a:effectLst>
         </p:spPr>
         <p:txBody>
-          <a:bodyPr anchor="t">
-            <a:normAutofit/>
-          </a:bodyPr>
+          <a:bodyPr/>
           <a:lstStyle>
-            <a:lvl1pPr marL="0" indent="0" algn="ctr">
-              <a:buNone/>
-              <a:defRPr sz="1600"/>
+            <a:lvl1pPr marL="0" indent="0">
+              <a:buNone/>
+              <a:defRPr sz="1600">
+                <a:gradFill>
+                  <a:gsLst>
+                    <a:gs pos="15000">
+                      <a:schemeClr val="tx2"/>
+                    </a:gs>
+                    <a:gs pos="73000">
+                      <a:schemeClr val="tx2">
+                        <a:lumMod val="60000"/>
+                        <a:lumOff val="40000"/>
+                      </a:schemeClr>
+                    </a:gs>
+                    <a:gs pos="0">
+                      <a:schemeClr val="tx1"/>
+                    </a:gs>
+                    <a:gs pos="100000">
+                      <a:schemeClr val="tx2">
+                        <a:lumMod val="0"/>
+                        <a:lumOff val="100000"/>
+                      </a:schemeClr>
+                    </a:gs>
+                  </a:gsLst>
+                  <a:lin ang="16200000" scaled="1"/>
+                </a:gradFill>
+              </a:defRPr>
             </a:lvl1pPr>
             <a:lvl2pPr marL="457200" indent="0">
               <a:buNone/>
-              <a:defRPr sz="1600"/>
+              <a:defRPr sz="1400"/>
             </a:lvl2pPr>
             <a:lvl3pPr marL="914400" indent="0">
               <a:buNone/>
-              <a:defRPr sz="1600"/>
+              <a:defRPr sz="1200"/>
             </a:lvl3pPr>
             <a:lvl4pPr marL="1371600" indent="0">
               <a:buNone/>
-              <a:defRPr sz="1600"/>
+              <a:defRPr sz="1000"/>
             </a:lvl4pPr>
             <a:lvl5pPr marL="1828800" indent="0">
               <a:buNone/>
-              <a:defRPr sz="1600"/>
+              <a:defRPr sz="1000"/>
             </a:lvl5pPr>
             <a:lvl6pPr marL="2286000" indent="0">
               <a:buNone/>
-              <a:defRPr sz="1600"/>
+              <a:defRPr sz="1000"/>
             </a:lvl6pPr>
             <a:lvl7pPr marL="2743200" indent="0">
               <a:buNone/>
-              <a:defRPr sz="1600"/>
+              <a:defRPr sz="1000"/>
             </a:lvl7pPr>
             <a:lvl8pPr marL="3200400" indent="0">
               <a:buNone/>
-              <a:defRPr sz="1600"/>
+              <a:defRPr sz="1000"/>
             </a:lvl8pPr>
             <a:lvl9pPr marL="3657600" indent="0">
               <a:buNone/>
-              <a:defRPr sz="1600"/>
+              <a:defRPr sz="1000"/>
             </a:lvl9pPr>
           </a:lstStyle>
           <a:p>
-            <a:r>
-              <a:rPr lang="en-US" smtClean="0"/>
-              <a:t>Click icon to add picture</a:t>
-            </a:r>
-            <a:endParaRPr lang="en-US" dirty="0"/>
-          </a:p>
-        </p:txBody>
-      </p:sp>
-      <p:sp>
-        <p:nvSpPr>
-          <p:cNvPr id="4" name="Text Placeholder 3"/>
-          <p:cNvSpPr>
-            <a:spLocks noGrp="1"/>
-          </p:cNvSpPr>
-          <p:nvPr>
-            <p:ph type="body" sz="half" idx="2"/>
-          </p:nvPr>
-        </p:nvSpPr>
-        <p:spPr>
-          <a:xfrm>
-            <a:off x="685800" y="5299603"/>
-            <a:ext cx="10131427" cy="493712"/>
-          </a:xfrm>
-        </p:spPr>
-        <p:txBody>
-          <a:bodyPr anchor="t">
-            <a:normAutofit/>
-          </a:bodyPr>
-          <a:lstStyle>
-            <a:lvl1pPr marL="0" indent="0">
-              <a:buNone/>
-              <a:defRPr sz="1400"/>
-            </a:lvl1pPr>
-            <a:lvl2pPr marL="457200" indent="0">
-              <a:buNone/>
-              <a:defRPr sz="1200"/>
-            </a:lvl2pPr>
-            <a:lvl3pPr marL="914400" indent="0">
-              <a:buNone/>
-              <a:defRPr sz="1000"/>
-            </a:lvl3pPr>
-            <a:lvl4pPr marL="1371600" indent="0">
-              <a:buNone/>
-              <a:defRPr sz="900"/>
-            </a:lvl4pPr>
-            <a:lvl5pPr marL="1828800" indent="0">
-              <a:buNone/>
-              <a:defRPr sz="900"/>
-            </a:lvl5pPr>
-            <a:lvl6pPr marL="2286000" indent="0">
-              <a:buNone/>
-              <a:defRPr sz="900"/>
-            </a:lvl6pPr>
-            <a:lvl7pPr marL="2743200" indent="0">
-              <a:buNone/>
-              <a:defRPr sz="900"/>
-            </a:lvl7pPr>
-            <a:lvl8pPr marL="3200400" indent="0">
-              <a:buNone/>
-              <a:defRPr sz="900"/>
-            </a:lvl8pPr>
-            <a:lvl9pPr marL="3657600" indent="0">
-              <a:buNone/>
-              <a:defRPr sz="900"/>
-            </a:lvl9pPr>
-          </a:lstStyle>
-          <a:p>
             <a:pPr lvl="0"/>
             <a:r>
               <a:rPr lang="en-US" smtClean="0"/>
@@ -678,9 +596,9 @@
           <a:lstStyle/>
           <a:p>
             <a:fld id="{B61BEF0D-F0BB-DE4B-95CE-6DB70DBA9567}" type="datetimeFigureOut">
-              <a:rPr lang="en-US" dirty="0"/>
+              <a:rPr lang="en-US" smtClean="0"/>
               <a:pPr/>
-              <a:t>7/27/2018</a:t>
+              <a:t>7/29/2018</a:t>
             </a:fld>
             <a:endParaRPr lang="en-US" dirty="0"/>
           </a:p>
@@ -721,7 +639,7 @@
           <a:lstStyle/>
           <a:p>
             <a:fld id="{D57F1E4F-1CFF-5643-939E-217C01CDF565}" type="slidenum">
-              <a:rPr lang="en-US" dirty="0"/>
+              <a:rPr lang="en-US" smtClean="0"/>
               <a:pPr/>
               <a:t>‹#›</a:t>
             </a:fld>
@@ -754,178 +672,92 @@
           <a:chExt cx="0" cy="0"/>
         </a:xfrm>
       </p:grpSpPr>
-      <p:pic>
-        <p:nvPicPr>
-          <p:cNvPr id="7" name="Picture 6" descr="Celestia-R1---OverlayContentHD.png"/>
-          <p:cNvPicPr>
-            <a:picLocks noChangeAspect="1"/>
-          </p:cNvPicPr>
-          <p:nvPr/>
-        </p:nvPicPr>
-        <p:blipFill>
-          <a:blip r:embed="rId2">
-            <a:extLst>
-              <a:ext uri="{28A0092B-C50C-407E-A947-70E740481C1C}">
-                <a14:useLocalDpi xmlns:a14="http://schemas.microsoft.com/office/drawing/2010/main" xmlns="" val="0"/>
-              </a:ext>
-            </a:extLst>
-          </a:blip>
-          <a:stretch>
-            <a:fillRect/>
-          </a:stretch>
-        </p:blipFill>
+      <p:sp>
+        <p:nvSpPr>
+          <p:cNvPr id="2" name="Title 1"/>
+          <p:cNvSpPr>
+            <a:spLocks noGrp="1"/>
+          </p:cNvSpPr>
+          <p:nvPr>
+            <p:ph type="title"/>
+          </p:nvPr>
+        </p:nvSpPr>
         <p:spPr>
           <a:xfrm>
-            <a:off x="0" y="0"/>
-            <a:ext cx="12188825" cy="6856214"/>
+            <a:off x="839788" y="365125"/>
+            <a:ext cx="10515600" cy="3534344"/>
           </a:xfrm>
-          <a:prstGeom prst="rect">
-            <a:avLst/>
-          </a:prstGeom>
         </p:spPr>
-      </p:pic>
-      <p:sp>
-        <p:nvSpPr>
-          <p:cNvPr id="2" name="Title 1"/>
-          <p:cNvSpPr>
-            <a:spLocks noGrp="1"/>
-          </p:cNvSpPr>
-          <p:nvPr>
-            <p:ph type="title"/>
+        <p:txBody>
+          <a:bodyPr anchor="ctr"/>
+          <a:lstStyle>
+            <a:lvl1pPr>
+              <a:defRPr sz="3200"/>
+            </a:lvl1pPr>
+          </a:lstStyle>
+          <a:p>
+            <a:r>
+              <a:rPr lang="en-US" smtClean="0"/>
+              <a:t>Click to edit Master title style</a:t>
+            </a:r>
+            <a:endParaRPr lang="en-US" dirty="0"/>
+          </a:p>
+        </p:txBody>
+      </p:sp>
+      <p:sp>
+        <p:nvSpPr>
+          <p:cNvPr id="4" name="Text Placeholder 3"/>
+          <p:cNvSpPr>
+            <a:spLocks noGrp="1"/>
+          </p:cNvSpPr>
+          <p:nvPr>
+            <p:ph type="body" sz="half" idx="2"/>
           </p:nvPr>
         </p:nvSpPr>
         <p:spPr>
           <a:xfrm>
-            <a:off x="685801" y="609601"/>
-            <a:ext cx="10131427" cy="3124199"/>
+            <a:off x="839788" y="4489399"/>
+            <a:ext cx="10514012" cy="1501826"/>
           </a:xfrm>
         </p:spPr>
         <p:txBody>
-          <a:bodyPr anchor="ctr">
-            <a:normAutofit/>
-          </a:bodyPr>
+          <a:bodyPr anchor="ctr"/>
           <a:lstStyle>
-            <a:lvl1pPr algn="l">
-              <a:defRPr sz="3200" b="0" cap="none"/>
-            </a:lvl1pPr>
-          </a:lstStyle>
-          <a:p>
-            <a:r>
-              <a:rPr lang="en-US" smtClean="0"/>
-              <a:t>Click to edit Master title style</a:t>
-            </a:r>
-            <a:endParaRPr lang="en-US" dirty="0"/>
-          </a:p>
-        </p:txBody>
-      </p:sp>
-      <p:sp>
-        <p:nvSpPr>
-          <p:cNvPr id="3" name="Text Placeholder 2"/>
-          <p:cNvSpPr>
-            <a:spLocks noGrp="1"/>
-          </p:cNvSpPr>
-          <p:nvPr>
-            <p:ph type="body" idx="1"/>
-          </p:nvPr>
-        </p:nvSpPr>
-        <p:spPr>
-          <a:xfrm>
-            <a:off x="685800" y="4343400"/>
-            <a:ext cx="10131428" cy="1447800"/>
-          </a:xfrm>
-        </p:spPr>
-        <p:txBody>
-          <a:bodyPr anchor="ctr">
-            <a:normAutofit/>
-          </a:bodyPr>
-          <a:lstStyle>
-            <a:lvl1pPr marL="0" indent="0" algn="l">
-              <a:buNone/>
-              <a:defRPr sz="2000">
-                <a:solidFill>
-                  <a:schemeClr val="tx1"/>
-                </a:solidFill>
-              </a:defRPr>
+            <a:lvl1pPr marL="0" indent="0">
+              <a:buNone/>
+              <a:defRPr sz="1600"/>
             </a:lvl1pPr>
             <a:lvl2pPr marL="457200" indent="0">
               <a:buNone/>
-              <a:defRPr sz="1800">
-                <a:solidFill>
-                  <a:schemeClr val="tx1">
-                    <a:tint val="75000"/>
-                  </a:schemeClr>
-                </a:solidFill>
-              </a:defRPr>
+              <a:defRPr sz="1400"/>
             </a:lvl2pPr>
             <a:lvl3pPr marL="914400" indent="0">
               <a:buNone/>
-              <a:defRPr sz="1600">
-                <a:solidFill>
-                  <a:schemeClr val="tx1">
-                    <a:tint val="75000"/>
-                  </a:schemeClr>
-                </a:solidFill>
-              </a:defRPr>
+              <a:defRPr sz="1200"/>
             </a:lvl3pPr>
             <a:lvl4pPr marL="1371600" indent="0">
               <a:buNone/>
-              <a:defRPr sz="1400">
-                <a:solidFill>
-                  <a:schemeClr val="tx1">
-                    <a:tint val="75000"/>
-                  </a:schemeClr>
-                </a:solidFill>
-              </a:defRPr>
+              <a:defRPr sz="1000"/>
             </a:lvl4pPr>
             <a:lvl5pPr marL="1828800" indent="0">
               <a:buNone/>
-              <a:defRPr sz="1400">
-                <a:solidFill>
-                  <a:schemeClr val="tx1">
-                    <a:tint val="75000"/>
-                  </a:schemeClr>
-                </a:solidFill>
-              </a:defRPr>
+              <a:defRPr sz="1000"/>
             </a:lvl5pPr>
             <a:lvl6pPr marL="2286000" indent="0">
               <a:buNone/>
-              <a:defRPr sz="1400">
-                <a:solidFill>
-                  <a:schemeClr val="tx1">
-                    <a:tint val="75000"/>
-                  </a:schemeClr>
-                </a:solidFill>
-              </a:defRPr>
+              <a:defRPr sz="1000"/>
             </a:lvl6pPr>
             <a:lvl7pPr marL="2743200" indent="0">
               <a:buNone/>
-              <a:defRPr sz="1400">
-                <a:solidFill>
-                  <a:schemeClr val="tx1">
-                    <a:tint val="75000"/>
-                  </a:schemeClr>
-                </a:solidFill>
-              </a:defRPr>
+              <a:defRPr sz="1000"/>
             </a:lvl7pPr>
             <a:lvl8pPr marL="3200400" indent="0">
               <a:buNone/>
-              <a:defRPr sz="1400">
-                <a:solidFill>
-                  <a:schemeClr val="tx1">
-                    <a:tint val="75000"/>
-                  </a:schemeClr>
-                </a:solidFill>
-              </a:defRPr>
+              <a:defRPr sz="1000"/>
             </a:lvl8pPr>
             <a:lvl9pPr marL="3657600" indent="0">
               <a:buNone/>
-              <a:defRPr sz="1400">
-                <a:solidFill>
-                  <a:schemeClr val="tx1">
-                    <a:tint val="75000"/>
-                  </a:schemeClr>
-                </a:solidFill>
-              </a:defRPr>
+              <a:defRPr sz="1000"/>
             </a:lvl9pPr>
           </a:lstStyle>
           <a:p>
@@ -939,7 +771,7 @@
       </p:sp>
       <p:sp>
         <p:nvSpPr>
-          <p:cNvPr id="4" name="Date Placeholder 3"/>
+          <p:cNvPr id="5" name="Date Placeholder 4"/>
           <p:cNvSpPr>
             <a:spLocks noGrp="1"/>
           </p:cNvSpPr>
@@ -953,9 +785,9 @@
           <a:lstStyle/>
           <a:p>
             <a:fld id="{B61BEF0D-F0BB-DE4B-95CE-6DB70DBA9567}" type="datetimeFigureOut">
-              <a:rPr lang="en-US" dirty="0"/>
+              <a:rPr lang="en-US" smtClean="0"/>
               <a:pPr/>
-              <a:t>7/27/2018</a:t>
+              <a:t>7/29/2018</a:t>
             </a:fld>
             <a:endParaRPr lang="en-US" dirty="0"/>
           </a:p>
@@ -963,7 +795,7 @@
       </p:sp>
       <p:sp>
         <p:nvSpPr>
-          <p:cNvPr id="5" name="Footer Placeholder 4"/>
+          <p:cNvPr id="6" name="Footer Placeholder 5"/>
           <p:cNvSpPr>
             <a:spLocks noGrp="1"/>
           </p:cNvSpPr>
@@ -982,7 +814,7 @@
       </p:sp>
       <p:sp>
         <p:nvSpPr>
-          <p:cNvPr id="6" name="Slide Number Placeholder 5"/>
+          <p:cNvPr id="7" name="Slide Number Placeholder 6"/>
           <p:cNvSpPr>
             <a:spLocks noGrp="1"/>
           </p:cNvSpPr>
@@ -996,7 +828,7 @@
           <a:lstStyle/>
           <a:p>
             <a:fld id="{D57F1E4F-1CFF-5643-939E-217C01CDF565}" type="slidenum">
-              <a:rPr lang="en-US" dirty="0"/>
+              <a:rPr lang="en-US" smtClean="0"/>
               <a:pPr/>
               <a:t>‹#›</a:t>
             </a:fld>
@@ -1029,45 +861,248 @@
           <a:chExt cx="0" cy="0"/>
         </a:xfrm>
       </p:grpSpPr>
-      <p:pic>
-        <p:nvPicPr>
-          <p:cNvPr id="16" name="Picture 15" descr="Celestia-R1---OverlayContentHD.png"/>
-          <p:cNvPicPr>
-            <a:picLocks noChangeAspect="1"/>
-          </p:cNvPicPr>
-          <p:nvPr/>
-        </p:nvPicPr>
-        <p:blipFill>
-          <a:blip r:embed="rId2">
-            <a:extLst>
-              <a:ext uri="{28A0092B-C50C-407E-A947-70E740481C1C}">
-                <a14:useLocalDpi xmlns:a14="http://schemas.microsoft.com/office/drawing/2010/main" xmlns="" val="0"/>
-              </a:ext>
-            </a:extLst>
-          </a:blip>
-          <a:stretch>
-            <a:fillRect/>
-          </a:stretch>
-        </p:blipFill>
+      <p:sp>
+        <p:nvSpPr>
+          <p:cNvPr id="2" name="Title 1"/>
+          <p:cNvSpPr>
+            <a:spLocks noGrp="1"/>
+          </p:cNvSpPr>
+          <p:nvPr>
+            <p:ph type="title"/>
+          </p:nvPr>
+        </p:nvSpPr>
         <p:spPr>
           <a:xfrm>
-            <a:off x="0" y="0"/>
-            <a:ext cx="12188825" cy="6856214"/>
+            <a:off x="1446212" y="365125"/>
+            <a:ext cx="9302752" cy="2992904"/>
           </a:xfrm>
-          <a:prstGeom prst="rect">
-            <a:avLst/>
-          </a:prstGeom>
         </p:spPr>
-      </p:pic>
-      <p:sp>
-        <p:nvSpPr>
-          <p:cNvPr id="15" name="TextBox 14"/>
+        <p:txBody>
+          <a:bodyPr anchor="ctr"/>
+          <a:lstStyle>
+            <a:lvl1pPr>
+              <a:defRPr sz="4400"/>
+            </a:lvl1pPr>
+          </a:lstStyle>
+          <a:p>
+            <a:r>
+              <a:rPr lang="en-US" smtClean="0"/>
+              <a:t>Click to edit Master title style</a:t>
+            </a:r>
+            <a:endParaRPr lang="en-US" dirty="0"/>
+          </a:p>
+        </p:txBody>
+      </p:sp>
+      <p:sp>
+        <p:nvSpPr>
+          <p:cNvPr id="12" name="Text Placeholder 3"/>
+          <p:cNvSpPr>
+            <a:spLocks noGrp="1"/>
+          </p:cNvSpPr>
+          <p:nvPr>
+            <p:ph type="body" sz="half" idx="13"/>
+          </p:nvPr>
+        </p:nvSpPr>
+        <p:spPr>
+          <a:xfrm>
+            <a:off x="1720644" y="3365557"/>
+            <a:ext cx="8752299" cy="548968"/>
+          </a:xfrm>
+        </p:spPr>
+        <p:txBody>
+          <a:bodyPr anchor="t">
+            <a:normAutofit/>
+          </a:bodyPr>
+          <a:lstStyle>
+            <a:lvl1pPr marL="0" indent="0">
+              <a:buNone/>
+              <a:defRPr sz="1400"/>
+            </a:lvl1pPr>
+            <a:lvl2pPr marL="457200" indent="0">
+              <a:buNone/>
+              <a:defRPr sz="1400"/>
+            </a:lvl2pPr>
+            <a:lvl3pPr marL="914400" indent="0">
+              <a:buNone/>
+              <a:defRPr sz="1200"/>
+            </a:lvl3pPr>
+            <a:lvl4pPr marL="1371600" indent="0">
+              <a:buNone/>
+              <a:defRPr sz="1000"/>
+            </a:lvl4pPr>
+            <a:lvl5pPr marL="1828800" indent="0">
+              <a:buNone/>
+              <a:defRPr sz="1000"/>
+            </a:lvl5pPr>
+            <a:lvl6pPr marL="2286000" indent="0">
+              <a:buNone/>
+              <a:defRPr sz="1000"/>
+            </a:lvl6pPr>
+            <a:lvl7pPr marL="2743200" indent="0">
+              <a:buNone/>
+              <a:defRPr sz="1000"/>
+            </a:lvl7pPr>
+            <a:lvl8pPr marL="3200400" indent="0">
+              <a:buNone/>
+              <a:defRPr sz="1000"/>
+            </a:lvl8pPr>
+            <a:lvl9pPr marL="3657600" indent="0">
+              <a:buNone/>
+              <a:defRPr sz="1000"/>
+            </a:lvl9pPr>
+          </a:lstStyle>
+          <a:p>
+            <a:pPr lvl="0"/>
+            <a:r>
+              <a:rPr lang="en-US" smtClean="0"/>
+              <a:t>Click to edit Master text styles</a:t>
+            </a:r>
+          </a:p>
+        </p:txBody>
+      </p:sp>
+      <p:sp>
+        <p:nvSpPr>
+          <p:cNvPr id="4" name="Text Placeholder 3"/>
+          <p:cNvSpPr>
+            <a:spLocks noGrp="1"/>
+          </p:cNvSpPr>
+          <p:nvPr>
+            <p:ph type="body" sz="half" idx="2"/>
+          </p:nvPr>
+        </p:nvSpPr>
+        <p:spPr>
+          <a:xfrm>
+            <a:off x="838200" y="4501729"/>
+            <a:ext cx="10512424" cy="1489496"/>
+          </a:xfrm>
+        </p:spPr>
+        <p:txBody>
+          <a:bodyPr anchor="ctr">
+            <a:normAutofit/>
+          </a:bodyPr>
+          <a:lstStyle>
+            <a:lvl1pPr marL="0" indent="0">
+              <a:buNone/>
+              <a:defRPr sz="1600"/>
+            </a:lvl1pPr>
+            <a:lvl2pPr marL="457200" indent="0">
+              <a:buNone/>
+              <a:defRPr sz="1400"/>
+            </a:lvl2pPr>
+            <a:lvl3pPr marL="914400" indent="0">
+              <a:buNone/>
+              <a:defRPr sz="1200"/>
+            </a:lvl3pPr>
+            <a:lvl4pPr marL="1371600" indent="0">
+              <a:buNone/>
+              <a:defRPr sz="1000"/>
+            </a:lvl4pPr>
+            <a:lvl5pPr marL="1828800" indent="0">
+              <a:buNone/>
+              <a:defRPr sz="1000"/>
+            </a:lvl5pPr>
+            <a:lvl6pPr marL="2286000" indent="0">
+              <a:buNone/>
+              <a:defRPr sz="1000"/>
+            </a:lvl6pPr>
+            <a:lvl7pPr marL="2743200" indent="0">
+              <a:buNone/>
+              <a:defRPr sz="1000"/>
+            </a:lvl7pPr>
+            <a:lvl8pPr marL="3200400" indent="0">
+              <a:buNone/>
+              <a:defRPr sz="1000"/>
+            </a:lvl8pPr>
+            <a:lvl9pPr marL="3657600" indent="0">
+              <a:buNone/>
+              <a:defRPr sz="1000"/>
+            </a:lvl9pPr>
+          </a:lstStyle>
+          <a:p>
+            <a:pPr lvl="0"/>
+            <a:r>
+              <a:rPr lang="en-US" smtClean="0"/>
+              <a:t>Click to edit Master text styles</a:t>
+            </a:r>
+          </a:p>
+        </p:txBody>
+      </p:sp>
+      <p:sp>
+        <p:nvSpPr>
+          <p:cNvPr id="5" name="Date Placeholder 4"/>
+          <p:cNvSpPr>
+            <a:spLocks noGrp="1"/>
+          </p:cNvSpPr>
+          <p:nvPr>
+            <p:ph type="dt" sz="half" idx="10"/>
+          </p:nvPr>
+        </p:nvSpPr>
+        <p:spPr/>
+        <p:txBody>
+          <a:bodyPr/>
+          <a:lstStyle/>
+          <a:p>
+            <a:fld id="{B61BEF0D-F0BB-DE4B-95CE-6DB70DBA9567}" type="datetimeFigureOut">
+              <a:rPr lang="en-US" smtClean="0"/>
+              <a:pPr/>
+              <a:t>7/29/2018</a:t>
+            </a:fld>
+            <a:endParaRPr lang="en-US" dirty="0"/>
+          </a:p>
+        </p:txBody>
+      </p:sp>
+      <p:sp>
+        <p:nvSpPr>
+          <p:cNvPr id="6" name="Footer Placeholder 5"/>
+          <p:cNvSpPr>
+            <a:spLocks noGrp="1"/>
+          </p:cNvSpPr>
+          <p:nvPr>
+            <p:ph type="ftr" sz="quarter" idx="11"/>
+          </p:nvPr>
+        </p:nvSpPr>
+        <p:spPr/>
+        <p:txBody>
+          <a:bodyPr/>
+          <a:lstStyle/>
+          <a:p>
+            <a:endParaRPr lang="en-US" dirty="0"/>
+          </a:p>
+        </p:txBody>
+      </p:sp>
+      <p:sp>
+        <p:nvSpPr>
+          <p:cNvPr id="7" name="Slide Number Placeholder 6"/>
+          <p:cNvSpPr>
+            <a:spLocks noGrp="1"/>
+          </p:cNvSpPr>
+          <p:nvPr>
+            <p:ph type="sldNum" sz="quarter" idx="12"/>
+          </p:nvPr>
+        </p:nvSpPr>
+        <p:spPr/>
+        <p:txBody>
+          <a:bodyPr/>
+          <a:lstStyle/>
+          <a:p>
+            <a:fld id="{D57F1E4F-1CFF-5643-939E-217C01CDF565}" type="slidenum">
+              <a:rPr lang="en-US" smtClean="0"/>
+              <a:pPr/>
+              <a:t>‹#›</a:t>
+            </a:fld>
+            <a:endParaRPr lang="en-US" dirty="0"/>
+          </a:p>
+        </p:txBody>
+      </p:sp>
+      <p:sp>
+        <p:nvSpPr>
+          <p:cNvPr id="9" name="TextBox 8"/>
           <p:cNvSpPr txBox="1"/>
           <p:nvPr/>
         </p:nvSpPr>
         <p:spPr>
           <a:xfrm>
-            <a:off x="10237867" y="2743200"/>
+            <a:off x="1111044" y="786824"/>
             <a:ext cx="609600" cy="584776"/>
           </a:xfrm>
           <a:prstGeom prst="rect">
@@ -1162,7 +1197,7 @@
             </a:lvl9pPr>
           </a:lstStyle>
           <a:p>
-            <a:pPr lvl="0" algn="r"/>
+            <a:pPr lvl="0"/>
             <a:r>
               <a:rPr lang="en-US" sz="8000" dirty="0">
                 <a:solidFill>
@@ -1170,20 +1205,20 @@
                 </a:solidFill>
                 <a:effectLst/>
               </a:rPr>
-              <a:t>”</a:t>
-            </a:r>
-          </a:p>
-        </p:txBody>
-      </p:sp>
-      <p:sp>
-        <p:nvSpPr>
-          <p:cNvPr id="11" name="TextBox 10"/>
+              <a:t>“</a:t>
+            </a:r>
+          </a:p>
+        </p:txBody>
+      </p:sp>
+      <p:sp>
+        <p:nvSpPr>
+          <p:cNvPr id="10" name="TextBox 9"/>
           <p:cNvSpPr txBox="1"/>
           <p:nvPr/>
         </p:nvSpPr>
         <p:spPr>
           <a:xfrm>
-            <a:off x="488275" y="823337"/>
+            <a:off x="10437812" y="2743200"/>
             <a:ext cx="609600" cy="584776"/>
           </a:xfrm>
           <a:prstGeom prst="rect">
@@ -1286,286 +1321,8 @@
                 </a:solidFill>
                 <a:effectLst/>
               </a:rPr>
-              <a:t>“</a:t>
-            </a:r>
-          </a:p>
-        </p:txBody>
-      </p:sp>
-      <p:sp>
-        <p:nvSpPr>
-          <p:cNvPr id="2" name="Title 1"/>
-          <p:cNvSpPr>
-            <a:spLocks noGrp="1"/>
-          </p:cNvSpPr>
-          <p:nvPr>
-            <p:ph type="title"/>
-          </p:nvPr>
-        </p:nvSpPr>
-        <p:spPr>
-          <a:xfrm>
-            <a:off x="992267" y="609601"/>
-            <a:ext cx="9550399" cy="2743199"/>
-          </a:xfrm>
-        </p:spPr>
-        <p:txBody>
-          <a:bodyPr anchor="ctr">
-            <a:normAutofit/>
-          </a:bodyPr>
-          <a:lstStyle>
-            <a:lvl1pPr algn="l">
-              <a:defRPr sz="3200" b="0" cap="none">
-                <a:solidFill>
-                  <a:schemeClr val="tx1"/>
-                </a:solidFill>
-              </a:defRPr>
-            </a:lvl1pPr>
-          </a:lstStyle>
-          <a:p>
-            <a:r>
-              <a:rPr lang="en-US" smtClean="0"/>
-              <a:t>Click to edit Master title style</a:t>
-            </a:r>
-            <a:endParaRPr lang="en-US" dirty="0"/>
-          </a:p>
-        </p:txBody>
-      </p:sp>
-      <p:sp>
-        <p:nvSpPr>
-          <p:cNvPr id="10" name="Text Placeholder 9"/>
-          <p:cNvSpPr>
-            <a:spLocks noGrp="1"/>
-          </p:cNvSpPr>
-          <p:nvPr>
-            <p:ph type="body" sz="quarter" idx="13"/>
-          </p:nvPr>
-        </p:nvSpPr>
-        <p:spPr>
-          <a:xfrm>
-            <a:off x="1097875" y="3352800"/>
-            <a:ext cx="9339184" cy="381000"/>
-          </a:xfrm>
-        </p:spPr>
-        <p:txBody>
-          <a:bodyPr anchor="ctr"/>
-          <a:lstStyle>
-            <a:lvl1pPr marL="0" indent="0">
-              <a:buFontTx/>
-              <a:buNone/>
-              <a:defRPr/>
-            </a:lvl1pPr>
-            <a:lvl2pPr marL="457200" indent="0">
-              <a:buFontTx/>
-              <a:buNone/>
-              <a:defRPr/>
-            </a:lvl2pPr>
-            <a:lvl3pPr marL="914400" indent="0">
-              <a:buFontTx/>
-              <a:buNone/>
-              <a:defRPr/>
-            </a:lvl3pPr>
-            <a:lvl4pPr marL="1371600" indent="0">
-              <a:buFontTx/>
-              <a:buNone/>
-              <a:defRPr/>
-            </a:lvl4pPr>
-            <a:lvl5pPr marL="1828800" indent="0">
-              <a:buFontTx/>
-              <a:buNone/>
-              <a:defRPr/>
-            </a:lvl5pPr>
-          </a:lstStyle>
-          <a:p>
-            <a:pPr lvl="0"/>
-            <a:r>
-              <a:rPr lang="en-US" smtClean="0"/>
-              <a:t>Click to edit Master text styles</a:t>
-            </a:r>
-          </a:p>
-        </p:txBody>
-      </p:sp>
-      <p:sp>
-        <p:nvSpPr>
-          <p:cNvPr id="3" name="Text Placeholder 2"/>
-          <p:cNvSpPr>
-            <a:spLocks noGrp="1"/>
-          </p:cNvSpPr>
-          <p:nvPr>
-            <p:ph type="body" idx="1"/>
-          </p:nvPr>
-        </p:nvSpPr>
-        <p:spPr>
-          <a:xfrm>
-            <a:off x="687465" y="4343400"/>
-            <a:ext cx="10152367" cy="1447800"/>
-          </a:xfrm>
-        </p:spPr>
-        <p:txBody>
-          <a:bodyPr anchor="ctr">
-            <a:normAutofit/>
-          </a:bodyPr>
-          <a:lstStyle>
-            <a:lvl1pPr marL="0" indent="0" algn="l">
-              <a:buNone/>
-              <a:defRPr sz="2000">
-                <a:solidFill>
-                  <a:schemeClr val="tx1"/>
-                </a:solidFill>
-              </a:defRPr>
-            </a:lvl1pPr>
-            <a:lvl2pPr marL="457200" indent="0">
-              <a:buNone/>
-              <a:defRPr sz="1800">
-                <a:solidFill>
-                  <a:schemeClr val="tx1">
-                    <a:tint val="75000"/>
-                  </a:schemeClr>
-                </a:solidFill>
-              </a:defRPr>
-            </a:lvl2pPr>
-            <a:lvl3pPr marL="914400" indent="0">
-              <a:buNone/>
-              <a:defRPr sz="1600">
-                <a:solidFill>
-                  <a:schemeClr val="tx1">
-                    <a:tint val="75000"/>
-                  </a:schemeClr>
-                </a:solidFill>
-              </a:defRPr>
-            </a:lvl3pPr>
-            <a:lvl4pPr marL="1371600" indent="0">
-              <a:buNone/>
-              <a:defRPr sz="1400">
-                <a:solidFill>
-                  <a:schemeClr val="tx1">
-                    <a:tint val="75000"/>
-                  </a:schemeClr>
-                </a:solidFill>
-              </a:defRPr>
-            </a:lvl4pPr>
-            <a:lvl5pPr marL="1828800" indent="0">
-              <a:buNone/>
-              <a:defRPr sz="1400">
-                <a:solidFill>
-                  <a:schemeClr val="tx1">
-                    <a:tint val="75000"/>
-                  </a:schemeClr>
-                </a:solidFill>
-              </a:defRPr>
-            </a:lvl5pPr>
-            <a:lvl6pPr marL="2286000" indent="0">
-              <a:buNone/>
-              <a:defRPr sz="1400">
-                <a:solidFill>
-                  <a:schemeClr val="tx1">
-                    <a:tint val="75000"/>
-                  </a:schemeClr>
-                </a:solidFill>
-              </a:defRPr>
-            </a:lvl6pPr>
-            <a:lvl7pPr marL="2743200" indent="0">
-              <a:buNone/>
-              <a:defRPr sz="1400">
-                <a:solidFill>
-                  <a:schemeClr val="tx1">
-                    <a:tint val="75000"/>
-                  </a:schemeClr>
-                </a:solidFill>
-              </a:defRPr>
-            </a:lvl7pPr>
-            <a:lvl8pPr marL="3200400" indent="0">
-              <a:buNone/>
-              <a:defRPr sz="1400">
-                <a:solidFill>
-                  <a:schemeClr val="tx1">
-                    <a:tint val="75000"/>
-                  </a:schemeClr>
-                </a:solidFill>
-              </a:defRPr>
-            </a:lvl8pPr>
-            <a:lvl9pPr marL="3657600" indent="0">
-              <a:buNone/>
-              <a:defRPr sz="1400">
-                <a:solidFill>
-                  <a:schemeClr val="tx1">
-                    <a:tint val="75000"/>
-                  </a:schemeClr>
-                </a:solidFill>
-              </a:defRPr>
-            </a:lvl9pPr>
-          </a:lstStyle>
-          <a:p>
-            <a:pPr lvl="0"/>
-            <a:r>
-              <a:rPr lang="en-US" smtClean="0"/>
-              <a:t>Click to edit Master text styles</a:t>
-            </a:r>
-          </a:p>
-        </p:txBody>
-      </p:sp>
-      <p:sp>
-        <p:nvSpPr>
-          <p:cNvPr id="4" name="Date Placeholder 3"/>
-          <p:cNvSpPr>
-            <a:spLocks noGrp="1"/>
-          </p:cNvSpPr>
-          <p:nvPr>
-            <p:ph type="dt" sz="half" idx="10"/>
-          </p:nvPr>
-        </p:nvSpPr>
-        <p:spPr/>
-        <p:txBody>
-          <a:bodyPr/>
-          <a:lstStyle/>
-          <a:p>
-            <a:fld id="{B61BEF0D-F0BB-DE4B-95CE-6DB70DBA9567}" type="datetimeFigureOut">
-              <a:rPr lang="en-US" dirty="0"/>
-              <a:pPr/>
-              <a:t>7/27/2018</a:t>
-            </a:fld>
-            <a:endParaRPr lang="en-US" dirty="0"/>
-          </a:p>
-        </p:txBody>
-      </p:sp>
-      <p:sp>
-        <p:nvSpPr>
-          <p:cNvPr id="5" name="Footer Placeholder 4"/>
-          <p:cNvSpPr>
-            <a:spLocks noGrp="1"/>
-          </p:cNvSpPr>
-          <p:nvPr>
-            <p:ph type="ftr" sz="quarter" idx="11"/>
-          </p:nvPr>
-        </p:nvSpPr>
-        <p:spPr/>
-        <p:txBody>
-          <a:bodyPr/>
-          <a:lstStyle/>
-          <a:p>
-            <a:endParaRPr lang="en-US" dirty="0"/>
-          </a:p>
-        </p:txBody>
-      </p:sp>
-      <p:sp>
-        <p:nvSpPr>
-          <p:cNvPr id="6" name="Slide Number Placeholder 5"/>
-          <p:cNvSpPr>
-            <a:spLocks noGrp="1"/>
-          </p:cNvSpPr>
-          <p:nvPr>
-            <p:ph type="sldNum" sz="quarter" idx="12"/>
-          </p:nvPr>
-        </p:nvSpPr>
-        <p:spPr/>
-        <p:txBody>
-          <a:bodyPr/>
-          <a:lstStyle/>
-          <a:p>
-            <a:fld id="{D57F1E4F-1CFF-5643-939E-217C01CDF565}" type="slidenum">
-              <a:rPr lang="en-US" dirty="0"/>
-              <a:pPr/>
-              <a:t>‹#›</a:t>
-            </a:fld>
-            <a:endParaRPr lang="en-US" dirty="0"/>
+              <a:t>”</a:t>
+            </a:r>
           </a:p>
         </p:txBody>
       </p:sp>
@@ -1594,50 +1351,20 @@
           <a:chExt cx="0" cy="0"/>
         </a:xfrm>
       </p:grpSpPr>
-      <p:pic>
-        <p:nvPicPr>
-          <p:cNvPr id="8" name="Picture 7" descr="Celestia-R1---OverlayContentHD.png"/>
-          <p:cNvPicPr>
-            <a:picLocks noChangeAspect="1"/>
-          </p:cNvPicPr>
-          <p:nvPr/>
-        </p:nvPicPr>
-        <p:blipFill>
-          <a:blip r:embed="rId2">
-            <a:extLst>
-              <a:ext uri="{28A0092B-C50C-407E-A947-70E740481C1C}">
-                <a14:useLocalDpi xmlns:a14="http://schemas.microsoft.com/office/drawing/2010/main" xmlns="" val="0"/>
-              </a:ext>
-            </a:extLst>
-          </a:blip>
-          <a:stretch>
-            <a:fillRect/>
-          </a:stretch>
-        </p:blipFill>
+      <p:sp>
+        <p:nvSpPr>
+          <p:cNvPr id="2" name="Title 1"/>
+          <p:cNvSpPr>
+            <a:spLocks noGrp="1"/>
+          </p:cNvSpPr>
+          <p:nvPr>
+            <p:ph type="title"/>
+          </p:nvPr>
+        </p:nvSpPr>
         <p:spPr>
           <a:xfrm>
-            <a:off x="0" y="0"/>
-            <a:ext cx="12188825" cy="6856214"/>
-          </a:xfrm>
-          <a:prstGeom prst="rect">
-            <a:avLst/>
-          </a:prstGeom>
-        </p:spPr>
-      </p:pic>
-      <p:sp>
-        <p:nvSpPr>
-          <p:cNvPr id="2" name="Title 1"/>
-          <p:cNvSpPr>
-            <a:spLocks noGrp="1"/>
-          </p:cNvSpPr>
-          <p:nvPr>
-            <p:ph type="title"/>
-          </p:nvPr>
-        </p:nvSpPr>
-        <p:spPr>
-          <a:xfrm>
-            <a:off x="685802" y="3308581"/>
-            <a:ext cx="10131425" cy="1468800"/>
+            <a:off x="839788" y="2326967"/>
+            <a:ext cx="10515600" cy="2511835"/>
           </a:xfrm>
         </p:spPr>
         <p:txBody>
@@ -1645,8 +1372,8 @@
             <a:normAutofit/>
           </a:bodyPr>
           <a:lstStyle>
-            <a:lvl1pPr algn="l">
-              <a:defRPr sz="3200" b="0" cap="none"/>
+            <a:lvl1pPr>
+              <a:defRPr sz="5400"/>
             </a:lvl1pPr>
           </a:lstStyle>
           <a:p>
@@ -1660,112 +1387,58 @@
       </p:sp>
       <p:sp>
         <p:nvSpPr>
-          <p:cNvPr id="3" name="Text Placeholder 2"/>
-          <p:cNvSpPr>
-            <a:spLocks noGrp="1"/>
-          </p:cNvSpPr>
-          <p:nvPr>
-            <p:ph type="body" idx="1"/>
+          <p:cNvPr id="4" name="Text Placeholder 3"/>
+          <p:cNvSpPr>
+            <a:spLocks noGrp="1"/>
+          </p:cNvSpPr>
+          <p:nvPr>
+            <p:ph type="body" sz="half" idx="2"/>
           </p:nvPr>
         </p:nvSpPr>
         <p:spPr>
           <a:xfrm>
-            <a:off x="685801" y="4777381"/>
-            <a:ext cx="10131426" cy="860400"/>
+            <a:off x="839788" y="4850581"/>
+            <a:ext cx="10514012" cy="1140644"/>
           </a:xfrm>
         </p:spPr>
         <p:txBody>
-          <a:bodyPr anchor="t">
-            <a:normAutofit/>
-          </a:bodyPr>
+          <a:bodyPr anchor="t"/>
           <a:lstStyle>
-            <a:lvl1pPr marL="0" indent="0" algn="l">
-              <a:buNone/>
-              <a:defRPr sz="2000">
-                <a:solidFill>
-                  <a:schemeClr val="tx1"/>
-                </a:solidFill>
-              </a:defRPr>
+            <a:lvl1pPr marL="0" indent="0">
+              <a:buNone/>
+              <a:defRPr sz="1600"/>
             </a:lvl1pPr>
             <a:lvl2pPr marL="457200" indent="0">
               <a:buNone/>
-              <a:defRPr sz="1800">
-                <a:solidFill>
-                  <a:schemeClr val="tx1">
-                    <a:tint val="75000"/>
-                  </a:schemeClr>
-                </a:solidFill>
-              </a:defRPr>
+              <a:defRPr sz="1400"/>
             </a:lvl2pPr>
             <a:lvl3pPr marL="914400" indent="0">
               <a:buNone/>
-              <a:defRPr sz="1600">
-                <a:solidFill>
-                  <a:schemeClr val="tx1">
-                    <a:tint val="75000"/>
-                  </a:schemeClr>
-                </a:solidFill>
-              </a:defRPr>
+              <a:defRPr sz="1200"/>
             </a:lvl3pPr>
             <a:lvl4pPr marL="1371600" indent="0">
               <a:buNone/>
-              <a:defRPr sz="1400">
-                <a:solidFill>
-                  <a:schemeClr val="tx1">
-                    <a:tint val="75000"/>
-                  </a:schemeClr>
-                </a:solidFill>
-              </a:defRPr>
+              <a:defRPr sz="1000"/>
             </a:lvl4pPr>
             <a:lvl5pPr marL="1828800" indent="0">
               <a:buNone/>
-              <a:defRPr sz="1400">
-                <a:solidFill>
-                  <a:schemeClr val="tx1">
-                    <a:tint val="75000"/>
-                  </a:schemeClr>
-                </a:solidFill>
-              </a:defRPr>
+              <a:defRPr sz="1000"/>
             </a:lvl5pPr>
             <a:lvl6pPr marL="2286000" indent="0">
               <a:buNone/>
-              <a:defRPr sz="1400">
-                <a:solidFill>
-                  <a:schemeClr val="tx1">
-                    <a:tint val="75000"/>
-                  </a:schemeClr>
-                </a:solidFill>
-              </a:defRPr>
+              <a:defRPr sz="1000"/>
             </a:lvl6pPr>
             <a:lvl7pPr marL="2743200" indent="0">
               <a:buNone/>
-              <a:defRPr sz="1400">
-                <a:solidFill>
-                  <a:schemeClr val="tx1">
-                    <a:tint val="75000"/>
-                  </a:schemeClr>
-                </a:solidFill>
-              </a:defRPr>
+              <a:defRPr sz="1000"/>
             </a:lvl7pPr>
             <a:lvl8pPr marL="3200400" indent="0">
               <a:buNone/>
-              <a:defRPr sz="1400">
-                <a:solidFill>
-                  <a:schemeClr val="tx1">
-                    <a:tint val="75000"/>
-                  </a:schemeClr>
-                </a:solidFill>
-              </a:defRPr>
+              <a:defRPr sz="1000"/>
             </a:lvl8pPr>
             <a:lvl9pPr marL="3657600" indent="0">
               <a:buNone/>
-              <a:defRPr sz="1400">
-                <a:solidFill>
-                  <a:schemeClr val="tx1">
-                    <a:tint val="75000"/>
-                  </a:schemeClr>
-                </a:solidFill>
-              </a:defRPr>
+              <a:defRPr sz="1000"/>
             </a:lvl9pPr>
           </a:lstStyle>
           <a:p>
@@ -1779,7 +1452,7 @@
       </p:sp>
       <p:sp>
         <p:nvSpPr>
-          <p:cNvPr id="4" name="Date Placeholder 3"/>
+          <p:cNvPr id="5" name="Date Placeholder 4"/>
           <p:cNvSpPr>
             <a:spLocks noGrp="1"/>
           </p:cNvSpPr>
@@ -1793,9 +1466,9 @@
           <a:lstStyle/>
           <a:p>
             <a:fld id="{B61BEF0D-F0BB-DE4B-95CE-6DB70DBA9567}" type="datetimeFigureOut">
-              <a:rPr lang="en-US" dirty="0"/>
+              <a:rPr lang="en-US" smtClean="0"/>
               <a:pPr/>
-              <a:t>7/27/2018</a:t>
+              <a:t>7/29/2018</a:t>
             </a:fld>
             <a:endParaRPr lang="en-US" dirty="0"/>
           </a:p>
@@ -1803,7 +1476,7 @@
       </p:sp>
       <p:sp>
         <p:nvSpPr>
-          <p:cNvPr id="5" name="Footer Placeholder 4"/>
+          <p:cNvPr id="6" name="Footer Placeholder 5"/>
           <p:cNvSpPr>
             <a:spLocks noGrp="1"/>
           </p:cNvSpPr>
@@ -1822,7 +1495,7 @@
       </p:sp>
       <p:sp>
         <p:nvSpPr>
-          <p:cNvPr id="6" name="Slide Number Placeholder 5"/>
+          <p:cNvPr id="7" name="Slide Number Placeholder 6"/>
           <p:cNvSpPr>
             <a:spLocks noGrp="1"/>
           </p:cNvSpPr>
@@ -1836,7 +1509,7 @@
           <a:lstStyle/>
           <a:p>
             <a:fld id="{D57F1E4F-1CFF-5643-939E-217C01CDF565}" type="slidenum">
-              <a:rPr lang="en-US" dirty="0"/>
+              <a:rPr lang="en-US" smtClean="0"/>
               <a:pPr/>
               <a:t>‹#›</a:t>
             </a:fld>
@@ -1854,7 +1527,7 @@
 
 <file path=ppt/slideLayouts/slideLayout14.xml><?xml version="1.0" encoding="utf-8"?>
 <p:sldLayout xmlns:a="http://schemas.openxmlformats.org/drawingml/2006/main" xmlns:r="http://schemas.openxmlformats.org/officeDocument/2006/relationships" xmlns:p="http://schemas.openxmlformats.org/presentationml/2006/main" preserve="1">
-  <p:cSld name="Quote Name Card">
+  <p:cSld name="3 Column">
     <p:spTree>
       <p:nvGrpSpPr>
         <p:cNvPr id="1" name=""/>
@@ -1869,368 +1542,404 @@
           <a:chExt cx="0" cy="0"/>
         </a:xfrm>
       </p:grpSpPr>
-      <p:pic>
-        <p:nvPicPr>
-          <p:cNvPr id="11" name="Picture 10" descr="Celestia-R1---OverlayContentHD.png"/>
-          <p:cNvPicPr>
-            <a:picLocks noChangeAspect="1"/>
-          </p:cNvPicPr>
-          <p:nvPr/>
-        </p:nvPicPr>
-        <p:blipFill>
-          <a:blip r:embed="rId2">
-            <a:extLst>
-              <a:ext uri="{28A0092B-C50C-407E-A947-70E740481C1C}">
-                <a14:useLocalDpi xmlns:a14="http://schemas.microsoft.com/office/drawing/2010/main" xmlns="" val="0"/>
-              </a:ext>
-            </a:extLst>
-          </a:blip>
-          <a:stretch>
-            <a:fillRect/>
-          </a:stretch>
-        </p:blipFill>
+      <p:sp>
+        <p:nvSpPr>
+          <p:cNvPr id="15" name="Title 1"/>
+          <p:cNvSpPr>
+            <a:spLocks noGrp="1"/>
+          </p:cNvSpPr>
+          <p:nvPr>
+            <p:ph type="title"/>
+          </p:nvPr>
+        </p:nvSpPr>
         <p:spPr>
           <a:xfrm>
-            <a:off x="0" y="0"/>
-            <a:ext cx="12188825" cy="6856214"/>
+            <a:off x="838200" y="365125"/>
+            <a:ext cx="10515600" cy="1325563"/>
           </a:xfrm>
-          <a:prstGeom prst="rect">
-            <a:avLst/>
-          </a:prstGeom>
         </p:spPr>
-      </p:pic>
-      <p:sp>
-        <p:nvSpPr>
-          <p:cNvPr id="13" name="TextBox 12"/>
-          <p:cNvSpPr txBox="1"/>
-          <p:nvPr/>
+        <p:txBody>
+          <a:bodyPr/>
+          <a:lstStyle/>
+          <a:p>
+            <a:r>
+              <a:rPr lang="en-US" smtClean="0"/>
+              <a:t>Click to edit Master title style</a:t>
+            </a:r>
+            <a:endParaRPr lang="en-US" dirty="0"/>
+          </a:p>
+        </p:txBody>
+      </p:sp>
+      <p:sp>
+        <p:nvSpPr>
+          <p:cNvPr id="7" name="Text Placeholder 2"/>
+          <p:cNvSpPr>
+            <a:spLocks noGrp="1"/>
+          </p:cNvSpPr>
+          <p:nvPr>
+            <p:ph type="body" idx="1"/>
+          </p:nvPr>
         </p:nvSpPr>
         <p:spPr>
           <a:xfrm>
-            <a:off x="10237867" y="2743200"/>
-            <a:ext cx="609600" cy="584776"/>
+            <a:off x="1337282" y="1885950"/>
+            <a:ext cx="2946866" cy="576262"/>
           </a:xfrm>
-          <a:prstGeom prst="rect">
-            <a:avLst/>
-          </a:prstGeom>
         </p:spPr>
         <p:txBody>
-          <a:bodyPr vert="horz" lIns="91440" tIns="45720" rIns="91440" bIns="45720" rtlCol="0" anchor="ctr">
+          <a:bodyPr anchor="b">
+            <a:noAutofit/>
+          </a:bodyPr>
+          <a:lstStyle>
+            <a:lvl1pPr marL="0" indent="0">
+              <a:buNone/>
+              <a:defRPr sz="2400" b="0">
+                <a:gradFill>
+                  <a:gsLst>
+                    <a:gs pos="15000">
+                      <a:schemeClr val="tx2"/>
+                    </a:gs>
+                    <a:gs pos="73000">
+                      <a:schemeClr val="tx2">
+                        <a:lumMod val="60000"/>
+                        <a:lumOff val="40000"/>
+                      </a:schemeClr>
+                    </a:gs>
+                    <a:gs pos="0">
+                      <a:schemeClr val="tx2">
+                        <a:lumMod val="90000"/>
+                        <a:lumOff val="10000"/>
+                      </a:schemeClr>
+                    </a:gs>
+                    <a:gs pos="100000">
+                      <a:schemeClr val="tx2">
+                        <a:lumMod val="0"/>
+                        <a:lumOff val="100000"/>
+                      </a:schemeClr>
+                    </a:gs>
+                  </a:gsLst>
+                  <a:lin ang="16200000" scaled="1"/>
+                </a:gradFill>
+              </a:defRPr>
+            </a:lvl1pPr>
+            <a:lvl2pPr marL="457200" indent="0">
+              <a:buNone/>
+              <a:defRPr sz="2000" b="1"/>
+            </a:lvl2pPr>
+            <a:lvl3pPr marL="914400" indent="0">
+              <a:buNone/>
+              <a:defRPr sz="1800" b="1"/>
+            </a:lvl3pPr>
+            <a:lvl4pPr marL="1371600" indent="0">
+              <a:buNone/>
+              <a:defRPr sz="1600" b="1"/>
+            </a:lvl4pPr>
+            <a:lvl5pPr marL="1828800" indent="0">
+              <a:buNone/>
+              <a:defRPr sz="1600" b="1"/>
+            </a:lvl5pPr>
+            <a:lvl6pPr marL="2286000" indent="0">
+              <a:buNone/>
+              <a:defRPr sz="1600" b="1"/>
+            </a:lvl6pPr>
+            <a:lvl7pPr marL="2743200" indent="0">
+              <a:buNone/>
+              <a:defRPr sz="1600" b="1"/>
+            </a:lvl7pPr>
+            <a:lvl8pPr marL="3200400" indent="0">
+              <a:buNone/>
+              <a:defRPr sz="1600" b="1"/>
+            </a:lvl8pPr>
+            <a:lvl9pPr marL="3657600" indent="0">
+              <a:buNone/>
+              <a:defRPr sz="1600" b="1"/>
+            </a:lvl9pPr>
+          </a:lstStyle>
+          <a:p>
+            <a:pPr lvl="0"/>
+            <a:r>
+              <a:rPr lang="en-US" smtClean="0"/>
+              <a:t>Click to edit Master text styles</a:t>
+            </a:r>
+          </a:p>
+        </p:txBody>
+      </p:sp>
+      <p:sp>
+        <p:nvSpPr>
+          <p:cNvPr id="8" name="Text Placeholder 3"/>
+          <p:cNvSpPr>
+            <a:spLocks noGrp="1"/>
+          </p:cNvSpPr>
+          <p:nvPr>
+            <p:ph type="body" sz="half" idx="15"/>
+          </p:nvPr>
+        </p:nvSpPr>
+        <p:spPr>
+          <a:xfrm>
+            <a:off x="1356798" y="2571750"/>
+            <a:ext cx="2927350" cy="3589338"/>
+          </a:xfrm>
+        </p:spPr>
+        <p:txBody>
+          <a:bodyPr anchor="t">
+            <a:normAutofit/>
+          </a:bodyPr>
+          <a:lstStyle>
+            <a:lvl1pPr marL="0" indent="0">
+              <a:buNone/>
+              <a:defRPr sz="1400"/>
+            </a:lvl1pPr>
+            <a:lvl2pPr marL="457200" indent="0">
+              <a:buNone/>
+              <a:defRPr sz="1200"/>
+            </a:lvl2pPr>
+            <a:lvl3pPr marL="914400" indent="0">
+              <a:buNone/>
+              <a:defRPr sz="1000"/>
+            </a:lvl3pPr>
+            <a:lvl4pPr marL="1371600" indent="0">
+              <a:buNone/>
+              <a:defRPr sz="900"/>
+            </a:lvl4pPr>
+            <a:lvl5pPr marL="1828800" indent="0">
+              <a:buNone/>
+              <a:defRPr sz="900"/>
+            </a:lvl5pPr>
+            <a:lvl6pPr marL="2286000" indent="0">
+              <a:buNone/>
+              <a:defRPr sz="900"/>
+            </a:lvl6pPr>
+            <a:lvl7pPr marL="2743200" indent="0">
+              <a:buNone/>
+              <a:defRPr sz="900"/>
+            </a:lvl7pPr>
+            <a:lvl8pPr marL="3200400" indent="0">
+              <a:buNone/>
+              <a:defRPr sz="900"/>
+            </a:lvl8pPr>
+            <a:lvl9pPr marL="3657600" indent="0">
+              <a:buNone/>
+              <a:defRPr sz="900"/>
+            </a:lvl9pPr>
+          </a:lstStyle>
+          <a:p>
+            <a:pPr lvl="0"/>
+            <a:r>
+              <a:rPr lang="en-US" smtClean="0"/>
+              <a:t>Click to edit Master text styles</a:t>
+            </a:r>
+          </a:p>
+        </p:txBody>
+      </p:sp>
+      <p:sp>
+        <p:nvSpPr>
+          <p:cNvPr id="9" name="Text Placeholder 4"/>
+          <p:cNvSpPr>
+            <a:spLocks noGrp="1"/>
+          </p:cNvSpPr>
+          <p:nvPr>
+            <p:ph type="body" sz="quarter" idx="3"/>
+          </p:nvPr>
+        </p:nvSpPr>
+        <p:spPr>
+          <a:xfrm>
+            <a:off x="4587994" y="1885950"/>
+            <a:ext cx="2936241" cy="576262"/>
+          </a:xfrm>
+        </p:spPr>
+        <p:txBody>
+          <a:bodyPr vert="horz" lIns="91440" tIns="45720" rIns="91440" bIns="45720" rtlCol="0" anchor="b">
             <a:noAutofit/>
           </a:bodyPr>
           <a:lstStyle>
             <a:lvl1pPr>
-              <a:spcBef>
-                <a:spcPct val="0"/>
-              </a:spcBef>
-              <a:buNone/>
-              <a:defRPr sz="3200" b="0" cap="all">
-                <a:ln w="3175" cmpd="sng">
-                  <a:noFill/>
-                </a:ln>
-                <a:effectLst>
-                  <a:glow rad="38100">
-                    <a:schemeClr val="bg1">
-                      <a:lumMod val="65000"/>
-                      <a:lumOff val="35000"/>
-                      <a:alpha val="40000"/>
-                    </a:schemeClr>
-                  </a:glow>
-                  <a:outerShdw blurRad="28575" dist="38100" dir="14040000" algn="tl" rotWithShape="0">
-                    <a:srgbClr val="000000">
-                      <a:alpha val="25000"/>
-                    </a:srgbClr>
-                  </a:outerShdw>
-                </a:effectLst>
+              <a:buNone/>
+              <a:defRPr lang="en-US" sz="2400" b="0">
+                <a:gradFill>
+                  <a:gsLst>
+                    <a:gs pos="15000">
+                      <a:schemeClr val="tx2"/>
+                    </a:gs>
+                    <a:gs pos="73000">
+                      <a:schemeClr val="tx2">
+                        <a:lumMod val="60000"/>
+                        <a:lumOff val="40000"/>
+                      </a:schemeClr>
+                    </a:gs>
+                    <a:gs pos="0">
+                      <a:schemeClr val="tx2">
+                        <a:lumMod val="90000"/>
+                        <a:lumOff val="10000"/>
+                      </a:schemeClr>
+                    </a:gs>
+                    <a:gs pos="100000">
+                      <a:schemeClr val="tx2">
+                        <a:lumMod val="0"/>
+                        <a:lumOff val="100000"/>
+                      </a:schemeClr>
+                    </a:gs>
+                  </a:gsLst>
+                  <a:lin ang="16200000" scaled="1"/>
+                </a:gradFill>
               </a:defRPr>
             </a:lvl1pPr>
-            <a:lvl2pPr>
-              <a:defRPr>
-                <a:solidFill>
-                  <a:schemeClr val="tx2"/>
-                </a:solidFill>
-              </a:defRPr>
+          </a:lstStyle>
+          <a:p>
+            <a:pPr marL="0" lvl="0" indent="0">
+              <a:buNone/>
+            </a:pPr>
+            <a:r>
+              <a:rPr lang="en-US" smtClean="0"/>
+              <a:t>Click to edit Master text styles</a:t>
+            </a:r>
+          </a:p>
+        </p:txBody>
+      </p:sp>
+      <p:sp>
+        <p:nvSpPr>
+          <p:cNvPr id="10" name="Text Placeholder 3"/>
+          <p:cNvSpPr>
+            <a:spLocks noGrp="1"/>
+          </p:cNvSpPr>
+          <p:nvPr>
+            <p:ph type="body" sz="half" idx="16"/>
+          </p:nvPr>
+        </p:nvSpPr>
+        <p:spPr>
+          <a:xfrm>
+            <a:off x="4577441" y="2571750"/>
+            <a:ext cx="2946794" cy="3589338"/>
+          </a:xfrm>
+        </p:spPr>
+        <p:txBody>
+          <a:bodyPr anchor="t">
+            <a:normAutofit/>
+          </a:bodyPr>
+          <a:lstStyle>
+            <a:lvl1pPr marL="0" indent="0">
+              <a:buNone/>
+              <a:defRPr sz="1400"/>
+            </a:lvl1pPr>
+            <a:lvl2pPr marL="457200" indent="0">
+              <a:buNone/>
+              <a:defRPr sz="1200"/>
             </a:lvl2pPr>
-            <a:lvl3pPr>
-              <a:defRPr>
-                <a:solidFill>
-                  <a:schemeClr val="tx2"/>
-                </a:solidFill>
-              </a:defRPr>
+            <a:lvl3pPr marL="914400" indent="0">
+              <a:buNone/>
+              <a:defRPr sz="1000"/>
             </a:lvl3pPr>
-            <a:lvl4pPr>
-              <a:defRPr>
-                <a:solidFill>
-                  <a:schemeClr val="tx2"/>
-                </a:solidFill>
-              </a:defRPr>
+            <a:lvl4pPr marL="1371600" indent="0">
+              <a:buNone/>
+              <a:defRPr sz="900"/>
             </a:lvl4pPr>
-            <a:lvl5pPr>
-              <a:defRPr>
-                <a:solidFill>
-                  <a:schemeClr val="tx2"/>
-                </a:solidFill>
-              </a:defRPr>
+            <a:lvl5pPr marL="1828800" indent="0">
+              <a:buNone/>
+              <a:defRPr sz="900"/>
             </a:lvl5pPr>
-            <a:lvl6pPr>
-              <a:defRPr>
-                <a:solidFill>
-                  <a:schemeClr val="tx2"/>
-                </a:solidFill>
-              </a:defRPr>
+            <a:lvl6pPr marL="2286000" indent="0">
+              <a:buNone/>
+              <a:defRPr sz="900"/>
             </a:lvl6pPr>
-            <a:lvl7pPr>
-              <a:defRPr>
-                <a:solidFill>
-                  <a:schemeClr val="tx2"/>
-                </a:solidFill>
-              </a:defRPr>
+            <a:lvl7pPr marL="2743200" indent="0">
+              <a:buNone/>
+              <a:defRPr sz="900"/>
             </a:lvl7pPr>
-            <a:lvl8pPr>
-              <a:defRPr>
-                <a:solidFill>
-                  <a:schemeClr val="tx2"/>
-                </a:solidFill>
-              </a:defRPr>
+            <a:lvl8pPr marL="3200400" indent="0">
+              <a:buNone/>
+              <a:defRPr sz="900"/>
             </a:lvl8pPr>
-            <a:lvl9pPr>
-              <a:defRPr>
-                <a:solidFill>
-                  <a:schemeClr val="tx2"/>
-                </a:solidFill>
-              </a:defRPr>
+            <a:lvl9pPr marL="3657600" indent="0">
+              <a:buNone/>
+              <a:defRPr sz="900"/>
             </a:lvl9pPr>
           </a:lstStyle>
           <a:p>
-            <a:pPr lvl="0" algn="r"/>
-            <a:r>
-              <a:rPr lang="en-US" sz="8000" dirty="0">
-                <a:solidFill>
-                  <a:schemeClr val="tx1"/>
-                </a:solidFill>
-                <a:effectLst/>
-              </a:rPr>
-              <a:t>”</a:t>
-            </a:r>
-          </a:p>
-        </p:txBody>
-      </p:sp>
-      <p:sp>
-        <p:nvSpPr>
-          <p:cNvPr id="14" name="TextBox 13"/>
-          <p:cNvSpPr txBox="1"/>
-          <p:nvPr/>
+            <a:pPr lvl="0"/>
+            <a:r>
+              <a:rPr lang="en-US" smtClean="0"/>
+              <a:t>Click to edit Master text styles</a:t>
+            </a:r>
+          </a:p>
+        </p:txBody>
+      </p:sp>
+      <p:sp>
+        <p:nvSpPr>
+          <p:cNvPr id="11" name="Text Placeholder 4"/>
+          <p:cNvSpPr>
+            <a:spLocks noGrp="1"/>
+          </p:cNvSpPr>
+          <p:nvPr>
+            <p:ph type="body" sz="quarter" idx="13"/>
+          </p:nvPr>
         </p:nvSpPr>
         <p:spPr>
           <a:xfrm>
-            <a:off x="488275" y="823337"/>
-            <a:ext cx="609600" cy="584776"/>
+            <a:off x="7829035" y="1885950"/>
+            <a:ext cx="2932113" cy="576262"/>
           </a:xfrm>
-          <a:prstGeom prst="rect">
-            <a:avLst/>
-          </a:prstGeom>
         </p:spPr>
         <p:txBody>
-          <a:bodyPr vert="horz" lIns="91440" tIns="45720" rIns="91440" bIns="45720" rtlCol="0" anchor="ctr">
+          <a:bodyPr vert="horz" lIns="91440" tIns="45720" rIns="91440" bIns="45720" rtlCol="0" anchor="b">
             <a:noAutofit/>
           </a:bodyPr>
           <a:lstStyle>
             <a:lvl1pPr>
-              <a:spcBef>
-                <a:spcPct val="0"/>
-              </a:spcBef>
-              <a:buNone/>
-              <a:defRPr sz="3200" b="0" cap="all">
-                <a:ln w="3175" cmpd="sng">
-                  <a:noFill/>
-                </a:ln>
-                <a:effectLst>
-                  <a:glow rad="38100">
-                    <a:schemeClr val="bg1">
-                      <a:lumMod val="65000"/>
-                      <a:lumOff val="35000"/>
-                      <a:alpha val="40000"/>
-                    </a:schemeClr>
-                  </a:glow>
-                  <a:outerShdw blurRad="28575" dist="38100" dir="14040000" algn="tl" rotWithShape="0">
-                    <a:srgbClr val="000000">
-                      <a:alpha val="25000"/>
-                    </a:srgbClr>
-                  </a:outerShdw>
-                </a:effectLst>
-              </a:defRPr>
-            </a:lvl1pPr>
-            <a:lvl2pPr>
-              <a:defRPr>
-                <a:solidFill>
-                  <a:schemeClr val="tx2"/>
-                </a:solidFill>
-              </a:defRPr>
-            </a:lvl2pPr>
-            <a:lvl3pPr>
-              <a:defRPr>
-                <a:solidFill>
-                  <a:schemeClr val="tx2"/>
-                </a:solidFill>
-              </a:defRPr>
-            </a:lvl3pPr>
-            <a:lvl4pPr>
-              <a:defRPr>
-                <a:solidFill>
-                  <a:schemeClr val="tx2"/>
-                </a:solidFill>
-              </a:defRPr>
-            </a:lvl4pPr>
-            <a:lvl5pPr>
-              <a:defRPr>
-                <a:solidFill>
-                  <a:schemeClr val="tx2"/>
-                </a:solidFill>
-              </a:defRPr>
-            </a:lvl5pPr>
-            <a:lvl6pPr>
-              <a:defRPr>
-                <a:solidFill>
-                  <a:schemeClr val="tx2"/>
-                </a:solidFill>
-              </a:defRPr>
-            </a:lvl6pPr>
-            <a:lvl7pPr>
-              <a:defRPr>
-                <a:solidFill>
-                  <a:schemeClr val="tx2"/>
-                </a:solidFill>
-              </a:defRPr>
-            </a:lvl7pPr>
-            <a:lvl8pPr>
-              <a:defRPr>
-                <a:solidFill>
-                  <a:schemeClr val="tx2"/>
-                </a:solidFill>
-              </a:defRPr>
-            </a:lvl8pPr>
-            <a:lvl9pPr>
-              <a:defRPr>
-                <a:solidFill>
-                  <a:schemeClr val="tx2"/>
-                </a:solidFill>
-              </a:defRPr>
-            </a:lvl9pPr>
-          </a:lstStyle>
-          <a:p>
-            <a:pPr lvl="0" algn="r"/>
-            <a:r>
-              <a:rPr lang="en-US" sz="8000" dirty="0">
-                <a:solidFill>
-                  <a:schemeClr val="tx1"/>
-                </a:solidFill>
-                <a:effectLst/>
-              </a:rPr>
-              <a:t>“</a:t>
-            </a:r>
-          </a:p>
-        </p:txBody>
-      </p:sp>
-      <p:sp>
-        <p:nvSpPr>
-          <p:cNvPr id="16" name="Title 1"/>
-          <p:cNvSpPr>
-            <a:spLocks noGrp="1"/>
-          </p:cNvSpPr>
-          <p:nvPr>
-            <p:ph type="title"/>
-          </p:nvPr>
-        </p:nvSpPr>
-        <p:spPr>
-          <a:xfrm>
-            <a:off x="992267" y="609601"/>
-            <a:ext cx="9550399" cy="2743199"/>
-          </a:xfrm>
-        </p:spPr>
-        <p:txBody>
-          <a:bodyPr anchor="ctr">
-            <a:normAutofit/>
-          </a:bodyPr>
-          <a:lstStyle>
-            <a:lvl1pPr algn="l">
-              <a:defRPr sz="3200" b="0" cap="none">
-                <a:solidFill>
-                  <a:schemeClr val="tx1"/>
-                </a:solidFill>
+              <a:buNone/>
+              <a:defRPr lang="en-US" sz="2400" b="0" dirty="0">
+                <a:gradFill>
+                  <a:gsLst>
+                    <a:gs pos="15000">
+                      <a:schemeClr val="tx2"/>
+                    </a:gs>
+                    <a:gs pos="73000">
+                      <a:schemeClr val="tx2">
+                        <a:lumMod val="60000"/>
+                        <a:lumOff val="40000"/>
+                      </a:schemeClr>
+                    </a:gs>
+                    <a:gs pos="0">
+                      <a:schemeClr val="tx2">
+                        <a:lumMod val="90000"/>
+                        <a:lumOff val="10000"/>
+                      </a:schemeClr>
+                    </a:gs>
+                    <a:gs pos="100000">
+                      <a:schemeClr val="tx2">
+                        <a:lumMod val="0"/>
+                        <a:lumOff val="100000"/>
+                      </a:schemeClr>
+                    </a:gs>
+                  </a:gsLst>
+                  <a:lin ang="16200000" scaled="1"/>
+                </a:gradFill>
               </a:defRPr>
             </a:lvl1pPr>
           </a:lstStyle>
           <a:p>
-            <a:r>
-              <a:rPr lang="en-US" smtClean="0"/>
-              <a:t>Click to edit Master title style</a:t>
-            </a:r>
-            <a:endParaRPr lang="en-US" dirty="0"/>
-          </a:p>
-        </p:txBody>
-      </p:sp>
-      <p:sp>
-        <p:nvSpPr>
-          <p:cNvPr id="10" name="Text Placeholder 9"/>
-          <p:cNvSpPr>
-            <a:spLocks noGrp="1"/>
-          </p:cNvSpPr>
-          <p:nvPr>
-            <p:ph type="body" sz="quarter" idx="13"/>
+            <a:pPr marL="0" lvl="0" indent="0">
+              <a:buNone/>
+            </a:pPr>
+            <a:r>
+              <a:rPr lang="en-US" smtClean="0"/>
+              <a:t>Click to edit Master text styles</a:t>
+            </a:r>
+          </a:p>
+        </p:txBody>
+      </p:sp>
+      <p:sp>
+        <p:nvSpPr>
+          <p:cNvPr id="12" name="Text Placeholder 3"/>
+          <p:cNvSpPr>
+            <a:spLocks noGrp="1"/>
+          </p:cNvSpPr>
+          <p:nvPr>
+            <p:ph type="body" sz="half" idx="17"/>
           </p:nvPr>
         </p:nvSpPr>
         <p:spPr>
           <a:xfrm>
-            <a:off x="685800" y="3886200"/>
-            <a:ext cx="10135436" cy="889000"/>
-          </a:xfrm>
-        </p:spPr>
-        <p:txBody>
-          <a:bodyPr vert="horz" lIns="91440" tIns="45720" rIns="91440" bIns="45720" rtlCol="0" anchor="b">
-            <a:normAutofit/>
-          </a:bodyPr>
-          <a:lstStyle>
-            <a:lvl1pPr>
-              <a:buNone/>
-              <a:defRPr lang="en-US" sz="2400" b="0" cap="none" dirty="0">
-                <a:ln w="3175" cmpd="sng">
-                  <a:noFill/>
-                </a:ln>
-                <a:solidFill>
-                  <a:schemeClr val="tx1"/>
-                </a:solidFill>
-                <a:effectLst/>
-              </a:defRPr>
-            </a:lvl1pPr>
-          </a:lstStyle>
-          <a:p>
-            <a:pPr marL="0" lvl="0">
-              <a:spcBef>
-                <a:spcPct val="0"/>
-              </a:spcBef>
-              <a:buNone/>
-            </a:pPr>
-            <a:r>
-              <a:rPr lang="en-US" smtClean="0"/>
-              <a:t>Click to edit Master text styles</a:t>
-            </a:r>
-          </a:p>
-        </p:txBody>
-      </p:sp>
-      <p:sp>
-        <p:nvSpPr>
-          <p:cNvPr id="3" name="Text Placeholder 2"/>
-          <p:cNvSpPr>
-            <a:spLocks noGrp="1"/>
-          </p:cNvSpPr>
-          <p:nvPr>
-            <p:ph type="body" idx="1"/>
-          </p:nvPr>
-        </p:nvSpPr>
-        <p:spPr>
-          <a:xfrm>
-            <a:off x="685799" y="4775200"/>
-            <a:ext cx="10135436" cy="1016000"/>
+            <a:off x="7829035" y="2571750"/>
+            <a:ext cx="2932113" cy="3589338"/>
           </a:xfrm>
         </p:spPr>
         <p:txBody>
@@ -2238,93 +1947,41 @@
             <a:normAutofit/>
           </a:bodyPr>
           <a:lstStyle>
-            <a:lvl1pPr marL="0" indent="0" algn="l">
-              <a:buNone/>
-              <a:defRPr sz="1800">
-                <a:solidFill>
-                  <a:schemeClr val="tx1"/>
-                </a:solidFill>
-              </a:defRPr>
+            <a:lvl1pPr marL="0" indent="0">
+              <a:buNone/>
+              <a:defRPr sz="1400"/>
             </a:lvl1pPr>
             <a:lvl2pPr marL="457200" indent="0">
               <a:buNone/>
-              <a:defRPr sz="1800">
-                <a:solidFill>
-                  <a:schemeClr val="tx1">
-                    <a:tint val="75000"/>
-                  </a:schemeClr>
-                </a:solidFill>
-              </a:defRPr>
+              <a:defRPr sz="1200"/>
             </a:lvl2pPr>
             <a:lvl3pPr marL="914400" indent="0">
               <a:buNone/>
-              <a:defRPr sz="1600">
-                <a:solidFill>
-                  <a:schemeClr val="tx1">
-                    <a:tint val="75000"/>
-                  </a:schemeClr>
-                </a:solidFill>
-              </a:defRPr>
+              <a:defRPr sz="1000"/>
             </a:lvl3pPr>
             <a:lvl4pPr marL="1371600" indent="0">
               <a:buNone/>
-              <a:defRPr sz="1400">
-                <a:solidFill>
-                  <a:schemeClr val="tx1">
-                    <a:tint val="75000"/>
-                  </a:schemeClr>
-                </a:solidFill>
-              </a:defRPr>
+              <a:defRPr sz="900"/>
             </a:lvl4pPr>
             <a:lvl5pPr marL="1828800" indent="0">
               <a:buNone/>
-              <a:defRPr sz="1400">
-                <a:solidFill>
-                  <a:schemeClr val="tx1">
-                    <a:tint val="75000"/>
-                  </a:schemeClr>
-                </a:solidFill>
-              </a:defRPr>
+              <a:defRPr sz="900"/>
             </a:lvl5pPr>
             <a:lvl6pPr marL="2286000" indent="0">
               <a:buNone/>
-              <a:defRPr sz="1400">
-                <a:solidFill>
-                  <a:schemeClr val="tx1">
-                    <a:tint val="75000"/>
-                  </a:schemeClr>
-                </a:solidFill>
-              </a:defRPr>
+              <a:defRPr sz="900"/>
             </a:lvl6pPr>
             <a:lvl7pPr marL="2743200" indent="0">
               <a:buNone/>
-              <a:defRPr sz="1400">
-                <a:solidFill>
-                  <a:schemeClr val="tx1">
-                    <a:tint val="75000"/>
-                  </a:schemeClr>
-                </a:solidFill>
-              </a:defRPr>
+              <a:defRPr sz="900"/>
             </a:lvl7pPr>
             <a:lvl8pPr marL="3200400" indent="0">
               <a:buNone/>
-              <a:defRPr sz="1400">
-                <a:solidFill>
-                  <a:schemeClr val="tx1">
-                    <a:tint val="75000"/>
-                  </a:schemeClr>
-                </a:solidFill>
-              </a:defRPr>
+              <a:defRPr sz="900"/>
             </a:lvl8pPr>
             <a:lvl9pPr marL="3657600" indent="0">
               <a:buNone/>
-              <a:defRPr sz="1400">
-                <a:solidFill>
-                  <a:schemeClr val="tx1">
-                    <a:tint val="75000"/>
-                  </a:schemeClr>
-                </a:solidFill>
-              </a:defRPr>
+              <a:defRPr sz="900"/>
             </a:lvl9pPr>
           </a:lstStyle>
           <a:p>
@@ -2338,7 +1995,7 @@
       </p:sp>
       <p:sp>
         <p:nvSpPr>
-          <p:cNvPr id="4" name="Date Placeholder 3"/>
+          <p:cNvPr id="3" name="Date Placeholder 2"/>
           <p:cNvSpPr>
             <a:spLocks noGrp="1"/>
           </p:cNvSpPr>
@@ -2352,9 +2009,9 @@
           <a:lstStyle/>
           <a:p>
             <a:fld id="{B61BEF0D-F0BB-DE4B-95CE-6DB70DBA9567}" type="datetimeFigureOut">
-              <a:rPr lang="en-US" dirty="0"/>
+              <a:rPr lang="en-US" smtClean="0"/>
               <a:pPr/>
-              <a:t>7/27/2018</a:t>
+              <a:t>7/29/2018</a:t>
             </a:fld>
             <a:endParaRPr lang="en-US" dirty="0"/>
           </a:p>
@@ -2362,7 +2019,7 @@
       </p:sp>
       <p:sp>
         <p:nvSpPr>
-          <p:cNvPr id="5" name="Footer Placeholder 4"/>
+          <p:cNvPr id="4" name="Footer Placeholder 3"/>
           <p:cNvSpPr>
             <a:spLocks noGrp="1"/>
           </p:cNvSpPr>
@@ -2381,7 +2038,7 @@
       </p:sp>
       <p:sp>
         <p:nvSpPr>
-          <p:cNvPr id="6" name="Slide Number Placeholder 5"/>
+          <p:cNvPr id="5" name="Slide Number Placeholder 4"/>
           <p:cNvSpPr>
             <a:spLocks noGrp="1"/>
           </p:cNvSpPr>
@@ -2395,7 +2052,7 @@
           <a:lstStyle/>
           <a:p>
             <a:fld id="{D57F1E4F-1CFF-5643-939E-217C01CDF565}" type="slidenum">
-              <a:rPr lang="en-US" dirty="0"/>
+              <a:rPr lang="en-US" smtClean="0"/>
               <a:pPr/>
               <a:t>‹#›</a:t>
             </a:fld>
@@ -2413,7 +2070,7 @@
 
 <file path=ppt/slideLayouts/slideLayout15.xml><?xml version="1.0" encoding="utf-8"?>
 <p:sldLayout xmlns:a="http://schemas.openxmlformats.org/drawingml/2006/main" xmlns:r="http://schemas.openxmlformats.org/officeDocument/2006/relationships" xmlns:p="http://schemas.openxmlformats.org/presentationml/2006/main" preserve="1">
-  <p:cSld name="True or False">
+  <p:cSld name="3 Picture Column">
     <p:spTree>
       <p:nvGrpSpPr>
         <p:cNvPr id="1" name=""/>
@@ -2428,227 +2085,349 @@
           <a:chExt cx="0" cy="0"/>
         </a:xfrm>
       </p:grpSpPr>
-      <p:pic>
-        <p:nvPicPr>
-          <p:cNvPr id="8" name="Picture 7" descr="Celestia-R1---OverlayContentHD.png"/>
-          <p:cNvPicPr>
-            <a:picLocks noChangeAspect="1"/>
-          </p:cNvPicPr>
-          <p:nvPr/>
-        </p:nvPicPr>
-        <p:blipFill>
-          <a:blip r:embed="rId2">
-            <a:extLst>
-              <a:ext uri="{28A0092B-C50C-407E-A947-70E740481C1C}">
-                <a14:useLocalDpi xmlns:a14="http://schemas.microsoft.com/office/drawing/2010/main" xmlns="" val="0"/>
-              </a:ext>
-            </a:extLst>
-          </a:blip>
-          <a:stretch>
-            <a:fillRect/>
-          </a:stretch>
-        </p:blipFill>
+      <p:sp>
+        <p:nvSpPr>
+          <p:cNvPr id="30" name="Title 1"/>
+          <p:cNvSpPr>
+            <a:spLocks noGrp="1"/>
+          </p:cNvSpPr>
+          <p:nvPr>
+            <p:ph type="title"/>
+          </p:nvPr>
+        </p:nvSpPr>
         <p:spPr>
           <a:xfrm>
-            <a:off x="0" y="0"/>
-            <a:ext cx="12188825" cy="6856214"/>
+            <a:off x="838200" y="365125"/>
+            <a:ext cx="10515600" cy="1325563"/>
           </a:xfrm>
-          <a:prstGeom prst="rect">
-            <a:avLst/>
-          </a:prstGeom>
         </p:spPr>
-      </p:pic>
-      <p:sp>
-        <p:nvSpPr>
-          <p:cNvPr id="2" name="Title 1"/>
-          <p:cNvSpPr>
-            <a:spLocks noGrp="1"/>
-          </p:cNvSpPr>
-          <p:nvPr>
-            <p:ph type="title"/>
+        <p:txBody>
+          <a:bodyPr/>
+          <a:lstStyle/>
+          <a:p>
+            <a:r>
+              <a:rPr lang="en-US" smtClean="0"/>
+              <a:t>Click to edit Master title style</a:t>
+            </a:r>
+            <a:endParaRPr lang="en-US" dirty="0"/>
+          </a:p>
+        </p:txBody>
+      </p:sp>
+      <p:sp>
+        <p:nvSpPr>
+          <p:cNvPr id="19" name="Text Placeholder 2"/>
+          <p:cNvSpPr>
+            <a:spLocks noGrp="1"/>
+          </p:cNvSpPr>
+          <p:nvPr>
+            <p:ph type="body" idx="1"/>
           </p:nvPr>
         </p:nvSpPr>
         <p:spPr>
           <a:xfrm>
-            <a:off x="685801" y="609601"/>
-            <a:ext cx="10131427" cy="2743199"/>
+            <a:off x="1332085" y="4297503"/>
+            <a:ext cx="2940050" cy="576262"/>
           </a:xfrm>
         </p:spPr>
         <p:txBody>
-          <a:bodyPr vert="horz" lIns="91440" tIns="45720" rIns="91440" bIns="45720" rtlCol="0" anchor="ctr">
-            <a:normAutofit/>
+          <a:bodyPr anchor="b">
+            <a:noAutofit/>
           </a:bodyPr>
           <a:lstStyle>
-            <a:lvl1pPr>
-              <a:defRPr lang="en-US" b="0" dirty="0"/>
+            <a:lvl1pPr marL="0" indent="0">
+              <a:buNone/>
+              <a:defRPr sz="2400" b="0">
+                <a:gradFill>
+                  <a:gsLst>
+                    <a:gs pos="34000">
+                      <a:schemeClr val="tx1">
+                        <a:lumMod val="93000"/>
+                      </a:schemeClr>
+                    </a:gs>
+                    <a:gs pos="0">
+                      <a:schemeClr val="bg1">
+                        <a:lumMod val="41000"/>
+                        <a:lumOff val="59000"/>
+                      </a:schemeClr>
+                    </a:gs>
+                    <a:gs pos="100000">
+                      <a:schemeClr val="tx2">
+                        <a:lumMod val="0"/>
+                        <a:lumOff val="100000"/>
+                      </a:schemeClr>
+                    </a:gs>
+                  </a:gsLst>
+                  <a:lin ang="4800000" scaled="0"/>
+                </a:gradFill>
+              </a:defRPr>
             </a:lvl1pPr>
+            <a:lvl2pPr marL="457200" indent="0">
+              <a:buNone/>
+              <a:defRPr sz="2000" b="1"/>
+            </a:lvl2pPr>
+            <a:lvl3pPr marL="914400" indent="0">
+              <a:buNone/>
+              <a:defRPr sz="1800" b="1"/>
+            </a:lvl3pPr>
+            <a:lvl4pPr marL="1371600" indent="0">
+              <a:buNone/>
+              <a:defRPr sz="1600" b="1"/>
+            </a:lvl4pPr>
+            <a:lvl5pPr marL="1828800" indent="0">
+              <a:buNone/>
+              <a:defRPr sz="1600" b="1"/>
+            </a:lvl5pPr>
+            <a:lvl6pPr marL="2286000" indent="0">
+              <a:buNone/>
+              <a:defRPr sz="1600" b="1"/>
+            </a:lvl6pPr>
+            <a:lvl7pPr marL="2743200" indent="0">
+              <a:buNone/>
+              <a:defRPr sz="1600" b="1"/>
+            </a:lvl7pPr>
+            <a:lvl8pPr marL="3200400" indent="0">
+              <a:buNone/>
+              <a:defRPr sz="1600" b="1"/>
+            </a:lvl8pPr>
+            <a:lvl9pPr marL="3657600" indent="0">
+              <a:buNone/>
+              <a:defRPr sz="1600" b="1"/>
+            </a:lvl9pPr>
           </a:lstStyle>
           <a:p>
-            <a:pPr marL="0" lvl="0"/>
-            <a:r>
-              <a:rPr lang="en-US" smtClean="0"/>
-              <a:t>Click to edit Master title style</a:t>
-            </a:r>
-            <a:endParaRPr lang="en-US" dirty="0"/>
-          </a:p>
-        </p:txBody>
-      </p:sp>
-      <p:sp>
-        <p:nvSpPr>
-          <p:cNvPr id="10" name="Text Placeholder 9"/>
-          <p:cNvSpPr>
-            <a:spLocks noGrp="1"/>
-          </p:cNvSpPr>
-          <p:nvPr>
-            <p:ph type="body" sz="quarter" idx="13"/>
+            <a:pPr lvl="0"/>
+            <a:r>
+              <a:rPr lang="en-US" smtClean="0"/>
+              <a:t>Click to edit Master text styles</a:t>
+            </a:r>
+          </a:p>
+        </p:txBody>
+      </p:sp>
+      <p:sp>
+        <p:nvSpPr>
+          <p:cNvPr id="20" name="Picture Placeholder 2"/>
+          <p:cNvSpPr>
+            <a:spLocks noGrp="1" noChangeAspect="1"/>
+          </p:cNvSpPr>
+          <p:nvPr>
+            <p:ph type="pic" idx="15"/>
           </p:nvPr>
         </p:nvSpPr>
         <p:spPr>
           <a:xfrm>
-            <a:off x="685801" y="3505200"/>
-            <a:ext cx="10131428" cy="838200"/>
+            <a:off x="1332085" y="2256354"/>
+            <a:ext cx="2940050" cy="1524000"/>
           </a:xfrm>
-        </p:spPr>
-        <p:txBody>
-          <a:bodyPr vert="horz" lIns="91440" tIns="45720" rIns="91440" bIns="45720" rtlCol="0" anchor="b">
-            <a:normAutofit/>
-          </a:bodyPr>
-          <a:lstStyle>
-            <a:lvl1pPr>
-              <a:buNone/>
-              <a:defRPr lang="en-US" sz="2800" b="0" cap="none" dirty="0">
-                <a:ln w="3175" cmpd="sng">
-                  <a:noFill/>
-                </a:ln>
-                <a:solidFill>
-                  <a:schemeClr val="tx1"/>
-                </a:solidFill>
-                <a:effectLst/>
-              </a:defRPr>
-            </a:lvl1pPr>
-          </a:lstStyle>
-          <a:p>
-            <a:pPr marL="0" lvl="0">
-              <a:spcBef>
-                <a:spcPct val="0"/>
-              </a:spcBef>
-              <a:buNone/>
-            </a:pPr>
-            <a:r>
-              <a:rPr lang="en-US" smtClean="0"/>
-              <a:t>Click to edit Master text styles</a:t>
-            </a:r>
-          </a:p>
-        </p:txBody>
-      </p:sp>
-      <p:sp>
-        <p:nvSpPr>
-          <p:cNvPr id="3" name="Text Placeholder 2"/>
-          <p:cNvSpPr>
-            <a:spLocks noGrp="1"/>
-          </p:cNvSpPr>
-          <p:nvPr>
-            <p:ph type="body" idx="1"/>
-          </p:nvPr>
-        </p:nvSpPr>
-        <p:spPr>
-          <a:xfrm>
-            <a:off x="685800" y="4343400"/>
-            <a:ext cx="10131428" cy="1447800"/>
-          </a:xfrm>
+          <a:prstGeom prst="roundRect">
+            <a:avLst>
+              <a:gd name="adj" fmla="val 1858"/>
+            </a:avLst>
+          </a:prstGeom>
+          <a:effectLst>
+            <a:outerShdw blurRad="50800" dist="50800" dir="5400000" algn="tl" rotWithShape="0">
+              <a:srgbClr val="000000">
+                <a:alpha val="43000"/>
+              </a:srgbClr>
+            </a:outerShdw>
+          </a:effectLst>
         </p:spPr>
         <p:txBody>
           <a:bodyPr anchor="t">
             <a:normAutofit/>
           </a:bodyPr>
           <a:lstStyle>
-            <a:lvl1pPr marL="0" indent="0" algn="l">
-              <a:buNone/>
-              <a:defRPr sz="1800">
-                <a:solidFill>
-                  <a:schemeClr val="tx1"/>
-                </a:solidFill>
+            <a:lvl1pPr marL="0" indent="0" algn="ctr">
+              <a:buNone/>
+              <a:defRPr sz="1600"/>
+            </a:lvl1pPr>
+            <a:lvl2pPr marL="457200" indent="0">
+              <a:buNone/>
+              <a:defRPr sz="1600"/>
+            </a:lvl2pPr>
+            <a:lvl3pPr marL="914400" indent="0">
+              <a:buNone/>
+              <a:defRPr sz="1600"/>
+            </a:lvl3pPr>
+            <a:lvl4pPr marL="1371600" indent="0">
+              <a:buNone/>
+              <a:defRPr sz="1600"/>
+            </a:lvl4pPr>
+            <a:lvl5pPr marL="1828800" indent="0">
+              <a:buNone/>
+              <a:defRPr sz="1600"/>
+            </a:lvl5pPr>
+            <a:lvl6pPr marL="2286000" indent="0">
+              <a:buNone/>
+              <a:defRPr sz="1600"/>
+            </a:lvl6pPr>
+            <a:lvl7pPr marL="2743200" indent="0">
+              <a:buNone/>
+              <a:defRPr sz="1600"/>
+            </a:lvl7pPr>
+            <a:lvl8pPr marL="3200400" indent="0">
+              <a:buNone/>
+              <a:defRPr sz="1600"/>
+            </a:lvl8pPr>
+            <a:lvl9pPr marL="3657600" indent="0">
+              <a:buNone/>
+              <a:defRPr sz="1600"/>
+            </a:lvl9pPr>
+          </a:lstStyle>
+          <a:p>
+            <a:r>
+              <a:rPr lang="en-US" smtClean="0"/>
+              <a:t>Click icon to add picture</a:t>
+            </a:r>
+            <a:endParaRPr lang="en-US" dirty="0"/>
+          </a:p>
+        </p:txBody>
+      </p:sp>
+      <p:sp>
+        <p:nvSpPr>
+          <p:cNvPr id="21" name="Text Placeholder 3"/>
+          <p:cNvSpPr>
+            <a:spLocks noGrp="1"/>
+          </p:cNvSpPr>
+          <p:nvPr>
+            <p:ph type="body" sz="half" idx="18"/>
+          </p:nvPr>
+        </p:nvSpPr>
+        <p:spPr>
+          <a:xfrm>
+            <a:off x="1332085" y="4873765"/>
+            <a:ext cx="2940050" cy="659189"/>
+          </a:xfrm>
+        </p:spPr>
+        <p:txBody>
+          <a:bodyPr anchor="t">
+            <a:normAutofit/>
+          </a:bodyPr>
+          <a:lstStyle>
+            <a:lvl1pPr marL="0" indent="0">
+              <a:buNone/>
+              <a:defRPr sz="1400"/>
+            </a:lvl1pPr>
+            <a:lvl2pPr marL="457200" indent="0">
+              <a:buNone/>
+              <a:defRPr sz="1200"/>
+            </a:lvl2pPr>
+            <a:lvl3pPr marL="914400" indent="0">
+              <a:buNone/>
+              <a:defRPr sz="1000"/>
+            </a:lvl3pPr>
+            <a:lvl4pPr marL="1371600" indent="0">
+              <a:buNone/>
+              <a:defRPr sz="900"/>
+            </a:lvl4pPr>
+            <a:lvl5pPr marL="1828800" indent="0">
+              <a:buNone/>
+              <a:defRPr sz="900"/>
+            </a:lvl5pPr>
+            <a:lvl6pPr marL="2286000" indent="0">
+              <a:buNone/>
+              <a:defRPr sz="900"/>
+            </a:lvl6pPr>
+            <a:lvl7pPr marL="2743200" indent="0">
+              <a:buNone/>
+              <a:defRPr sz="900"/>
+            </a:lvl7pPr>
+            <a:lvl8pPr marL="3200400" indent="0">
+              <a:buNone/>
+              <a:defRPr sz="900"/>
+            </a:lvl8pPr>
+            <a:lvl9pPr marL="3657600" indent="0">
+              <a:buNone/>
+              <a:defRPr sz="900"/>
+            </a:lvl9pPr>
+          </a:lstStyle>
+          <a:p>
+            <a:pPr lvl="0"/>
+            <a:r>
+              <a:rPr lang="en-US" smtClean="0"/>
+              <a:t>Click to edit Master text styles</a:t>
+            </a:r>
+          </a:p>
+        </p:txBody>
+      </p:sp>
+      <p:sp>
+        <p:nvSpPr>
+          <p:cNvPr id="22" name="Text Placeholder 4"/>
+          <p:cNvSpPr>
+            <a:spLocks noGrp="1"/>
+          </p:cNvSpPr>
+          <p:nvPr>
+            <p:ph type="body" sz="quarter" idx="3"/>
+          </p:nvPr>
+        </p:nvSpPr>
+        <p:spPr>
+          <a:xfrm>
+            <a:off x="4568997" y="4297503"/>
+            <a:ext cx="2930525" cy="576262"/>
+          </a:xfrm>
+        </p:spPr>
+        <p:txBody>
+          <a:bodyPr anchor="b">
+            <a:noAutofit/>
+          </a:bodyPr>
+          <a:lstStyle>
+            <a:lvl1pPr marL="0" indent="0">
+              <a:buNone/>
+              <a:defRPr sz="2400" b="0">
+                <a:gradFill>
+                  <a:gsLst>
+                    <a:gs pos="34000">
+                      <a:schemeClr val="tx1">
+                        <a:lumMod val="93000"/>
+                      </a:schemeClr>
+                    </a:gs>
+                    <a:gs pos="0">
+                      <a:schemeClr val="bg1">
+                        <a:lumMod val="41000"/>
+                        <a:lumOff val="59000"/>
+                      </a:schemeClr>
+                    </a:gs>
+                    <a:gs pos="100000">
+                      <a:schemeClr val="tx2">
+                        <a:lumMod val="0"/>
+                        <a:lumOff val="100000"/>
+                      </a:schemeClr>
+                    </a:gs>
+                  </a:gsLst>
+                  <a:lin ang="4800000" scaled="0"/>
+                </a:gradFill>
               </a:defRPr>
             </a:lvl1pPr>
             <a:lvl2pPr marL="457200" indent="0">
               <a:buNone/>
-              <a:defRPr sz="1800">
-                <a:solidFill>
-                  <a:schemeClr val="tx1">
-                    <a:tint val="75000"/>
-                  </a:schemeClr>
-                </a:solidFill>
-              </a:defRPr>
+              <a:defRPr sz="2000" b="1"/>
             </a:lvl2pPr>
             <a:lvl3pPr marL="914400" indent="0">
               <a:buNone/>
-              <a:defRPr sz="1600">
-                <a:solidFill>
-                  <a:schemeClr val="tx1">
-                    <a:tint val="75000"/>
-                  </a:schemeClr>
-                </a:solidFill>
-              </a:defRPr>
+              <a:defRPr sz="1800" b="1"/>
             </a:lvl3pPr>
             <a:lvl4pPr marL="1371600" indent="0">
               <a:buNone/>
-              <a:defRPr sz="1400">
-                <a:solidFill>
-                  <a:schemeClr val="tx1">
-                    <a:tint val="75000"/>
-                  </a:schemeClr>
-                </a:solidFill>
-              </a:defRPr>
+              <a:defRPr sz="1600" b="1"/>
             </a:lvl4pPr>
             <a:lvl5pPr marL="1828800" indent="0">
               <a:buNone/>
-              <a:defRPr sz="1400">
-                <a:solidFill>
-                  <a:schemeClr val="tx1">
-                    <a:tint val="75000"/>
-                  </a:schemeClr>
-                </a:solidFill>
-              </a:defRPr>
+              <a:defRPr sz="1600" b="1"/>
             </a:lvl5pPr>
             <a:lvl6pPr marL="2286000" indent="0">
               <a:buNone/>
-              <a:defRPr sz="1400">
-                <a:solidFill>
-                  <a:schemeClr val="tx1">
-                    <a:tint val="75000"/>
-                  </a:schemeClr>
-                </a:solidFill>
-              </a:defRPr>
+              <a:defRPr sz="1600" b="1"/>
             </a:lvl6pPr>
             <a:lvl7pPr marL="2743200" indent="0">
               <a:buNone/>
-              <a:defRPr sz="1400">
-                <a:solidFill>
-                  <a:schemeClr val="tx1">
-                    <a:tint val="75000"/>
-                  </a:schemeClr>
-                </a:solidFill>
-              </a:defRPr>
+              <a:defRPr sz="1600" b="1"/>
             </a:lvl7pPr>
             <a:lvl8pPr marL="3200400" indent="0">
               <a:buNone/>
-              <a:defRPr sz="1400">
-                <a:solidFill>
-                  <a:schemeClr val="tx1">
-                    <a:tint val="75000"/>
-                  </a:schemeClr>
-                </a:solidFill>
-              </a:defRPr>
+              <a:defRPr sz="1600" b="1"/>
             </a:lvl8pPr>
             <a:lvl9pPr marL="3657600" indent="0">
               <a:buNone/>
-              <a:defRPr sz="1400">
-                <a:solidFill>
-                  <a:schemeClr val="tx1">
-                    <a:tint val="75000"/>
-                  </a:schemeClr>
-                </a:solidFill>
-              </a:defRPr>
+              <a:defRPr sz="1600" b="1"/>
             </a:lvl9pPr>
           </a:lstStyle>
           <a:p>
@@ -2662,7 +2441,389 @@
       </p:sp>
       <p:sp>
         <p:nvSpPr>
-          <p:cNvPr id="4" name="Date Placeholder 3"/>
+          <p:cNvPr id="23" name="Picture Placeholder 2"/>
+          <p:cNvSpPr>
+            <a:spLocks noGrp="1" noChangeAspect="1"/>
+          </p:cNvSpPr>
+          <p:nvPr>
+            <p:ph type="pic" idx="21"/>
+          </p:nvPr>
+        </p:nvSpPr>
+        <p:spPr>
+          <a:xfrm>
+            <a:off x="4568996" y="2256354"/>
+            <a:ext cx="2930525" cy="1524000"/>
+          </a:xfrm>
+          <a:prstGeom prst="roundRect">
+            <a:avLst>
+              <a:gd name="adj" fmla="val 1858"/>
+            </a:avLst>
+          </a:prstGeom>
+          <a:effectLst>
+            <a:outerShdw blurRad="50800" dist="50800" dir="5400000" algn="tl" rotWithShape="0">
+              <a:srgbClr val="000000">
+                <a:alpha val="43000"/>
+              </a:srgbClr>
+            </a:outerShdw>
+          </a:effectLst>
+        </p:spPr>
+        <p:txBody>
+          <a:bodyPr anchor="t">
+            <a:normAutofit/>
+          </a:bodyPr>
+          <a:lstStyle>
+            <a:lvl1pPr marL="0" indent="0" algn="ctr">
+              <a:buNone/>
+              <a:defRPr sz="1600"/>
+            </a:lvl1pPr>
+            <a:lvl2pPr marL="457200" indent="0">
+              <a:buNone/>
+              <a:defRPr sz="1600"/>
+            </a:lvl2pPr>
+            <a:lvl3pPr marL="914400" indent="0">
+              <a:buNone/>
+              <a:defRPr sz="1600"/>
+            </a:lvl3pPr>
+            <a:lvl4pPr marL="1371600" indent="0">
+              <a:buNone/>
+              <a:defRPr sz="1600"/>
+            </a:lvl4pPr>
+            <a:lvl5pPr marL="1828800" indent="0">
+              <a:buNone/>
+              <a:defRPr sz="1600"/>
+            </a:lvl5pPr>
+            <a:lvl6pPr marL="2286000" indent="0">
+              <a:buNone/>
+              <a:defRPr sz="1600"/>
+            </a:lvl6pPr>
+            <a:lvl7pPr marL="2743200" indent="0">
+              <a:buNone/>
+              <a:defRPr sz="1600"/>
+            </a:lvl7pPr>
+            <a:lvl8pPr marL="3200400" indent="0">
+              <a:buNone/>
+              <a:defRPr sz="1600"/>
+            </a:lvl8pPr>
+            <a:lvl9pPr marL="3657600" indent="0">
+              <a:buNone/>
+              <a:defRPr sz="1600"/>
+            </a:lvl9pPr>
+          </a:lstStyle>
+          <a:p>
+            <a:r>
+              <a:rPr lang="en-US" smtClean="0"/>
+              <a:t>Click icon to add picture</a:t>
+            </a:r>
+            <a:endParaRPr lang="en-US" dirty="0"/>
+          </a:p>
+        </p:txBody>
+      </p:sp>
+      <p:sp>
+        <p:nvSpPr>
+          <p:cNvPr id="24" name="Text Placeholder 3"/>
+          <p:cNvSpPr>
+            <a:spLocks noGrp="1"/>
+          </p:cNvSpPr>
+          <p:nvPr>
+            <p:ph type="body" sz="half" idx="19"/>
+          </p:nvPr>
+        </p:nvSpPr>
+        <p:spPr>
+          <a:xfrm>
+            <a:off x="4567644" y="4873764"/>
+            <a:ext cx="2934406" cy="659189"/>
+          </a:xfrm>
+        </p:spPr>
+        <p:txBody>
+          <a:bodyPr anchor="t">
+            <a:normAutofit/>
+          </a:bodyPr>
+          <a:lstStyle>
+            <a:lvl1pPr marL="0" indent="0">
+              <a:buNone/>
+              <a:defRPr sz="1400"/>
+            </a:lvl1pPr>
+            <a:lvl2pPr marL="457200" indent="0">
+              <a:buNone/>
+              <a:defRPr sz="1200"/>
+            </a:lvl2pPr>
+            <a:lvl3pPr marL="914400" indent="0">
+              <a:buNone/>
+              <a:defRPr sz="1000"/>
+            </a:lvl3pPr>
+            <a:lvl4pPr marL="1371600" indent="0">
+              <a:buNone/>
+              <a:defRPr sz="900"/>
+            </a:lvl4pPr>
+            <a:lvl5pPr marL="1828800" indent="0">
+              <a:buNone/>
+              <a:defRPr sz="900"/>
+            </a:lvl5pPr>
+            <a:lvl6pPr marL="2286000" indent="0">
+              <a:buNone/>
+              <a:defRPr sz="900"/>
+            </a:lvl6pPr>
+            <a:lvl7pPr marL="2743200" indent="0">
+              <a:buNone/>
+              <a:defRPr sz="900"/>
+            </a:lvl7pPr>
+            <a:lvl8pPr marL="3200400" indent="0">
+              <a:buNone/>
+              <a:defRPr sz="900"/>
+            </a:lvl8pPr>
+            <a:lvl9pPr marL="3657600" indent="0">
+              <a:buNone/>
+              <a:defRPr sz="900"/>
+            </a:lvl9pPr>
+          </a:lstStyle>
+          <a:p>
+            <a:pPr lvl="0"/>
+            <a:r>
+              <a:rPr lang="en-US" smtClean="0"/>
+              <a:t>Click to edit Master text styles</a:t>
+            </a:r>
+          </a:p>
+        </p:txBody>
+      </p:sp>
+      <p:sp>
+        <p:nvSpPr>
+          <p:cNvPr id="25" name="Text Placeholder 4"/>
+          <p:cNvSpPr>
+            <a:spLocks noGrp="1"/>
+          </p:cNvSpPr>
+          <p:nvPr>
+            <p:ph type="body" sz="quarter" idx="13"/>
+          </p:nvPr>
+        </p:nvSpPr>
+        <p:spPr>
+          <a:xfrm>
+            <a:off x="7804322" y="4297503"/>
+            <a:ext cx="2932113" cy="576262"/>
+          </a:xfrm>
+        </p:spPr>
+        <p:txBody>
+          <a:bodyPr anchor="b">
+            <a:noAutofit/>
+          </a:bodyPr>
+          <a:lstStyle>
+            <a:lvl1pPr marL="0" indent="0">
+              <a:buNone/>
+              <a:defRPr sz="2400" b="0">
+                <a:gradFill>
+                  <a:gsLst>
+                    <a:gs pos="34000">
+                      <a:schemeClr val="tx1">
+                        <a:lumMod val="93000"/>
+                      </a:schemeClr>
+                    </a:gs>
+                    <a:gs pos="0">
+                      <a:schemeClr val="bg1">
+                        <a:lumMod val="41000"/>
+                        <a:lumOff val="59000"/>
+                      </a:schemeClr>
+                    </a:gs>
+                    <a:gs pos="100000">
+                      <a:schemeClr val="tx2">
+                        <a:lumMod val="0"/>
+                        <a:lumOff val="100000"/>
+                      </a:schemeClr>
+                    </a:gs>
+                  </a:gsLst>
+                  <a:lin ang="4800000" scaled="0"/>
+                </a:gradFill>
+              </a:defRPr>
+            </a:lvl1pPr>
+            <a:lvl2pPr marL="457200" indent="0">
+              <a:buNone/>
+              <a:defRPr sz="2000" b="1"/>
+            </a:lvl2pPr>
+            <a:lvl3pPr marL="914400" indent="0">
+              <a:buNone/>
+              <a:defRPr sz="1800" b="1"/>
+            </a:lvl3pPr>
+            <a:lvl4pPr marL="1371600" indent="0">
+              <a:buNone/>
+              <a:defRPr sz="1600" b="1"/>
+            </a:lvl4pPr>
+            <a:lvl5pPr marL="1828800" indent="0">
+              <a:buNone/>
+              <a:defRPr sz="1600" b="1"/>
+            </a:lvl5pPr>
+            <a:lvl6pPr marL="2286000" indent="0">
+              <a:buNone/>
+              <a:defRPr sz="1600" b="1"/>
+            </a:lvl6pPr>
+            <a:lvl7pPr marL="2743200" indent="0">
+              <a:buNone/>
+              <a:defRPr sz="1600" b="1"/>
+            </a:lvl7pPr>
+            <a:lvl8pPr marL="3200400" indent="0">
+              <a:buNone/>
+              <a:defRPr sz="1600" b="1"/>
+            </a:lvl8pPr>
+            <a:lvl9pPr marL="3657600" indent="0">
+              <a:buNone/>
+              <a:defRPr sz="1600" b="1"/>
+            </a:lvl9pPr>
+          </a:lstStyle>
+          <a:p>
+            <a:pPr lvl="0"/>
+            <a:r>
+              <a:rPr lang="en-US" smtClean="0"/>
+              <a:t>Click to edit Master text styles</a:t>
+            </a:r>
+          </a:p>
+        </p:txBody>
+      </p:sp>
+      <p:sp>
+        <p:nvSpPr>
+          <p:cNvPr id="26" name="Picture Placeholder 2"/>
+          <p:cNvSpPr>
+            <a:spLocks noGrp="1" noChangeAspect="1"/>
+          </p:cNvSpPr>
+          <p:nvPr>
+            <p:ph type="pic" idx="22"/>
+          </p:nvPr>
+        </p:nvSpPr>
+        <p:spPr>
+          <a:xfrm>
+            <a:off x="7804321" y="2256354"/>
+            <a:ext cx="2932113" cy="1524000"/>
+          </a:xfrm>
+          <a:prstGeom prst="roundRect">
+            <a:avLst>
+              <a:gd name="adj" fmla="val 1858"/>
+            </a:avLst>
+          </a:prstGeom>
+          <a:effectLst>
+            <a:outerShdw blurRad="50800" dist="50800" dir="5400000" algn="tl" rotWithShape="0">
+              <a:srgbClr val="000000">
+                <a:alpha val="43000"/>
+              </a:srgbClr>
+            </a:outerShdw>
+          </a:effectLst>
+        </p:spPr>
+        <p:txBody>
+          <a:bodyPr anchor="t">
+            <a:normAutofit/>
+          </a:bodyPr>
+          <a:lstStyle>
+            <a:lvl1pPr marL="0" indent="0" algn="ctr">
+              <a:buNone/>
+              <a:defRPr sz="1600"/>
+            </a:lvl1pPr>
+            <a:lvl2pPr marL="457200" indent="0">
+              <a:buNone/>
+              <a:defRPr sz="1600"/>
+            </a:lvl2pPr>
+            <a:lvl3pPr marL="914400" indent="0">
+              <a:buNone/>
+              <a:defRPr sz="1600"/>
+            </a:lvl3pPr>
+            <a:lvl4pPr marL="1371600" indent="0">
+              <a:buNone/>
+              <a:defRPr sz="1600"/>
+            </a:lvl4pPr>
+            <a:lvl5pPr marL="1828800" indent="0">
+              <a:buNone/>
+              <a:defRPr sz="1600"/>
+            </a:lvl5pPr>
+            <a:lvl6pPr marL="2286000" indent="0">
+              <a:buNone/>
+              <a:defRPr sz="1600"/>
+            </a:lvl6pPr>
+            <a:lvl7pPr marL="2743200" indent="0">
+              <a:buNone/>
+              <a:defRPr sz="1600"/>
+            </a:lvl7pPr>
+            <a:lvl8pPr marL="3200400" indent="0">
+              <a:buNone/>
+              <a:defRPr sz="1600"/>
+            </a:lvl8pPr>
+            <a:lvl9pPr marL="3657600" indent="0">
+              <a:buNone/>
+              <a:defRPr sz="1600"/>
+            </a:lvl9pPr>
+          </a:lstStyle>
+          <a:p>
+            <a:r>
+              <a:rPr lang="en-US" smtClean="0"/>
+              <a:t>Click icon to add picture</a:t>
+            </a:r>
+            <a:endParaRPr lang="en-US" dirty="0"/>
+          </a:p>
+        </p:txBody>
+      </p:sp>
+      <p:sp>
+        <p:nvSpPr>
+          <p:cNvPr id="27" name="Text Placeholder 3"/>
+          <p:cNvSpPr>
+            <a:spLocks noGrp="1"/>
+          </p:cNvSpPr>
+          <p:nvPr>
+            <p:ph type="body" sz="half" idx="20"/>
+          </p:nvPr>
+        </p:nvSpPr>
+        <p:spPr>
+          <a:xfrm>
+            <a:off x="7804197" y="4873762"/>
+            <a:ext cx="2935997" cy="659189"/>
+          </a:xfrm>
+        </p:spPr>
+        <p:txBody>
+          <a:bodyPr anchor="t">
+            <a:normAutofit/>
+          </a:bodyPr>
+          <a:lstStyle>
+            <a:lvl1pPr marL="0" indent="0">
+              <a:buNone/>
+              <a:defRPr sz="1400"/>
+            </a:lvl1pPr>
+            <a:lvl2pPr marL="457200" indent="0">
+              <a:buNone/>
+              <a:defRPr sz="1200"/>
+            </a:lvl2pPr>
+            <a:lvl3pPr marL="914400" indent="0">
+              <a:buNone/>
+              <a:defRPr sz="1000"/>
+            </a:lvl3pPr>
+            <a:lvl4pPr marL="1371600" indent="0">
+              <a:buNone/>
+              <a:defRPr sz="900"/>
+            </a:lvl4pPr>
+            <a:lvl5pPr marL="1828800" indent="0">
+              <a:buNone/>
+              <a:defRPr sz="900"/>
+            </a:lvl5pPr>
+            <a:lvl6pPr marL="2286000" indent="0">
+              <a:buNone/>
+              <a:defRPr sz="900"/>
+            </a:lvl6pPr>
+            <a:lvl7pPr marL="2743200" indent="0">
+              <a:buNone/>
+              <a:defRPr sz="900"/>
+            </a:lvl7pPr>
+            <a:lvl8pPr marL="3200400" indent="0">
+              <a:buNone/>
+              <a:defRPr sz="900"/>
+            </a:lvl8pPr>
+            <a:lvl9pPr marL="3657600" indent="0">
+              <a:buNone/>
+              <a:defRPr sz="900"/>
+            </a:lvl9pPr>
+          </a:lstStyle>
+          <a:p>
+            <a:pPr lvl="0"/>
+            <a:r>
+              <a:rPr lang="en-US" smtClean="0"/>
+              <a:t>Click to edit Master text styles</a:t>
+            </a:r>
+          </a:p>
+        </p:txBody>
+      </p:sp>
+      <p:sp>
+        <p:nvSpPr>
+          <p:cNvPr id="3" name="Date Placeholder 2"/>
           <p:cNvSpPr>
             <a:spLocks noGrp="1"/>
           </p:cNvSpPr>
@@ -2676,9 +2837,9 @@
           <a:lstStyle/>
           <a:p>
             <a:fld id="{B61BEF0D-F0BB-DE4B-95CE-6DB70DBA9567}" type="datetimeFigureOut">
-              <a:rPr lang="en-US" dirty="0"/>
+              <a:rPr lang="en-US" smtClean="0"/>
               <a:pPr/>
-              <a:t>7/27/2018</a:t>
+              <a:t>7/29/2018</a:t>
             </a:fld>
             <a:endParaRPr lang="en-US" dirty="0"/>
           </a:p>
@@ -2686,7 +2847,7 @@
       </p:sp>
       <p:sp>
         <p:nvSpPr>
-          <p:cNvPr id="5" name="Footer Placeholder 4"/>
+          <p:cNvPr id="4" name="Footer Placeholder 3"/>
           <p:cNvSpPr>
             <a:spLocks noGrp="1"/>
           </p:cNvSpPr>
@@ -2705,7 +2866,7 @@
       </p:sp>
       <p:sp>
         <p:nvSpPr>
-          <p:cNvPr id="6" name="Slide Number Placeholder 5"/>
+          <p:cNvPr id="5" name="Slide Number Placeholder 4"/>
           <p:cNvSpPr>
             <a:spLocks noGrp="1"/>
           </p:cNvSpPr>
@@ -2719,7 +2880,7 @@
           <a:lstStyle/>
           <a:p>
             <a:fld id="{D57F1E4F-1CFF-5643-939E-217C01CDF565}" type="slidenum">
-              <a:rPr lang="en-US" dirty="0"/>
+              <a:rPr lang="en-US" smtClean="0"/>
               <a:pPr/>
               <a:t>‹#›</a:t>
             </a:fld>
@@ -2752,36 +2913,29 @@
           <a:chExt cx="0" cy="0"/>
         </a:xfrm>
       </p:grpSpPr>
-      <p:pic>
-        <p:nvPicPr>
-          <p:cNvPr id="7" name="Picture 6" descr="Celestia-R1---OverlayContentHD.png"/>
-          <p:cNvPicPr>
-            <a:picLocks noChangeAspect="1"/>
-          </p:cNvPicPr>
-          <p:nvPr/>
-        </p:nvPicPr>
-        <p:blipFill>
-          <a:blip r:embed="rId2">
-            <a:extLst>
-              <a:ext uri="{28A0092B-C50C-407E-A947-70E740481C1C}">
-                <a14:useLocalDpi xmlns:a14="http://schemas.microsoft.com/office/drawing/2010/main" xmlns="" val="0"/>
-              </a:ext>
-            </a:extLst>
-          </a:blip>
-          <a:stretch>
-            <a:fillRect/>
-          </a:stretch>
-        </p:blipFill>
-        <p:spPr>
-          <a:xfrm>
-            <a:off x="0" y="0"/>
-            <a:ext cx="12188825" cy="6856214"/>
-          </a:xfrm>
-          <a:prstGeom prst="rect">
-            <a:avLst/>
-          </a:prstGeom>
-        </p:spPr>
-      </p:pic>
+      <p:sp>
+        <p:nvSpPr>
+          <p:cNvPr id="2" name="Title 1"/>
+          <p:cNvSpPr>
+            <a:spLocks noGrp="1"/>
+          </p:cNvSpPr>
+          <p:nvPr>
+            <p:ph type="title"/>
+          </p:nvPr>
+        </p:nvSpPr>
+        <p:spPr/>
+        <p:txBody>
+          <a:bodyPr/>
+          <a:lstStyle/>
+          <a:p>
+            <a:r>
+              <a:rPr lang="en-US" smtClean="0"/>
+              <a:t>Click to edit Master title style</a:t>
+            </a:r>
+            <a:endParaRPr lang="en-US" dirty="0"/>
+          </a:p>
+        </p:txBody>
+      </p:sp>
       <p:sp>
         <p:nvSpPr>
           <p:cNvPr id="3" name="Vertical Text Placeholder 2"/>
@@ -2794,7 +2948,7 @@
         </p:nvSpPr>
         <p:spPr/>
         <p:txBody>
-          <a:bodyPr vert="eaVert" anchor="t"/>
+          <a:bodyPr vert="eaVert"/>
           <a:lstStyle/>
           <a:p>
             <a:pPr lvl="0"/>
@@ -2850,9 +3004,9 @@
           <a:lstStyle/>
           <a:p>
             <a:fld id="{B61BEF0D-F0BB-DE4B-95CE-6DB70DBA9567}" type="datetimeFigureOut">
-              <a:rPr lang="en-US" dirty="0"/>
+              <a:rPr lang="en-US" smtClean="0"/>
               <a:pPr/>
-              <a:t>7/27/2018</a:t>
+              <a:t>7/29/2018</a:t>
             </a:fld>
             <a:endParaRPr lang="en-US" dirty="0"/>
           </a:p>
@@ -2893,38 +3047,10 @@
           <a:lstStyle/>
           <a:p>
             <a:fld id="{D57F1E4F-1CFF-5643-939E-217C01CDF565}" type="slidenum">
-              <a:rPr lang="en-US" dirty="0"/>
+              <a:rPr lang="en-US" smtClean="0"/>
               <a:pPr/>
               <a:t>‹#›</a:t>
             </a:fld>
-            <a:endParaRPr lang="en-US" dirty="0"/>
-          </a:p>
-        </p:txBody>
-      </p:sp>
-      <p:sp>
-        <p:nvSpPr>
-          <p:cNvPr id="8" name="Title 1"/>
-          <p:cNvSpPr>
-            <a:spLocks noGrp="1"/>
-          </p:cNvSpPr>
-          <p:nvPr>
-            <p:ph type="title"/>
-          </p:nvPr>
-        </p:nvSpPr>
-        <p:spPr>
-          <a:xfrm>
-            <a:off x="685801" y="609600"/>
-            <a:ext cx="10131425" cy="1456267"/>
-          </a:xfrm>
-        </p:spPr>
-        <p:txBody>
-          <a:bodyPr/>
-          <a:lstStyle/>
-          <a:p>
-            <a:r>
-              <a:rPr lang="en-US" smtClean="0"/>
-              <a:t>Click to edit Master title style</a:t>
-            </a:r>
             <a:endParaRPr lang="en-US" dirty="0"/>
           </a:p>
         </p:txBody>
@@ -2954,84 +3080,54 @@
           <a:chExt cx="0" cy="0"/>
         </a:xfrm>
       </p:grpSpPr>
-      <p:pic>
-        <p:nvPicPr>
-          <p:cNvPr id="7" name="Picture 6" descr="Celestia-R1---OverlayContentHD.png"/>
-          <p:cNvPicPr>
-            <a:picLocks noChangeAspect="1"/>
-          </p:cNvPicPr>
-          <p:nvPr/>
-        </p:nvPicPr>
-        <p:blipFill>
-          <a:blip r:embed="rId2">
-            <a:extLst>
-              <a:ext uri="{28A0092B-C50C-407E-A947-70E740481C1C}">
-                <a14:useLocalDpi xmlns:a14="http://schemas.microsoft.com/office/drawing/2010/main" xmlns="" val="0"/>
-              </a:ext>
-            </a:extLst>
-          </a:blip>
-          <a:stretch>
-            <a:fillRect/>
-          </a:stretch>
-        </p:blipFill>
+      <p:sp>
+        <p:nvSpPr>
+          <p:cNvPr id="2" name="Vertical Title 1"/>
+          <p:cNvSpPr>
+            <a:spLocks noGrp="1"/>
+          </p:cNvSpPr>
+          <p:nvPr>
+            <p:ph type="title" orient="vert"/>
+          </p:nvPr>
+        </p:nvSpPr>
         <p:spPr>
           <a:xfrm>
-            <a:off x="0" y="0"/>
-            <a:ext cx="12188825" cy="6856214"/>
+            <a:off x="8724900" y="365125"/>
+            <a:ext cx="2628900" cy="5811838"/>
           </a:xfrm>
-          <a:prstGeom prst="rect">
-            <a:avLst/>
-          </a:prstGeom>
         </p:spPr>
-      </p:pic>
-      <p:sp>
-        <p:nvSpPr>
-          <p:cNvPr id="2" name="Vertical Title 1"/>
-          <p:cNvSpPr>
-            <a:spLocks noGrp="1"/>
-          </p:cNvSpPr>
-          <p:nvPr>
-            <p:ph type="title" orient="vert"/>
+        <p:txBody>
+          <a:bodyPr vert="eaVert"/>
+          <a:lstStyle/>
+          <a:p>
+            <a:r>
+              <a:rPr lang="en-US" smtClean="0"/>
+              <a:t>Click to edit Master title style</a:t>
+            </a:r>
+            <a:endParaRPr lang="en-US" dirty="0"/>
+          </a:p>
+        </p:txBody>
+      </p:sp>
+      <p:sp>
+        <p:nvSpPr>
+          <p:cNvPr id="3" name="Vertical Text Placeholder 2"/>
+          <p:cNvSpPr>
+            <a:spLocks noGrp="1"/>
+          </p:cNvSpPr>
+          <p:nvPr>
+            <p:ph type="body" orient="vert" idx="1"/>
           </p:nvPr>
         </p:nvSpPr>
         <p:spPr>
           <a:xfrm>
-            <a:off x="8658675" y="609599"/>
-            <a:ext cx="2158552" cy="5181601"/>
+            <a:off x="838200" y="365125"/>
+            <a:ext cx="7734300" cy="5811838"/>
           </a:xfrm>
         </p:spPr>
         <p:txBody>
           <a:bodyPr vert="eaVert"/>
           <a:lstStyle/>
           <a:p>
-            <a:r>
-              <a:rPr lang="en-US" smtClean="0"/>
-              <a:t>Click to edit Master title style</a:t>
-            </a:r>
-            <a:endParaRPr lang="en-US" dirty="0"/>
-          </a:p>
-        </p:txBody>
-      </p:sp>
-      <p:sp>
-        <p:nvSpPr>
-          <p:cNvPr id="3" name="Vertical Text Placeholder 2"/>
-          <p:cNvSpPr>
-            <a:spLocks noGrp="1"/>
-          </p:cNvSpPr>
-          <p:nvPr>
-            <p:ph type="body" orient="vert" idx="1"/>
-          </p:nvPr>
-        </p:nvSpPr>
-        <p:spPr>
-          <a:xfrm>
-            <a:off x="685800" y="609600"/>
-            <a:ext cx="7832116" cy="5181600"/>
-          </a:xfrm>
-        </p:spPr>
-        <p:txBody>
-          <a:bodyPr vert="eaVert" anchor="t"/>
-          <a:lstStyle/>
-          <a:p>
             <a:pPr lvl="0"/>
             <a:r>
               <a:rPr lang="en-US" smtClean="0"/>
@@ -3085,9 +3181,9 @@
           <a:lstStyle/>
           <a:p>
             <a:fld id="{B61BEF0D-F0BB-DE4B-95CE-6DB70DBA9567}" type="datetimeFigureOut">
-              <a:rPr lang="en-US" dirty="0"/>
+              <a:rPr lang="en-US" smtClean="0"/>
               <a:pPr/>
-              <a:t>7/27/2018</a:t>
+              <a:t>7/29/2018</a:t>
             </a:fld>
             <a:endParaRPr lang="en-US" dirty="0"/>
           </a:p>
@@ -3128,7 +3224,7 @@
           <a:lstStyle/>
           <a:p>
             <a:fld id="{D57F1E4F-1CFF-5643-939E-217C01CDF565}" type="slidenum">
-              <a:rPr lang="en-US" dirty="0"/>
+              <a:rPr lang="en-US" smtClean="0"/>
               <a:pPr/>
               <a:t>‹#›</a:t>
             </a:fld>
@@ -3161,39 +3257,9 @@
           <a:chExt cx="0" cy="0"/>
         </a:xfrm>
       </p:grpSpPr>
-      <p:pic>
-        <p:nvPicPr>
-          <p:cNvPr id="7" name="Picture 6" descr="Celestia-R1---OverlayContentHD.png"/>
-          <p:cNvPicPr>
-            <a:picLocks noChangeAspect="1"/>
-          </p:cNvPicPr>
-          <p:nvPr/>
-        </p:nvPicPr>
-        <p:blipFill>
-          <a:blip r:embed="rId2">
-            <a:extLst>
-              <a:ext uri="{28A0092B-C50C-407E-A947-70E740481C1C}">
-                <a14:useLocalDpi xmlns:a14="http://schemas.microsoft.com/office/drawing/2010/main" xmlns="" val="0"/>
-              </a:ext>
-            </a:extLst>
-          </a:blip>
-          <a:stretch>
-            <a:fillRect/>
-          </a:stretch>
-        </p:blipFill>
-        <p:spPr>
-          <a:xfrm>
-            <a:off x="0" y="0"/>
-            <a:ext cx="12188825" cy="6856214"/>
-          </a:xfrm>
-          <a:prstGeom prst="rect">
-            <a:avLst/>
-          </a:prstGeom>
-        </p:spPr>
-      </p:pic>
-      <p:sp>
-        <p:nvSpPr>
-          <p:cNvPr id="2" name="Title 1"/>
+      <p:sp>
+        <p:nvSpPr>
+          <p:cNvPr id="8" name="Title 1"/>
           <p:cNvSpPr>
             <a:spLocks noGrp="1"/>
           </p:cNvSpPr>
@@ -3226,7 +3292,7 @@
         </p:nvSpPr>
         <p:spPr/>
         <p:txBody>
-          <a:bodyPr anchor="ctr"/>
+          <a:bodyPr/>
           <a:lstStyle/>
           <a:p>
             <a:pPr lvl="0"/>
@@ -3282,9 +3348,9 @@
           <a:lstStyle/>
           <a:p>
             <a:fld id="{B61BEF0D-F0BB-DE4B-95CE-6DB70DBA9567}" type="datetimeFigureOut">
-              <a:rPr lang="en-US" dirty="0"/>
+              <a:rPr lang="en-US" smtClean="0"/>
               <a:pPr/>
-              <a:t>7/27/2018</a:t>
+              <a:t>7/29/2018</a:t>
             </a:fld>
             <a:endParaRPr lang="en-US" dirty="0"/>
           </a:p>
@@ -3325,7 +3391,7 @@
           <a:lstStyle/>
           <a:p>
             <a:fld id="{D57F1E4F-1CFF-5643-939E-217C01CDF565}" type="slidenum">
-              <a:rPr lang="en-US" dirty="0"/>
+              <a:rPr lang="en-US" smtClean="0"/>
               <a:pPr/>
               <a:t>‹#›</a:t>
             </a:fld>
@@ -3358,184 +3424,165 @@
           <a:chExt cx="0" cy="0"/>
         </a:xfrm>
       </p:grpSpPr>
-      <p:pic>
-        <p:nvPicPr>
-          <p:cNvPr id="7" name="Picture 6" descr="Celestia-R1---OverlayContentHD.png"/>
-          <p:cNvPicPr>
-            <a:picLocks noChangeAspect="1"/>
-          </p:cNvPicPr>
-          <p:nvPr/>
-        </p:nvPicPr>
-        <p:blipFill>
-          <a:blip r:embed="rId2">
-            <a:extLst>
-              <a:ext uri="{28A0092B-C50C-407E-A947-70E740481C1C}">
-                <a14:useLocalDpi xmlns:a14="http://schemas.microsoft.com/office/drawing/2010/main" xmlns="" val="0"/>
-              </a:ext>
-            </a:extLst>
-          </a:blip>
-          <a:stretch>
-            <a:fillRect/>
-          </a:stretch>
-        </p:blipFill>
+      <p:sp>
+        <p:nvSpPr>
+          <p:cNvPr id="7" name="Title 1"/>
+          <p:cNvSpPr>
+            <a:spLocks noGrp="1"/>
+          </p:cNvSpPr>
+          <p:nvPr>
+            <p:ph type="ctrTitle"/>
+          </p:nvPr>
+        </p:nvSpPr>
         <p:spPr>
           <a:xfrm>
-            <a:off x="0" y="0"/>
-            <a:ext cx="12188825" cy="6856214"/>
+            <a:off x="854532" y="4464028"/>
+            <a:ext cx="9144000" cy="1641490"/>
           </a:xfrm>
-          <a:prstGeom prst="rect">
-            <a:avLst/>
-          </a:prstGeom>
         </p:spPr>
-      </p:pic>
-      <p:sp>
-        <p:nvSpPr>
-          <p:cNvPr id="2" name="Title 1"/>
-          <p:cNvSpPr>
-            <a:spLocks noGrp="1"/>
-          </p:cNvSpPr>
-          <p:nvPr>
-            <p:ph type="title"/>
+        <p:txBody>
+          <a:bodyPr wrap="none" anchor="t">
+            <a:normAutofit/>
+          </a:bodyPr>
+          <a:lstStyle>
+            <a:lvl1pPr algn="l">
+              <a:defRPr sz="9600" b="0" spc="-300">
+                <a:gradFill flip="none" rotWithShape="1">
+                  <a:gsLst>
+                    <a:gs pos="32000">
+                      <a:schemeClr val="tx1">
+                        <a:lumMod val="89000"/>
+                      </a:schemeClr>
+                    </a:gs>
+                    <a:gs pos="0">
+                      <a:schemeClr val="bg1">
+                        <a:lumMod val="47000"/>
+                        <a:lumOff val="53000"/>
+                      </a:schemeClr>
+                    </a:gs>
+                    <a:gs pos="100000">
+                      <a:schemeClr val="tx2">
+                        <a:lumMod val="0"/>
+                        <a:lumOff val="100000"/>
+                      </a:schemeClr>
+                    </a:gs>
+                  </a:gsLst>
+                  <a:lin ang="8100000" scaled="1"/>
+                  <a:tileRect/>
+                </a:gradFill>
+                <a:effectLst>
+                  <a:outerShdw blurRad="469900" dist="342900" dir="5400000" sy="-20000" rotWithShape="0">
+                    <a:prstClr val="black">
+                      <a:alpha val="66000"/>
+                    </a:prstClr>
+                  </a:outerShdw>
+                </a:effectLst>
+                <a:latin typeface="+mj-lt"/>
+              </a:defRPr>
+            </a:lvl1pPr>
+          </a:lstStyle>
+          <a:p>
+            <a:r>
+              <a:rPr lang="en-US" smtClean="0"/>
+              <a:t>Click to edit Master title style</a:t>
+            </a:r>
+            <a:endParaRPr lang="en-US" dirty="0"/>
+          </a:p>
+        </p:txBody>
+      </p:sp>
+      <p:sp>
+        <p:nvSpPr>
+          <p:cNvPr id="8" name="Subtitle 2"/>
+          <p:cNvSpPr>
+            <a:spLocks noGrp="1"/>
+          </p:cNvSpPr>
+          <p:nvPr>
+            <p:ph type="subTitle" idx="1"/>
           </p:nvPr>
         </p:nvSpPr>
         <p:spPr>
           <a:xfrm>
-            <a:off x="685800" y="3308581"/>
-            <a:ext cx="10131427" cy="1468800"/>
+            <a:off x="854532" y="3693674"/>
+            <a:ext cx="9144000" cy="754025"/>
           </a:xfrm>
         </p:spPr>
         <p:txBody>
-          <a:bodyPr anchor="b"/>
-          <a:lstStyle>
-            <a:lvl1pPr algn="l">
-              <a:defRPr sz="4000" b="0" cap="all"/>
-            </a:lvl1pPr>
-          </a:lstStyle>
-          <a:p>
-            <a:r>
-              <a:rPr lang="en-US" smtClean="0"/>
-              <a:t>Click to edit Master title style</a:t>
-            </a:r>
-            <a:endParaRPr lang="en-US" dirty="0"/>
-          </a:p>
-        </p:txBody>
-      </p:sp>
-      <p:sp>
-        <p:nvSpPr>
-          <p:cNvPr id="3" name="Text Placeholder 2"/>
-          <p:cNvSpPr>
-            <a:spLocks noGrp="1"/>
-          </p:cNvSpPr>
-          <p:nvPr>
-            <p:ph type="body" idx="1"/>
-          </p:nvPr>
-        </p:nvSpPr>
-        <p:spPr>
-          <a:xfrm>
-            <a:off x="685799" y="4777381"/>
-            <a:ext cx="10131428" cy="860400"/>
-          </a:xfrm>
-        </p:spPr>
-        <p:txBody>
-          <a:bodyPr anchor="t">
+          <a:bodyPr anchor="b">
             <a:normAutofit/>
           </a:bodyPr>
           <a:lstStyle>
             <a:lvl1pPr marL="0" indent="0" algn="l">
               <a:buNone/>
-              <a:defRPr sz="2000" cap="all">
-                <a:solidFill>
-                  <a:schemeClr val="tx1"/>
-                </a:solidFill>
+              <a:defRPr sz="3200" b="0">
+                <a:gradFill flip="none" rotWithShape="1">
+                  <a:gsLst>
+                    <a:gs pos="15000">
+                      <a:schemeClr val="tx2"/>
+                    </a:gs>
+                    <a:gs pos="73000">
+                      <a:schemeClr val="tx2">
+                        <a:lumMod val="60000"/>
+                        <a:lumOff val="40000"/>
+                      </a:schemeClr>
+                    </a:gs>
+                    <a:gs pos="0">
+                      <a:schemeClr val="tx2">
+                        <a:lumMod val="90000"/>
+                        <a:lumOff val="10000"/>
+                      </a:schemeClr>
+                    </a:gs>
+                    <a:gs pos="100000">
+                      <a:schemeClr val="tx2">
+                        <a:lumMod val="0"/>
+                        <a:lumOff val="100000"/>
+                      </a:schemeClr>
+                    </a:gs>
+                  </a:gsLst>
+                  <a:lin ang="16200000" scaled="1"/>
+                  <a:tileRect/>
+                </a:gradFill>
+                <a:latin typeface="+mj-lt"/>
               </a:defRPr>
             </a:lvl1pPr>
-            <a:lvl2pPr marL="457200" indent="0">
-              <a:buNone/>
-              <a:defRPr sz="1800">
-                <a:solidFill>
-                  <a:schemeClr val="tx1">
-                    <a:tint val="75000"/>
-                  </a:schemeClr>
-                </a:solidFill>
-              </a:defRPr>
+            <a:lvl2pPr marL="457200" indent="0" algn="ctr">
+              <a:buNone/>
+              <a:defRPr sz="2000"/>
             </a:lvl2pPr>
-            <a:lvl3pPr marL="914400" indent="0">
-              <a:buNone/>
-              <a:defRPr sz="1600">
-                <a:solidFill>
-                  <a:schemeClr val="tx1">
-                    <a:tint val="75000"/>
-                  </a:schemeClr>
-                </a:solidFill>
-              </a:defRPr>
+            <a:lvl3pPr marL="914400" indent="0" algn="ctr">
+              <a:buNone/>
+              <a:defRPr sz="1800"/>
             </a:lvl3pPr>
-            <a:lvl4pPr marL="1371600" indent="0">
-              <a:buNone/>
-              <a:defRPr sz="1400">
-                <a:solidFill>
-                  <a:schemeClr val="tx1">
-                    <a:tint val="75000"/>
-                  </a:schemeClr>
-                </a:solidFill>
-              </a:defRPr>
+            <a:lvl4pPr marL="1371600" indent="0" algn="ctr">
+              <a:buNone/>
+              <a:defRPr sz="1600"/>
             </a:lvl4pPr>
-            <a:lvl5pPr marL="1828800" indent="0">
-              <a:buNone/>
-              <a:defRPr sz="1400">
-                <a:solidFill>
-                  <a:schemeClr val="tx1">
-                    <a:tint val="75000"/>
-                  </a:schemeClr>
-                </a:solidFill>
-              </a:defRPr>
+            <a:lvl5pPr marL="1828800" indent="0" algn="ctr">
+              <a:buNone/>
+              <a:defRPr sz="1600"/>
             </a:lvl5pPr>
-            <a:lvl6pPr marL="2286000" indent="0">
-              <a:buNone/>
-              <a:defRPr sz="1400">
-                <a:solidFill>
-                  <a:schemeClr val="tx1">
-                    <a:tint val="75000"/>
-                  </a:schemeClr>
-                </a:solidFill>
-              </a:defRPr>
+            <a:lvl6pPr marL="2286000" indent="0" algn="ctr">
+              <a:buNone/>
+              <a:defRPr sz="1600"/>
             </a:lvl6pPr>
-            <a:lvl7pPr marL="2743200" indent="0">
-              <a:buNone/>
-              <a:defRPr sz="1400">
-                <a:solidFill>
-                  <a:schemeClr val="tx1">
-                    <a:tint val="75000"/>
-                  </a:schemeClr>
-                </a:solidFill>
-              </a:defRPr>
+            <a:lvl7pPr marL="2743200" indent="0" algn="ctr">
+              <a:buNone/>
+              <a:defRPr sz="1600"/>
             </a:lvl7pPr>
-            <a:lvl8pPr marL="3200400" indent="0">
-              <a:buNone/>
-              <a:defRPr sz="1400">
-                <a:solidFill>
-                  <a:schemeClr val="tx1">
-                    <a:tint val="75000"/>
-                  </a:schemeClr>
-                </a:solidFill>
-              </a:defRPr>
+            <a:lvl8pPr marL="3200400" indent="0" algn="ctr">
+              <a:buNone/>
+              <a:defRPr sz="1600"/>
             </a:lvl8pPr>
-            <a:lvl9pPr marL="3657600" indent="0">
-              <a:buNone/>
-              <a:defRPr sz="1400">
-                <a:solidFill>
-                  <a:schemeClr val="tx1">
-                    <a:tint val="75000"/>
-                  </a:schemeClr>
-                </a:solidFill>
-              </a:defRPr>
+            <a:lvl9pPr marL="3657600" indent="0" algn="ctr">
+              <a:buNone/>
+              <a:defRPr sz="1600"/>
             </a:lvl9pPr>
           </a:lstStyle>
           <a:p>
-            <a:pPr lvl="0"/>
-            <a:r>
-              <a:rPr lang="en-US" smtClean="0"/>
-              <a:t>Click to edit Master text styles</a:t>
-            </a:r>
+            <a:r>
+              <a:rPr lang="en-US" smtClean="0"/>
+              <a:t>Click to edit Master subtitle style</a:t>
+            </a:r>
+            <a:endParaRPr lang="en-US" dirty="0"/>
           </a:p>
         </p:txBody>
       </p:sp>
@@ -3555,9 +3602,9 @@
           <a:lstStyle/>
           <a:p>
             <a:fld id="{B61BEF0D-F0BB-DE4B-95CE-6DB70DBA9567}" type="datetimeFigureOut">
-              <a:rPr lang="en-US" dirty="0"/>
+              <a:rPr lang="en-US" smtClean="0"/>
               <a:pPr/>
-              <a:t>7/27/2018</a:t>
+              <a:t>7/29/2018</a:t>
             </a:fld>
             <a:endParaRPr lang="en-US" dirty="0"/>
           </a:p>
@@ -3598,7 +3645,7 @@
           <a:lstStyle/>
           <a:p>
             <a:fld id="{D57F1E4F-1CFF-5643-939E-217C01CDF565}" type="slidenum">
-              <a:rPr lang="en-US" dirty="0"/>
+              <a:rPr lang="en-US" smtClean="0"/>
               <a:pPr/>
               <a:t>‹#›</a:t>
             </a:fld>
@@ -3631,79 +3678,104 @@
           <a:chExt cx="0" cy="0"/>
         </a:xfrm>
       </p:grpSpPr>
-      <p:pic>
-        <p:nvPicPr>
-          <p:cNvPr id="8" name="Picture 7" descr="Celestia-R1---OverlayContentHD.png"/>
-          <p:cNvPicPr>
-            <a:picLocks noChangeAspect="1"/>
-          </p:cNvPicPr>
-          <p:nvPr/>
-        </p:nvPicPr>
-        <p:blipFill>
-          <a:blip r:embed="rId2">
-            <a:extLst>
-              <a:ext uri="{28A0092B-C50C-407E-A947-70E740481C1C}">
-                <a14:useLocalDpi xmlns:a14="http://schemas.microsoft.com/office/drawing/2010/main" xmlns="" val="0"/>
-              </a:ext>
-            </a:extLst>
-          </a:blip>
-          <a:stretch>
-            <a:fillRect/>
-          </a:stretch>
-        </p:blipFill>
+      <p:sp>
+        <p:nvSpPr>
+          <p:cNvPr id="2" name="Title 1"/>
+          <p:cNvSpPr>
+            <a:spLocks noGrp="1"/>
+          </p:cNvSpPr>
+          <p:nvPr>
+            <p:ph type="title"/>
+          </p:nvPr>
+        </p:nvSpPr>
+        <p:spPr/>
+        <p:txBody>
+          <a:bodyPr/>
+          <a:lstStyle/>
+          <a:p>
+            <a:r>
+              <a:rPr lang="en-US" smtClean="0"/>
+              <a:t>Click to edit Master title style</a:t>
+            </a:r>
+            <a:endParaRPr lang="en-US" dirty="0"/>
+          </a:p>
+        </p:txBody>
+      </p:sp>
+      <p:sp>
+        <p:nvSpPr>
+          <p:cNvPr id="3" name="Content Placeholder 2"/>
+          <p:cNvSpPr>
+            <a:spLocks noGrp="1"/>
+          </p:cNvSpPr>
+          <p:nvPr>
+            <p:ph sz="half" idx="1"/>
+          </p:nvPr>
+        </p:nvSpPr>
         <p:spPr>
           <a:xfrm>
-            <a:off x="0" y="0"/>
-            <a:ext cx="12188825" cy="6856214"/>
+            <a:off x="1120000" y="1825625"/>
+            <a:ext cx="5025216" cy="4351338"/>
           </a:xfrm>
-          <a:prstGeom prst="rect">
-            <a:avLst/>
-          </a:prstGeom>
         </p:spPr>
-      </p:pic>
-      <p:sp>
-        <p:nvSpPr>
-          <p:cNvPr id="2" name="Title 1"/>
-          <p:cNvSpPr>
-            <a:spLocks noGrp="1"/>
-          </p:cNvSpPr>
-          <p:nvPr>
-            <p:ph type="title"/>
-          </p:nvPr>
-        </p:nvSpPr>
-        <p:spPr/>
         <p:txBody>
           <a:bodyPr/>
           <a:lstStyle/>
           <a:p>
-            <a:r>
-              <a:rPr lang="en-US" smtClean="0"/>
-              <a:t>Click to edit Master title style</a:t>
-            </a:r>
-            <a:endParaRPr lang="en-US" dirty="0"/>
-          </a:p>
-        </p:txBody>
-      </p:sp>
-      <p:sp>
-        <p:nvSpPr>
-          <p:cNvPr id="3" name="Content Placeholder 2"/>
-          <p:cNvSpPr>
-            <a:spLocks noGrp="1"/>
-          </p:cNvSpPr>
-          <p:nvPr>
-            <p:ph sz="half" idx="1"/>
+            <a:pPr lvl="0"/>
+            <a:r>
+              <a:rPr lang="en-US" smtClean="0"/>
+              <a:t>Click to edit Master text styles</a:t>
+            </a:r>
+          </a:p>
+          <a:p>
+            <a:pPr lvl="1"/>
+            <a:r>
+              <a:rPr lang="en-US" smtClean="0"/>
+              <a:t>Second level</a:t>
+            </a:r>
+          </a:p>
+          <a:p>
+            <a:pPr lvl="2"/>
+            <a:r>
+              <a:rPr lang="en-US" smtClean="0"/>
+              <a:t>Third level</a:t>
+            </a:r>
+          </a:p>
+          <a:p>
+            <a:pPr lvl="3"/>
+            <a:r>
+              <a:rPr lang="en-US" smtClean="0"/>
+              <a:t>Fourth level</a:t>
+            </a:r>
+          </a:p>
+          <a:p>
+            <a:pPr lvl="4"/>
+            <a:r>
+              <a:rPr lang="en-US" smtClean="0"/>
+              <a:t>Fifth level</a:t>
+            </a:r>
+            <a:endParaRPr lang="en-US" dirty="0"/>
+          </a:p>
+        </p:txBody>
+      </p:sp>
+      <p:sp>
+        <p:nvSpPr>
+          <p:cNvPr id="4" name="Content Placeholder 3"/>
+          <p:cNvSpPr>
+            <a:spLocks noGrp="1"/>
+          </p:cNvSpPr>
+          <p:nvPr>
+            <p:ph sz="half" idx="2"/>
           </p:nvPr>
         </p:nvSpPr>
         <p:spPr>
           <a:xfrm>
-            <a:off x="685802" y="2142067"/>
-            <a:ext cx="4995334" cy="3649134"/>
+            <a:off x="6319840" y="1825625"/>
+            <a:ext cx="5033960" cy="4351338"/>
           </a:xfrm>
         </p:spPr>
         <p:txBody>
-          <a:bodyPr>
-            <a:normAutofit/>
-          </a:bodyPr>
+          <a:bodyPr/>
           <a:lstStyle/>
           <a:p>
             <a:pPr lvl="0"/>
@@ -3745,65 +3817,6 @@
       </p:sp>
       <p:sp>
         <p:nvSpPr>
-          <p:cNvPr id="4" name="Content Placeholder 3"/>
-          <p:cNvSpPr>
-            <a:spLocks noGrp="1"/>
-          </p:cNvSpPr>
-          <p:nvPr>
-            <p:ph sz="half" idx="2"/>
-          </p:nvPr>
-        </p:nvSpPr>
-        <p:spPr>
-          <a:xfrm>
-            <a:off x="5821895" y="2142067"/>
-            <a:ext cx="4995332" cy="3649133"/>
-          </a:xfrm>
-        </p:spPr>
-        <p:txBody>
-          <a:bodyPr>
-            <a:normAutofit/>
-          </a:bodyPr>
-          <a:lstStyle/>
-          <a:p>
-            <a:pPr lvl="0"/>
-            <a:r>
-              <a:rPr lang="en-US" smtClean="0"/>
-              <a:t>Click to edit Master text styles</a:t>
-            </a:r>
-          </a:p>
-          <a:p>
-            <a:pPr lvl="1"/>
-            <a:r>
-              <a:rPr lang="en-US" smtClean="0"/>
-              <a:t>Second level</a:t>
-            </a:r>
-          </a:p>
-          <a:p>
-            <a:pPr lvl="2"/>
-            <a:r>
-              <a:rPr lang="en-US" smtClean="0"/>
-              <a:t>Third level</a:t>
-            </a:r>
-          </a:p>
-          <a:p>
-            <a:pPr lvl="3"/>
-            <a:r>
-              <a:rPr lang="en-US" smtClean="0"/>
-              <a:t>Fourth level</a:t>
-            </a:r>
-          </a:p>
-          <a:p>
-            <a:pPr lvl="4"/>
-            <a:r>
-              <a:rPr lang="en-US" smtClean="0"/>
-              <a:t>Fifth level</a:t>
-            </a:r>
-            <a:endParaRPr lang="en-US" dirty="0"/>
-          </a:p>
-        </p:txBody>
-      </p:sp>
-      <p:sp>
-        <p:nvSpPr>
           <p:cNvPr id="5" name="Date Placeholder 4"/>
           <p:cNvSpPr>
             <a:spLocks noGrp="1"/>
@@ -3818,9 +3831,9 @@
           <a:lstStyle/>
           <a:p>
             <a:fld id="{B61BEF0D-F0BB-DE4B-95CE-6DB70DBA9567}" type="datetimeFigureOut">
-              <a:rPr lang="en-US" dirty="0"/>
+              <a:rPr lang="en-US" smtClean="0"/>
               <a:pPr/>
-              <a:t>7/27/2018</a:t>
+              <a:t>7/29/2018</a:t>
             </a:fld>
             <a:endParaRPr lang="en-US" dirty="0"/>
           </a:p>
@@ -3861,7 +3874,7 @@
           <a:lstStyle/>
           <a:p>
             <a:fld id="{D57F1E4F-1CFF-5643-939E-217C01CDF565}" type="slidenum">
-              <a:rPr lang="en-US" dirty="0"/>
+              <a:rPr lang="en-US" smtClean="0"/>
               <a:pPr/>
               <a:t>‹#›</a:t>
             </a:fld>
@@ -3904,47 +3917,73 @@
             <p:ph type="title"/>
           </p:nvPr>
         </p:nvSpPr>
-        <p:spPr/>
-        <p:txBody>
-          <a:bodyPr/>
-          <a:lstStyle>
-            <a:lvl1pPr>
-              <a:defRPr/>
-            </a:lvl1pPr>
-          </a:lstStyle>
-          <a:p>
-            <a:r>
-              <a:rPr lang="en-US" smtClean="0"/>
-              <a:t>Click to edit Master title style</a:t>
-            </a:r>
-            <a:endParaRPr lang="en-US" dirty="0"/>
-          </a:p>
-        </p:txBody>
-      </p:sp>
-      <p:sp>
-        <p:nvSpPr>
-          <p:cNvPr id="3" name="Text Placeholder 2"/>
-          <p:cNvSpPr>
-            <a:spLocks noGrp="1"/>
-          </p:cNvSpPr>
-          <p:nvPr>
-            <p:ph type="body" idx="1"/>
-          </p:nvPr>
-        </p:nvSpPr>
         <p:spPr>
           <a:xfrm>
-            <a:off x="973670" y="2218267"/>
-            <a:ext cx="4709054" cy="576262"/>
+            <a:off x="839788" y="365125"/>
+            <a:ext cx="10515600" cy="1325563"/>
           </a:xfrm>
         </p:spPr>
         <p:txBody>
-          <a:bodyPr anchor="b">
-            <a:noAutofit/>
-          </a:bodyPr>
+          <a:bodyPr/>
+          <a:lstStyle/>
+          <a:p>
+            <a:r>
+              <a:rPr lang="en-US" smtClean="0"/>
+              <a:t>Click to edit Master title style</a:t>
+            </a:r>
+            <a:endParaRPr lang="en-US" dirty="0"/>
+          </a:p>
+        </p:txBody>
+      </p:sp>
+      <p:sp>
+        <p:nvSpPr>
+          <p:cNvPr id="3" name="Text Placeholder 2"/>
+          <p:cNvSpPr>
+            <a:spLocks noGrp="1"/>
+          </p:cNvSpPr>
+          <p:nvPr>
+            <p:ph type="body" idx="1"/>
+          </p:nvPr>
+        </p:nvSpPr>
+        <p:spPr>
+          <a:xfrm>
+            <a:off x="1120000" y="1681163"/>
+            <a:ext cx="5025216" cy="823912"/>
+          </a:xfrm>
+        </p:spPr>
+        <p:txBody>
+          <a:bodyPr anchor="b"/>
           <a:lstStyle>
             <a:lvl1pPr marL="0" indent="0">
               <a:buNone/>
-              <a:defRPr sz="2800" b="0"/>
+              <a:defRPr sz="2400" b="0">
+                <a:gradFill>
+                  <a:gsLst>
+                    <a:gs pos="15000">
+                      <a:schemeClr val="tx2"/>
+                    </a:gs>
+                    <a:gs pos="73000">
+                      <a:schemeClr val="tx2">
+                        <a:lumMod val="60000"/>
+                        <a:lumOff val="40000"/>
+                      </a:schemeClr>
+                    </a:gs>
+                    <a:gs pos="0">
+                      <a:schemeClr val="tx2">
+                        <a:lumMod val="90000"/>
+                        <a:lumOff val="10000"/>
+                      </a:schemeClr>
+                    </a:gs>
+                    <a:gs pos="100000">
+                      <a:schemeClr val="tx2">
+                        <a:lumMod val="0"/>
+                        <a:lumOff val="100000"/>
+                      </a:schemeClr>
+                    </a:gs>
+                  </a:gsLst>
+                  <a:lin ang="16200000" scaled="1"/>
+                </a:gradFill>
+              </a:defRPr>
             </a:lvl1pPr>
             <a:lvl2pPr marL="457200" indent="0">
               <a:buNone/>
@@ -3982,8 +4021,8 @@
           <a:p>
             <a:pPr lvl="0"/>
             <a:r>
-              <a:rPr lang="en-US" dirty="0"/>
-              <a:t>CLICK TO EDIT MASTER TEXT STYLES</a:t>
+              <a:rPr lang="en-US" smtClean="0"/>
+              <a:t>Click to edit Master text styles</a:t>
             </a:r>
           </a:p>
         </p:txBody>
@@ -4000,144 +4039,137 @@
         </p:nvSpPr>
         <p:spPr>
           <a:xfrm>
-            <a:off x="685801" y="2870201"/>
-            <a:ext cx="4996923" cy="2920998"/>
+            <a:off x="1120000" y="2505075"/>
+            <a:ext cx="5025216" cy="3684588"/>
           </a:xfrm>
         </p:spPr>
         <p:txBody>
-          <a:bodyPr anchor="t">
+          <a:bodyPr/>
+          <a:lstStyle/>
+          <a:p>
+            <a:pPr lvl="0"/>
+            <a:r>
+              <a:rPr lang="en-US" smtClean="0"/>
+              <a:t>Click to edit Master text styles</a:t>
+            </a:r>
+          </a:p>
+          <a:p>
+            <a:pPr lvl="1"/>
+            <a:r>
+              <a:rPr lang="en-US" smtClean="0"/>
+              <a:t>Second level</a:t>
+            </a:r>
+          </a:p>
+          <a:p>
+            <a:pPr lvl="2"/>
+            <a:r>
+              <a:rPr lang="en-US" smtClean="0"/>
+              <a:t>Third level</a:t>
+            </a:r>
+          </a:p>
+          <a:p>
+            <a:pPr lvl="3"/>
+            <a:r>
+              <a:rPr lang="en-US" smtClean="0"/>
+              <a:t>Fourth level</a:t>
+            </a:r>
+          </a:p>
+          <a:p>
+            <a:pPr lvl="4"/>
+            <a:r>
+              <a:rPr lang="en-US" smtClean="0"/>
+              <a:t>Fifth level</a:t>
+            </a:r>
+            <a:endParaRPr lang="en-US" dirty="0"/>
+          </a:p>
+        </p:txBody>
+      </p:sp>
+      <p:sp>
+        <p:nvSpPr>
+          <p:cNvPr id="5" name="Text Placeholder 4"/>
+          <p:cNvSpPr>
+            <a:spLocks noGrp="1"/>
+          </p:cNvSpPr>
+          <p:nvPr>
+            <p:ph type="body" sz="quarter" idx="3"/>
+          </p:nvPr>
+        </p:nvSpPr>
+        <p:spPr>
+          <a:xfrm>
+            <a:off x="6319840" y="1681163"/>
+            <a:ext cx="5035548" cy="823912"/>
+          </a:xfrm>
+        </p:spPr>
+        <p:txBody>
+          <a:bodyPr vert="horz" lIns="91440" tIns="45720" rIns="91440" bIns="45720" rtlCol="0" anchor="b">
             <a:normAutofit/>
           </a:bodyPr>
-          <a:lstStyle/>
-          <a:p>
-            <a:pPr lvl="0"/>
+          <a:lstStyle>
+            <a:lvl1pPr>
+              <a:buNone/>
+              <a:defRPr lang="en-US" sz="2400" b="0">
+                <a:gradFill>
+                  <a:gsLst>
+                    <a:gs pos="15000">
+                      <a:schemeClr val="tx2"/>
+                    </a:gs>
+                    <a:gs pos="73000">
+                      <a:schemeClr val="tx2">
+                        <a:lumMod val="60000"/>
+                        <a:lumOff val="40000"/>
+                      </a:schemeClr>
+                    </a:gs>
+                    <a:gs pos="0">
+                      <a:schemeClr val="tx2">
+                        <a:lumMod val="90000"/>
+                        <a:lumOff val="10000"/>
+                      </a:schemeClr>
+                    </a:gs>
+                    <a:gs pos="100000">
+                      <a:schemeClr val="tx2">
+                        <a:lumMod val="0"/>
+                        <a:lumOff val="100000"/>
+                      </a:schemeClr>
+                    </a:gs>
+                  </a:gsLst>
+                  <a:lin ang="16200000" scaled="1"/>
+                </a:gradFill>
+              </a:defRPr>
+            </a:lvl1pPr>
+          </a:lstStyle>
+          <a:p>
+            <a:pPr marL="0" lvl="0" indent="0">
+              <a:buNone/>
+            </a:pPr>
             <a:r>
               <a:rPr lang="en-US" smtClean="0"/>
               <a:t>Click to edit Master text styles</a:t>
             </a:r>
           </a:p>
-          <a:p>
-            <a:pPr lvl="1"/>
-            <a:r>
-              <a:rPr lang="en-US" smtClean="0"/>
-              <a:t>Second level</a:t>
-            </a:r>
-          </a:p>
-          <a:p>
-            <a:pPr lvl="2"/>
-            <a:r>
-              <a:rPr lang="en-US" smtClean="0"/>
-              <a:t>Third level</a:t>
-            </a:r>
-          </a:p>
-          <a:p>
-            <a:pPr lvl="3"/>
-            <a:r>
-              <a:rPr lang="en-US" smtClean="0"/>
-              <a:t>Fourth level</a:t>
-            </a:r>
-          </a:p>
-          <a:p>
-            <a:pPr lvl="4"/>
-            <a:r>
-              <a:rPr lang="en-US" smtClean="0"/>
-              <a:t>Fifth level</a:t>
-            </a:r>
-            <a:endParaRPr lang="en-US" dirty="0"/>
-          </a:p>
-        </p:txBody>
-      </p:sp>
-      <p:sp>
-        <p:nvSpPr>
-          <p:cNvPr id="5" name="Text Placeholder 4"/>
-          <p:cNvSpPr>
-            <a:spLocks noGrp="1"/>
-          </p:cNvSpPr>
-          <p:nvPr>
-            <p:ph type="body" sz="quarter" idx="3"/>
+        </p:txBody>
+      </p:sp>
+      <p:sp>
+        <p:nvSpPr>
+          <p:cNvPr id="6" name="Content Placeholder 5"/>
+          <p:cNvSpPr>
+            <a:spLocks noGrp="1"/>
+          </p:cNvSpPr>
+          <p:nvPr>
+            <p:ph sz="quarter" idx="4"/>
           </p:nvPr>
         </p:nvSpPr>
         <p:spPr>
           <a:xfrm>
-            <a:off x="6096003" y="2226734"/>
-            <a:ext cx="4722813" cy="576262"/>
+            <a:off x="6319840" y="2505075"/>
+            <a:ext cx="5035548" cy="3684588"/>
           </a:xfrm>
         </p:spPr>
         <p:txBody>
-          <a:bodyPr anchor="b">
-            <a:noAutofit/>
-          </a:bodyPr>
-          <a:lstStyle>
-            <a:lvl1pPr marL="0" indent="0">
-              <a:buNone/>
-              <a:defRPr sz="2800" b="0"/>
-            </a:lvl1pPr>
-            <a:lvl2pPr marL="457200" indent="0">
-              <a:buNone/>
-              <a:defRPr sz="2000" b="1"/>
-            </a:lvl2pPr>
-            <a:lvl3pPr marL="914400" indent="0">
-              <a:buNone/>
-              <a:defRPr sz="1800" b="1"/>
-            </a:lvl3pPr>
-            <a:lvl4pPr marL="1371600" indent="0">
-              <a:buNone/>
-              <a:defRPr sz="1600" b="1"/>
-            </a:lvl4pPr>
-            <a:lvl5pPr marL="1828800" indent="0">
-              <a:buNone/>
-              <a:defRPr sz="1600" b="1"/>
-            </a:lvl5pPr>
-            <a:lvl6pPr marL="2286000" indent="0">
-              <a:buNone/>
-              <a:defRPr sz="1600" b="1"/>
-            </a:lvl6pPr>
-            <a:lvl7pPr marL="2743200" indent="0">
-              <a:buNone/>
-              <a:defRPr sz="1600" b="1"/>
-            </a:lvl7pPr>
-            <a:lvl8pPr marL="3200400" indent="0">
-              <a:buNone/>
-              <a:defRPr sz="1600" b="1"/>
-            </a:lvl8pPr>
-            <a:lvl9pPr marL="3657600" indent="0">
-              <a:buNone/>
-              <a:defRPr sz="1600" b="1"/>
-            </a:lvl9pPr>
-          </a:lstStyle>
+          <a:bodyPr/>
+          <a:lstStyle/>
           <a:p>
             <a:pPr lvl="0"/>
             <a:r>
-              <a:rPr lang="en-US" dirty="0"/>
-              <a:t>CLICK TO EDIT MASTER TEXT STYLES</a:t>
-            </a:r>
-          </a:p>
-        </p:txBody>
-      </p:sp>
-      <p:sp>
-        <p:nvSpPr>
-          <p:cNvPr id="6" name="Content Placeholder 5"/>
-          <p:cNvSpPr>
-            <a:spLocks noGrp="1"/>
-          </p:cNvSpPr>
-          <p:nvPr>
-            <p:ph sz="quarter" idx="4"/>
-          </p:nvPr>
-        </p:nvSpPr>
-        <p:spPr>
-          <a:xfrm>
-            <a:off x="5823483" y="2870201"/>
-            <a:ext cx="4995334" cy="2920998"/>
-          </a:xfrm>
-        </p:spPr>
-        <p:txBody>
-          <a:bodyPr anchor="t">
-            <a:normAutofit/>
-          </a:bodyPr>
-          <a:lstStyle/>
-          <a:p>
-            <a:pPr lvl="0"/>
-            <a:r>
               <a:rPr lang="en-US" smtClean="0"/>
               <a:t>Click to edit Master text styles</a:t>
             </a:r>
@@ -4189,9 +4221,9 @@
           <a:lstStyle/>
           <a:p>
             <a:fld id="{B61BEF0D-F0BB-DE4B-95CE-6DB70DBA9567}" type="datetimeFigureOut">
-              <a:rPr lang="en-US" dirty="0"/>
+              <a:rPr lang="en-US" smtClean="0"/>
               <a:pPr/>
-              <a:t>7/27/2018</a:t>
+              <a:t>7/29/2018</a:t>
             </a:fld>
             <a:endParaRPr lang="en-US" dirty="0"/>
           </a:p>
@@ -4232,7 +4264,7 @@
           <a:lstStyle/>
           <a:p>
             <a:fld id="{D57F1E4F-1CFF-5643-939E-217C01CDF565}" type="slidenum">
-              <a:rPr lang="en-US" dirty="0"/>
+              <a:rPr lang="en-US" smtClean="0"/>
               <a:pPr/>
               <a:t>‹#›</a:t>
             </a:fld>
@@ -4265,36 +4297,6 @@
           <a:chExt cx="0" cy="0"/>
         </a:xfrm>
       </p:grpSpPr>
-      <p:pic>
-        <p:nvPicPr>
-          <p:cNvPr id="6" name="Picture 5" descr="Celestia-R1---OverlayContentHD.png"/>
-          <p:cNvPicPr>
-            <a:picLocks noChangeAspect="1"/>
-          </p:cNvPicPr>
-          <p:nvPr/>
-        </p:nvPicPr>
-        <p:blipFill>
-          <a:blip r:embed="rId2">
-            <a:extLst>
-              <a:ext uri="{28A0092B-C50C-407E-A947-70E740481C1C}">
-                <a14:useLocalDpi xmlns:a14="http://schemas.microsoft.com/office/drawing/2010/main" xmlns="" val="0"/>
-              </a:ext>
-            </a:extLst>
-          </a:blip>
-          <a:stretch>
-            <a:fillRect/>
-          </a:stretch>
-        </p:blipFill>
-        <p:spPr>
-          <a:xfrm>
-            <a:off x="0" y="0"/>
-            <a:ext cx="12188825" cy="6856214"/>
-          </a:xfrm>
-          <a:prstGeom prst="rect">
-            <a:avLst/>
-          </a:prstGeom>
-        </p:spPr>
-      </p:pic>
       <p:sp>
         <p:nvSpPr>
           <p:cNvPr id="2" name="Title 1"/>
@@ -4334,9 +4336,9 @@
           <a:lstStyle/>
           <a:p>
             <a:fld id="{B61BEF0D-F0BB-DE4B-95CE-6DB70DBA9567}" type="datetimeFigureOut">
-              <a:rPr lang="en-US" dirty="0"/>
+              <a:rPr lang="en-US" smtClean="0"/>
               <a:pPr/>
-              <a:t>7/27/2018</a:t>
+              <a:t>7/29/2018</a:t>
             </a:fld>
             <a:endParaRPr lang="en-US" dirty="0"/>
           </a:p>
@@ -4377,7 +4379,7 @@
           <a:lstStyle/>
           <a:p>
             <a:fld id="{D57F1E4F-1CFF-5643-939E-217C01CDF565}" type="slidenum">
-              <a:rPr lang="en-US" dirty="0"/>
+              <a:rPr lang="en-US" smtClean="0"/>
               <a:pPr/>
               <a:t>‹#›</a:t>
             </a:fld>
@@ -4410,36 +4412,6 @@
           <a:chExt cx="0" cy="0"/>
         </a:xfrm>
       </p:grpSpPr>
-      <p:pic>
-        <p:nvPicPr>
-          <p:cNvPr id="5" name="Picture 4" descr="Celestia-R1---OverlayContentHD.png"/>
-          <p:cNvPicPr>
-            <a:picLocks noChangeAspect="1"/>
-          </p:cNvPicPr>
-          <p:nvPr/>
-        </p:nvPicPr>
-        <p:blipFill>
-          <a:blip r:embed="rId2">
-            <a:extLst>
-              <a:ext uri="{28A0092B-C50C-407E-A947-70E740481C1C}">
-                <a14:useLocalDpi xmlns:a14="http://schemas.microsoft.com/office/drawing/2010/main" xmlns="" val="0"/>
-              </a:ext>
-            </a:extLst>
-          </a:blip>
-          <a:stretch>
-            <a:fillRect/>
-          </a:stretch>
-        </p:blipFill>
-        <p:spPr>
-          <a:xfrm>
-            <a:off x="0" y="0"/>
-            <a:ext cx="12188825" cy="6856214"/>
-          </a:xfrm>
-          <a:prstGeom prst="rect">
-            <a:avLst/>
-          </a:prstGeom>
-        </p:spPr>
-      </p:pic>
       <p:sp>
         <p:nvSpPr>
           <p:cNvPr id="2" name="Date Placeholder 1"/>
@@ -4456,9 +4428,9 @@
           <a:lstStyle/>
           <a:p>
             <a:fld id="{B61BEF0D-F0BB-DE4B-95CE-6DB70DBA9567}" type="datetimeFigureOut">
-              <a:rPr lang="en-US" dirty="0"/>
+              <a:rPr lang="en-US" smtClean="0"/>
               <a:pPr/>
-              <a:t>7/27/2018</a:t>
+              <a:t>7/29/2018</a:t>
             </a:fld>
             <a:endParaRPr lang="en-US" dirty="0"/>
           </a:p>
@@ -4499,7 +4471,7 @@
           <a:lstStyle/>
           <a:p>
             <a:fld id="{D57F1E4F-1CFF-5643-939E-217C01CDF565}" type="slidenum">
-              <a:rPr lang="en-US" dirty="0"/>
+              <a:rPr lang="en-US" smtClean="0"/>
               <a:pPr/>
               <a:t>‹#›</a:t>
             </a:fld>
@@ -4532,185 +4504,173 @@
           <a:chExt cx="0" cy="0"/>
         </a:xfrm>
       </p:grpSpPr>
-      <p:pic>
-        <p:nvPicPr>
-          <p:cNvPr id="8" name="Picture 7" descr="Celestia-R1---OverlayContentHD.png"/>
-          <p:cNvPicPr>
-            <a:picLocks noChangeAspect="1"/>
-          </p:cNvPicPr>
-          <p:nvPr/>
-        </p:nvPicPr>
-        <p:blipFill>
-          <a:blip r:embed="rId2">
-            <a:extLst>
-              <a:ext uri="{28A0092B-C50C-407E-A947-70E740481C1C}">
-                <a14:useLocalDpi xmlns:a14="http://schemas.microsoft.com/office/drawing/2010/main" xmlns="" val="0"/>
-              </a:ext>
-            </a:extLst>
-          </a:blip>
-          <a:stretch>
-            <a:fillRect/>
-          </a:stretch>
-        </p:blipFill>
+      <p:sp>
+        <p:nvSpPr>
+          <p:cNvPr id="2" name="Title 1"/>
+          <p:cNvSpPr>
+            <a:spLocks noGrp="1"/>
+          </p:cNvSpPr>
+          <p:nvPr>
+            <p:ph type="title"/>
+          </p:nvPr>
+        </p:nvSpPr>
         <p:spPr>
           <a:xfrm>
-            <a:off x="0" y="0"/>
-            <a:ext cx="12188825" cy="6856214"/>
+            <a:off x="839788" y="457200"/>
+            <a:ext cx="3932237" cy="1600200"/>
           </a:xfrm>
-          <a:prstGeom prst="rect">
-            <a:avLst/>
-          </a:prstGeom>
         </p:spPr>
-      </p:pic>
-      <p:sp>
-        <p:nvSpPr>
-          <p:cNvPr id="2" name="Title 1"/>
-          <p:cNvSpPr>
-            <a:spLocks noGrp="1"/>
-          </p:cNvSpPr>
-          <p:nvPr>
-            <p:ph type="title"/>
+        <p:txBody>
+          <a:bodyPr anchor="b"/>
+          <a:lstStyle>
+            <a:lvl1pPr>
+              <a:defRPr sz="3200"/>
+            </a:lvl1pPr>
+          </a:lstStyle>
+          <a:p>
+            <a:r>
+              <a:rPr lang="en-US" smtClean="0"/>
+              <a:t>Click to edit Master title style</a:t>
+            </a:r>
+            <a:endParaRPr lang="en-US" dirty="0"/>
+          </a:p>
+        </p:txBody>
+      </p:sp>
+      <p:sp>
+        <p:nvSpPr>
+          <p:cNvPr id="3" name="Content Placeholder 2"/>
+          <p:cNvSpPr>
+            <a:spLocks noGrp="1"/>
+          </p:cNvSpPr>
+          <p:nvPr>
+            <p:ph idx="1"/>
           </p:nvPr>
         </p:nvSpPr>
         <p:spPr>
           <a:xfrm>
-            <a:off x="685800" y="2074333"/>
-            <a:ext cx="3680885" cy="1371600"/>
+            <a:off x="5183188" y="987425"/>
+            <a:ext cx="6172200" cy="4873625"/>
           </a:xfrm>
         </p:spPr>
         <p:txBody>
-          <a:bodyPr anchor="b">
-            <a:normAutofit/>
-          </a:bodyPr>
-          <a:lstStyle>
-            <a:lvl1pPr algn="l">
-              <a:defRPr sz="2400" b="0"/>
-            </a:lvl1pPr>
-          </a:lstStyle>
-          <a:p>
-            <a:r>
-              <a:rPr lang="en-US" smtClean="0"/>
-              <a:t>Click to edit Master title style</a:t>
-            </a:r>
-            <a:endParaRPr lang="en-US" dirty="0"/>
-          </a:p>
-        </p:txBody>
-      </p:sp>
-      <p:sp>
-        <p:nvSpPr>
-          <p:cNvPr id="3" name="Content Placeholder 2"/>
-          <p:cNvSpPr>
-            <a:spLocks noGrp="1"/>
-          </p:cNvSpPr>
-          <p:nvPr>
-            <p:ph idx="1"/>
+          <a:bodyPr/>
+          <a:lstStyle/>
+          <a:p>
+            <a:pPr lvl="0"/>
+            <a:r>
+              <a:rPr lang="en-US" smtClean="0"/>
+              <a:t>Click to edit Master text styles</a:t>
+            </a:r>
+          </a:p>
+          <a:p>
+            <a:pPr lvl="1"/>
+            <a:r>
+              <a:rPr lang="en-US" smtClean="0"/>
+              <a:t>Second level</a:t>
+            </a:r>
+          </a:p>
+          <a:p>
+            <a:pPr lvl="2"/>
+            <a:r>
+              <a:rPr lang="en-US" smtClean="0"/>
+              <a:t>Third level</a:t>
+            </a:r>
+          </a:p>
+          <a:p>
+            <a:pPr lvl="3"/>
+            <a:r>
+              <a:rPr lang="en-US" smtClean="0"/>
+              <a:t>Fourth level</a:t>
+            </a:r>
+          </a:p>
+          <a:p>
+            <a:pPr lvl="4"/>
+            <a:r>
+              <a:rPr lang="en-US" smtClean="0"/>
+              <a:t>Fifth level</a:t>
+            </a:r>
+            <a:endParaRPr lang="en-US" dirty="0"/>
+          </a:p>
+        </p:txBody>
+      </p:sp>
+      <p:sp>
+        <p:nvSpPr>
+          <p:cNvPr id="4" name="Text Placeholder 3"/>
+          <p:cNvSpPr>
+            <a:spLocks noGrp="1"/>
+          </p:cNvSpPr>
+          <p:nvPr>
+            <p:ph type="body" sz="half" idx="2"/>
           </p:nvPr>
         </p:nvSpPr>
         <p:spPr>
           <a:xfrm>
-            <a:off x="4648201" y="609601"/>
-            <a:ext cx="6169026" cy="5181600"/>
+            <a:off x="1120000" y="2057400"/>
+            <a:ext cx="3652025" cy="3811588"/>
           </a:xfrm>
         </p:spPr>
         <p:txBody>
-          <a:bodyPr anchor="ctr">
-            <a:normAutofit/>
-          </a:bodyPr>
-          <a:lstStyle/>
-          <a:p>
-            <a:pPr lvl="0"/>
-            <a:r>
-              <a:rPr lang="en-US" smtClean="0"/>
-              <a:t>Click to edit Master text styles</a:t>
-            </a:r>
-          </a:p>
-          <a:p>
-            <a:pPr lvl="1"/>
-            <a:r>
-              <a:rPr lang="en-US" smtClean="0"/>
-              <a:t>Second level</a:t>
-            </a:r>
-          </a:p>
-          <a:p>
-            <a:pPr lvl="2"/>
-            <a:r>
-              <a:rPr lang="en-US" smtClean="0"/>
-              <a:t>Third level</a:t>
-            </a:r>
-          </a:p>
-          <a:p>
-            <a:pPr lvl="3"/>
-            <a:r>
-              <a:rPr lang="en-US" smtClean="0"/>
-              <a:t>Fourth level</a:t>
-            </a:r>
-          </a:p>
-          <a:p>
-            <a:pPr lvl="4"/>
-            <a:r>
-              <a:rPr lang="en-US" smtClean="0"/>
-              <a:t>Fifth level</a:t>
-            </a:r>
-            <a:endParaRPr lang="en-US" dirty="0"/>
-          </a:p>
-        </p:txBody>
-      </p:sp>
-      <p:sp>
-        <p:nvSpPr>
-          <p:cNvPr id="4" name="Text Placeholder 3"/>
-          <p:cNvSpPr>
-            <a:spLocks noGrp="1"/>
-          </p:cNvSpPr>
-          <p:nvPr>
-            <p:ph type="body" sz="half" idx="2"/>
-          </p:nvPr>
-        </p:nvSpPr>
-        <p:spPr>
-          <a:xfrm>
-            <a:off x="685800" y="3445933"/>
-            <a:ext cx="3680885" cy="1828800"/>
-          </a:xfrm>
-        </p:spPr>
-        <p:txBody>
-          <a:bodyPr anchor="t">
-            <a:normAutofit/>
-          </a:bodyPr>
+          <a:bodyPr/>
           <a:lstStyle>
             <a:lvl1pPr marL="0" indent="0">
               <a:buNone/>
-              <a:defRPr sz="1600"/>
+              <a:defRPr sz="1600">
+                <a:gradFill>
+                  <a:gsLst>
+                    <a:gs pos="15000">
+                      <a:schemeClr val="tx2"/>
+                    </a:gs>
+                    <a:gs pos="73000">
+                      <a:schemeClr val="tx2">
+                        <a:lumMod val="60000"/>
+                        <a:lumOff val="40000"/>
+                      </a:schemeClr>
+                    </a:gs>
+                    <a:gs pos="0">
+                      <a:schemeClr val="tx1"/>
+                    </a:gs>
+                    <a:gs pos="100000">
+                      <a:schemeClr val="tx2">
+                        <a:lumMod val="0"/>
+                        <a:lumOff val="100000"/>
+                      </a:schemeClr>
+                    </a:gs>
+                  </a:gsLst>
+                  <a:lin ang="16200000" scaled="1"/>
+                </a:gradFill>
+              </a:defRPr>
             </a:lvl1pPr>
             <a:lvl2pPr marL="457200" indent="0">
               <a:buNone/>
-              <a:defRPr sz="1200"/>
+              <a:defRPr sz="1400"/>
             </a:lvl2pPr>
             <a:lvl3pPr marL="914400" indent="0">
               <a:buNone/>
-              <a:defRPr sz="1000"/>
+              <a:defRPr sz="1200"/>
             </a:lvl3pPr>
             <a:lvl4pPr marL="1371600" indent="0">
               <a:buNone/>
-              <a:defRPr sz="900"/>
+              <a:defRPr sz="1000"/>
             </a:lvl4pPr>
             <a:lvl5pPr marL="1828800" indent="0">
               <a:buNone/>
-              <a:defRPr sz="900"/>
+              <a:defRPr sz="1000"/>
             </a:lvl5pPr>
             <a:lvl6pPr marL="2286000" indent="0">
               <a:buNone/>
-              <a:defRPr sz="900"/>
+              <a:defRPr sz="1000"/>
             </a:lvl6pPr>
             <a:lvl7pPr marL="2743200" indent="0">
               <a:buNone/>
-              <a:defRPr sz="900"/>
+              <a:defRPr sz="1000"/>
             </a:lvl7pPr>
             <a:lvl8pPr marL="3200400" indent="0">
               <a:buNone/>
-              <a:defRPr sz="900"/>
+              <a:defRPr sz="1000"/>
             </a:lvl8pPr>
             <a:lvl9pPr marL="3657600" indent="0">
               <a:buNone/>
-              <a:defRPr sz="900"/>
+              <a:defRPr sz="1000"/>
             </a:lvl9pPr>
           </a:lstStyle>
           <a:p>
@@ -4738,9 +4698,9 @@
           <a:lstStyle/>
           <a:p>
             <a:fld id="{B61BEF0D-F0BB-DE4B-95CE-6DB70DBA9567}" type="datetimeFigureOut">
-              <a:rPr lang="en-US" dirty="0"/>
+              <a:rPr lang="en-US" smtClean="0"/>
               <a:pPr/>
-              <a:t>7/27/2018</a:t>
+              <a:t>7/29/2018</a:t>
             </a:fld>
             <a:endParaRPr lang="en-US" dirty="0"/>
           </a:p>
@@ -4781,7 +4741,7 @@
           <a:lstStyle/>
           <a:p>
             <a:fld id="{D57F1E4F-1CFF-5643-939E-217C01CDF565}" type="slidenum">
-              <a:rPr lang="en-US" dirty="0"/>
+              <a:rPr lang="en-US" smtClean="0"/>
               <a:pPr/>
               <a:t>‹#›</a:t>
             </a:fld>
@@ -4814,227 +4774,184 @@
           <a:chExt cx="0" cy="0"/>
         </a:xfrm>
       </p:grpSpPr>
-      <p:pic>
-        <p:nvPicPr>
-          <p:cNvPr id="8" name="Picture 7" descr="Celestia-R1---OverlayContentHD.png"/>
-          <p:cNvPicPr>
-            <a:picLocks noChangeAspect="1"/>
-          </p:cNvPicPr>
-          <p:nvPr/>
-        </p:nvPicPr>
-        <p:blipFill>
-          <a:blip r:embed="rId2">
-            <a:extLst>
-              <a:ext uri="{28A0092B-C50C-407E-A947-70E740481C1C}">
-                <a14:useLocalDpi xmlns:a14="http://schemas.microsoft.com/office/drawing/2010/main" xmlns="" val="0"/>
-              </a:ext>
-            </a:extLst>
-          </a:blip>
-          <a:stretch>
-            <a:fillRect/>
-          </a:stretch>
-        </p:blipFill>
+      <p:sp>
+        <p:nvSpPr>
+          <p:cNvPr id="2" name="Title 1"/>
+          <p:cNvSpPr>
+            <a:spLocks noGrp="1"/>
+          </p:cNvSpPr>
+          <p:nvPr>
+            <p:ph type="title"/>
+          </p:nvPr>
+        </p:nvSpPr>
         <p:spPr>
           <a:xfrm>
-            <a:off x="0" y="0"/>
-            <a:ext cx="12188825" cy="6856214"/>
+            <a:off x="839788" y="457200"/>
+            <a:ext cx="3932237" cy="1600200"/>
           </a:xfrm>
-          <a:prstGeom prst="rect">
-            <a:avLst/>
-          </a:prstGeom>
         </p:spPr>
-      </p:pic>
-      <p:sp>
-        <p:nvSpPr>
-          <p:cNvPr id="2" name="Title 1"/>
-          <p:cNvSpPr>
-            <a:spLocks noGrp="1"/>
-          </p:cNvSpPr>
-          <p:nvPr>
-            <p:ph type="title"/>
+        <p:txBody>
+          <a:bodyPr anchor="b"/>
+          <a:lstStyle>
+            <a:lvl1pPr>
+              <a:defRPr sz="3200"/>
+            </a:lvl1pPr>
+          </a:lstStyle>
+          <a:p>
+            <a:r>
+              <a:rPr lang="en-US" smtClean="0"/>
+              <a:t>Click to edit Master title style</a:t>
+            </a:r>
+            <a:endParaRPr lang="en-US" dirty="0"/>
+          </a:p>
+        </p:txBody>
+      </p:sp>
+      <p:sp>
+        <p:nvSpPr>
+          <p:cNvPr id="3" name="Picture Placeholder 2"/>
+          <p:cNvSpPr>
+            <a:spLocks noGrp="1" noChangeAspect="1"/>
+          </p:cNvSpPr>
+          <p:nvPr>
+            <p:ph type="pic" idx="1"/>
           </p:nvPr>
         </p:nvSpPr>
         <p:spPr>
           <a:xfrm>
-            <a:off x="685800" y="1600200"/>
-            <a:ext cx="6164653" cy="1371600"/>
+            <a:off x="5183188" y="987425"/>
+            <a:ext cx="6172200" cy="4873625"/>
           </a:xfrm>
         </p:spPr>
         <p:txBody>
-          <a:bodyPr anchor="b">
-            <a:normAutofit/>
-          </a:bodyPr>
+          <a:bodyPr anchor="t"/>
           <a:lstStyle>
-            <a:lvl1pPr algn="l">
-              <a:defRPr sz="2800" b="0"/>
+            <a:lvl1pPr marL="0" indent="0">
+              <a:buNone/>
+              <a:defRPr sz="3200"/>
             </a:lvl1pPr>
+            <a:lvl2pPr marL="457200" indent="0">
+              <a:buNone/>
+              <a:defRPr sz="2800"/>
+            </a:lvl2pPr>
+            <a:lvl3pPr marL="914400" indent="0">
+              <a:buNone/>
+              <a:defRPr sz="2400"/>
+            </a:lvl3pPr>
+            <a:lvl4pPr marL="1371600" indent="0">
+              <a:buNone/>
+              <a:defRPr sz="2000"/>
+            </a:lvl4pPr>
+            <a:lvl5pPr marL="1828800" indent="0">
+              <a:buNone/>
+              <a:defRPr sz="2000"/>
+            </a:lvl5pPr>
+            <a:lvl6pPr marL="2286000" indent="0">
+              <a:buNone/>
+              <a:defRPr sz="2000"/>
+            </a:lvl6pPr>
+            <a:lvl7pPr marL="2743200" indent="0">
+              <a:buNone/>
+              <a:defRPr sz="2000"/>
+            </a:lvl7pPr>
+            <a:lvl8pPr marL="3200400" indent="0">
+              <a:buNone/>
+              <a:defRPr sz="2000"/>
+            </a:lvl8pPr>
+            <a:lvl9pPr marL="3657600" indent="0">
+              <a:buNone/>
+              <a:defRPr sz="2000"/>
+            </a:lvl9pPr>
           </a:lstStyle>
           <a:p>
             <a:r>
               <a:rPr lang="en-US" smtClean="0"/>
-              <a:t>Click to edit Master title style</a:t>
-            </a:r>
-            <a:endParaRPr lang="en-US" dirty="0"/>
-          </a:p>
-        </p:txBody>
-      </p:sp>
-      <p:sp>
-        <p:nvSpPr>
-          <p:cNvPr id="14" name="Picture Placeholder 2"/>
-          <p:cNvSpPr>
-            <a:spLocks noGrp="1" noChangeAspect="1"/>
-          </p:cNvSpPr>
-          <p:nvPr>
-            <p:ph type="pic" idx="1"/>
+              <a:t>Click icon to add picture</a:t>
+            </a:r>
+            <a:endParaRPr lang="en-US" dirty="0"/>
+          </a:p>
+        </p:txBody>
+      </p:sp>
+      <p:sp>
+        <p:nvSpPr>
+          <p:cNvPr id="4" name="Text Placeholder 3"/>
+          <p:cNvSpPr>
+            <a:spLocks noGrp="1"/>
+          </p:cNvSpPr>
+          <p:nvPr>
+            <p:ph type="body" sz="half" idx="2"/>
           </p:nvPr>
         </p:nvSpPr>
         <p:spPr>
           <a:xfrm>
-            <a:off x="7536253" y="914400"/>
-            <a:ext cx="3280974" cy="4572000"/>
+            <a:off x="1120000" y="2057400"/>
+            <a:ext cx="3652025" cy="3811588"/>
           </a:xfrm>
-          <a:prstGeom prst="roundRect">
-            <a:avLst>
-              <a:gd name="adj" fmla="val 4280"/>
-            </a:avLst>
-          </a:prstGeom>
-          <a:ln w="50800" cap="sq" cmpd="dbl">
-            <a:gradFill flip="none" rotWithShape="1">
-              <a:gsLst>
-                <a:gs pos="0">
-                  <a:srgbClr val="FFFFFF"/>
-                </a:gs>
-                <a:gs pos="100000">
-                  <a:schemeClr val="tx1">
-                    <a:alpha val="0"/>
-                  </a:schemeClr>
-                </a:gs>
-              </a:gsLst>
-              <a:path path="circle">
-                <a:fillToRect l="50000" t="50000" r="50000" b="50000"/>
-              </a:path>
-              <a:tileRect/>
-            </a:gradFill>
-            <a:miter lim="800000"/>
-          </a:ln>
-          <a:effectLst>
-            <a:outerShdw blurRad="254000" algn="tl" rotWithShape="0">
-              <a:srgbClr val="000000">
-                <a:alpha val="43000"/>
-              </a:srgbClr>
-            </a:outerShdw>
-          </a:effectLst>
         </p:spPr>
         <p:txBody>
-          <a:bodyPr anchor="t">
-            <a:normAutofit/>
-          </a:bodyPr>
+          <a:bodyPr/>
           <a:lstStyle>
-            <a:lvl1pPr marL="0" indent="0" algn="ctr">
-              <a:buNone/>
-              <a:defRPr sz="1600"/>
+            <a:lvl1pPr marL="0" indent="0">
+              <a:buNone/>
+              <a:defRPr sz="1600">
+                <a:gradFill>
+                  <a:gsLst>
+                    <a:gs pos="15000">
+                      <a:schemeClr val="tx2"/>
+                    </a:gs>
+                    <a:gs pos="73000">
+                      <a:schemeClr val="tx2">
+                        <a:lumMod val="60000"/>
+                        <a:lumOff val="40000"/>
+                      </a:schemeClr>
+                    </a:gs>
+                    <a:gs pos="0">
+                      <a:schemeClr val="tx1"/>
+                    </a:gs>
+                    <a:gs pos="100000">
+                      <a:schemeClr val="tx2">
+                        <a:lumMod val="0"/>
+                        <a:lumOff val="100000"/>
+                      </a:schemeClr>
+                    </a:gs>
+                  </a:gsLst>
+                  <a:lin ang="16200000" scaled="1"/>
+                </a:gradFill>
+              </a:defRPr>
             </a:lvl1pPr>
             <a:lvl2pPr marL="457200" indent="0">
               <a:buNone/>
-              <a:defRPr sz="1600"/>
+              <a:defRPr sz="1400"/>
             </a:lvl2pPr>
             <a:lvl3pPr marL="914400" indent="0">
               <a:buNone/>
-              <a:defRPr sz="1600"/>
+              <a:defRPr sz="1200"/>
             </a:lvl3pPr>
             <a:lvl4pPr marL="1371600" indent="0">
               <a:buNone/>
-              <a:defRPr sz="1600"/>
+              <a:defRPr sz="1000"/>
             </a:lvl4pPr>
             <a:lvl5pPr marL="1828800" indent="0">
               <a:buNone/>
-              <a:defRPr sz="1600"/>
+              <a:defRPr sz="1000"/>
             </a:lvl5pPr>
             <a:lvl6pPr marL="2286000" indent="0">
               <a:buNone/>
-              <a:defRPr sz="1600"/>
+              <a:defRPr sz="1000"/>
             </a:lvl6pPr>
             <a:lvl7pPr marL="2743200" indent="0">
               <a:buNone/>
-              <a:defRPr sz="1600"/>
+              <a:defRPr sz="1000"/>
             </a:lvl7pPr>
             <a:lvl8pPr marL="3200400" indent="0">
               <a:buNone/>
-              <a:defRPr sz="1600"/>
+              <a:defRPr sz="1000"/>
             </a:lvl8pPr>
             <a:lvl9pPr marL="3657600" indent="0">
               <a:buNone/>
-              <a:defRPr sz="1600"/>
+              <a:defRPr sz="1000"/>
             </a:lvl9pPr>
           </a:lstStyle>
           <a:p>
-            <a:r>
-              <a:rPr lang="en-US" smtClean="0"/>
-              <a:t>Click icon to add picture</a:t>
-            </a:r>
-            <a:endParaRPr lang="en-US" dirty="0"/>
-          </a:p>
-        </p:txBody>
-      </p:sp>
-      <p:sp>
-        <p:nvSpPr>
-          <p:cNvPr id="4" name="Text Placeholder 3"/>
-          <p:cNvSpPr>
-            <a:spLocks noGrp="1"/>
-          </p:cNvSpPr>
-          <p:nvPr>
-            <p:ph type="body" sz="half" idx="2"/>
-          </p:nvPr>
-        </p:nvSpPr>
-        <p:spPr>
-          <a:xfrm>
-            <a:off x="685800" y="2971800"/>
-            <a:ext cx="6164653" cy="1828800"/>
-          </a:xfrm>
-        </p:spPr>
-        <p:txBody>
-          <a:bodyPr anchor="t">
-            <a:normAutofit/>
-          </a:bodyPr>
-          <a:lstStyle>
-            <a:lvl1pPr marL="0" indent="0">
-              <a:buNone/>
-              <a:defRPr sz="1800"/>
-            </a:lvl1pPr>
-            <a:lvl2pPr marL="457200" indent="0">
-              <a:buNone/>
-              <a:defRPr sz="1200"/>
-            </a:lvl2pPr>
-            <a:lvl3pPr marL="914400" indent="0">
-              <a:buNone/>
-              <a:defRPr sz="1000"/>
-            </a:lvl3pPr>
-            <a:lvl4pPr marL="1371600" indent="0">
-              <a:buNone/>
-              <a:defRPr sz="900"/>
-            </a:lvl4pPr>
-            <a:lvl5pPr marL="1828800" indent="0">
-              <a:buNone/>
-              <a:defRPr sz="900"/>
-            </a:lvl5pPr>
-            <a:lvl6pPr marL="2286000" indent="0">
-              <a:buNone/>
-              <a:defRPr sz="900"/>
-            </a:lvl6pPr>
-            <a:lvl7pPr marL="2743200" indent="0">
-              <a:buNone/>
-              <a:defRPr sz="900"/>
-            </a:lvl7pPr>
-            <a:lvl8pPr marL="3200400" indent="0">
-              <a:buNone/>
-              <a:defRPr sz="900"/>
-            </a:lvl8pPr>
-            <a:lvl9pPr marL="3657600" indent="0">
-              <a:buNone/>
-              <a:defRPr sz="900"/>
-            </a:lvl9pPr>
-          </a:lstStyle>
-          <a:p>
             <a:pPr lvl="0"/>
             <a:r>
               <a:rPr lang="en-US" smtClean="0"/>
@@ -5059,9 +4976,9 @@
           <a:lstStyle/>
           <a:p>
             <a:fld id="{B61BEF0D-F0BB-DE4B-95CE-6DB70DBA9567}" type="datetimeFigureOut">
-              <a:rPr lang="en-US" dirty="0"/>
+              <a:rPr lang="en-US" smtClean="0"/>
               <a:pPr/>
-              <a:t>7/27/2018</a:t>
+              <a:t>7/29/2018</a:t>
             </a:fld>
             <a:endParaRPr lang="en-US" dirty="0"/>
           </a:p>
@@ -5102,7 +5019,7 @@
           <a:lstStyle/>
           <a:p>
             <a:fld id="{D57F1E4F-1CFF-5643-939E-217C01CDF565}" type="slidenum">
-              <a:rPr lang="en-US" dirty="0"/>
+              <a:rPr lang="en-US" smtClean="0"/>
               <a:pPr/>
               <a:t>‹#›</a:t>
             </a:fld>
@@ -5122,9 +5039,18 @@
 <p:sldMaster xmlns:a="http://schemas.openxmlformats.org/drawingml/2006/main" xmlns:r="http://schemas.openxmlformats.org/officeDocument/2006/relationships" xmlns:p="http://schemas.openxmlformats.org/presentationml/2006/main">
   <p:cSld>
     <p:bg>
-      <p:bgRef idx="1003">
-        <a:schemeClr val="bg2"/>
-      </p:bgRef>
+      <p:bgPr>
+        <a:blipFill dpi="0" rotWithShape="1">
+          <a:blip r:embed="rId19">
+            <a:lum/>
+          </a:blip>
+          <a:srcRect/>
+          <a:stretch>
+            <a:fillRect/>
+          </a:stretch>
+        </a:blipFill>
+        <a:effectLst/>
+      </p:bgPr>
     </p:bg>
     <p:spTree>
       <p:nvGrpSpPr>
@@ -5152,42 +5078,8 @@
         </p:nvSpPr>
         <p:spPr>
           <a:xfrm>
-            <a:off x="685801" y="609600"/>
-            <a:ext cx="10131425" cy="1456267"/>
-          </a:xfrm>
-          <a:prstGeom prst="rect">
-            <a:avLst/>
-          </a:prstGeom>
-          <a:effectLst/>
-        </p:spPr>
-        <p:txBody>
-          <a:bodyPr vert="horz" lIns="91440" tIns="45720" rIns="91440" bIns="45720" rtlCol="0" anchor="ctr">
-            <a:normAutofit/>
-          </a:bodyPr>
-          <a:lstStyle/>
-          <a:p>
-            <a:r>
-              <a:rPr lang="en-US" smtClean="0"/>
-              <a:t>Click to edit Master title style</a:t>
-            </a:r>
-            <a:endParaRPr lang="en-US" dirty="0"/>
-          </a:p>
-        </p:txBody>
-      </p:sp>
-      <p:sp>
-        <p:nvSpPr>
-          <p:cNvPr id="3" name="Text Placeholder 2"/>
-          <p:cNvSpPr>
-            <a:spLocks noGrp="1"/>
-          </p:cNvSpPr>
-          <p:nvPr>
-            <p:ph type="body" idx="1"/>
-          </p:nvPr>
-        </p:nvSpPr>
-        <p:spPr>
-          <a:xfrm>
-            <a:off x="685801" y="2142067"/>
-            <a:ext cx="10131425" cy="3649133"/>
+            <a:off x="838200" y="365125"/>
+            <a:ext cx="10515600" cy="1325563"/>
           </a:xfrm>
           <a:prstGeom prst="rect">
             <a:avLst/>
@@ -5199,99 +5091,90 @@
           </a:bodyPr>
           <a:lstStyle/>
           <a:p>
-            <a:pPr lvl="0"/>
-            <a:r>
-              <a:rPr lang="en-US" smtClean="0"/>
-              <a:t>Click to edit Master text styles</a:t>
-            </a:r>
-          </a:p>
-          <a:p>
-            <a:pPr lvl="1"/>
-            <a:r>
-              <a:rPr lang="en-US" smtClean="0"/>
-              <a:t>Second level</a:t>
-            </a:r>
-          </a:p>
-          <a:p>
-            <a:pPr lvl="2"/>
-            <a:r>
-              <a:rPr lang="en-US" smtClean="0"/>
-              <a:t>Third level</a:t>
-            </a:r>
-          </a:p>
-          <a:p>
-            <a:pPr lvl="3"/>
-            <a:r>
-              <a:rPr lang="en-US" smtClean="0"/>
-              <a:t>Fourth level</a:t>
-            </a:r>
-          </a:p>
-          <a:p>
-            <a:pPr lvl="4"/>
-            <a:r>
-              <a:rPr lang="en-US" smtClean="0"/>
-              <a:t>Fifth level</a:t>
-            </a:r>
-            <a:endParaRPr lang="en-US" dirty="0"/>
-          </a:p>
-        </p:txBody>
-      </p:sp>
-      <p:sp>
-        <p:nvSpPr>
-          <p:cNvPr id="4" name="Date Placeholder 3"/>
-          <p:cNvSpPr>
-            <a:spLocks noGrp="1"/>
-          </p:cNvSpPr>
-          <p:nvPr>
-            <p:ph type="dt" sz="half" idx="2"/>
+            <a:r>
+              <a:rPr lang="en-US" smtClean="0"/>
+              <a:t>Click to edit Master title style</a:t>
+            </a:r>
+            <a:endParaRPr lang="en-US" dirty="0"/>
+          </a:p>
+        </p:txBody>
+      </p:sp>
+      <p:sp>
+        <p:nvSpPr>
+          <p:cNvPr id="3" name="Text Placeholder 2"/>
+          <p:cNvSpPr>
+            <a:spLocks noGrp="1"/>
+          </p:cNvSpPr>
+          <p:nvPr>
+            <p:ph type="body" idx="1"/>
           </p:nvPr>
         </p:nvSpPr>
         <p:spPr>
           <a:xfrm>
-            <a:off x="8589660" y="5870575"/>
-            <a:ext cx="1600200" cy="377825"/>
+            <a:off x="1120000" y="1825625"/>
+            <a:ext cx="10233800" cy="4351338"/>
           </a:xfrm>
           <a:prstGeom prst="rect">
             <a:avLst/>
           </a:prstGeom>
         </p:spPr>
         <p:txBody>
-          <a:bodyPr vert="horz" lIns="91440" tIns="45720" rIns="91440" bIns="45720" rtlCol="0" anchor="ctr"/>
-          <a:lstStyle>
-            <a:lvl1pPr algn="r">
-              <a:defRPr sz="1000" b="0" i="0">
-                <a:solidFill>
-                  <a:schemeClr val="tx1"/>
-                </a:solidFill>
-                <a:effectLst/>
-                <a:latin typeface="+mn-lt"/>
-              </a:defRPr>
-            </a:lvl1pPr>
-          </a:lstStyle>
-          <a:p>
-            <a:fld id="{B61BEF0D-F0BB-DE4B-95CE-6DB70DBA9567}" type="datetimeFigureOut">
-              <a:rPr lang="en-US" dirty="0"/>
-              <a:pPr/>
-              <a:t>7/27/2018</a:t>
-            </a:fld>
-            <a:endParaRPr lang="en-US" dirty="0"/>
-          </a:p>
-        </p:txBody>
-      </p:sp>
-      <p:sp>
-        <p:nvSpPr>
-          <p:cNvPr id="5" name="Footer Placeholder 4"/>
-          <p:cNvSpPr>
-            <a:spLocks noGrp="1"/>
-          </p:cNvSpPr>
-          <p:nvPr>
-            <p:ph type="ftr" sz="quarter" idx="3"/>
+          <a:bodyPr vert="horz" lIns="91440" tIns="45720" rIns="91440" bIns="45720" rtlCol="0">
+            <a:normAutofit/>
+          </a:bodyPr>
+          <a:lstStyle/>
+          <a:p>
+            <a:pPr lvl="0"/>
+            <a:r>
+              <a:rPr lang="en-US" smtClean="0"/>
+              <a:t>Edit Master text styles</a:t>
+            </a:r>
+          </a:p>
+          <a:p>
+            <a:pPr lvl="1"/>
+            <a:r>
+              <a:rPr lang="en-US" smtClean="0"/>
+              <a:t>Second level</a:t>
+            </a:r>
+          </a:p>
+          <a:p>
+            <a:pPr lvl="2"/>
+            <a:r>
+              <a:rPr lang="en-US" smtClean="0"/>
+              <a:t>Third level</a:t>
+            </a:r>
+          </a:p>
+          <a:p>
+            <a:pPr lvl="3"/>
+            <a:r>
+              <a:rPr lang="en-US" smtClean="0"/>
+              <a:t>Fourth level</a:t>
+            </a:r>
+          </a:p>
+          <a:p>
+            <a:pPr lvl="4"/>
+            <a:r>
+              <a:rPr lang="en-US" smtClean="0"/>
+              <a:t>Fifth level</a:t>
+            </a:r>
+            <a:endParaRPr lang="en-US" dirty="0"/>
+          </a:p>
+        </p:txBody>
+      </p:sp>
+      <p:sp>
+        <p:nvSpPr>
+          <p:cNvPr id="4" name="Date Placeholder 3"/>
+          <p:cNvSpPr>
+            <a:spLocks noGrp="1"/>
+          </p:cNvSpPr>
+          <p:nvPr>
+            <p:ph type="dt" sz="half" idx="2"/>
           </p:nvPr>
         </p:nvSpPr>
         <p:spPr>
           <a:xfrm>
-            <a:off x="685800" y="5870575"/>
-            <a:ext cx="7827659" cy="377825"/>
+            <a:off x="838200" y="6356350"/>
+            <a:ext cx="2743200" cy="365125"/>
           </a:xfrm>
           <a:prstGeom prst="rect">
             <a:avLst/>
@@ -5301,34 +5184,57 @@
           <a:bodyPr vert="horz" lIns="91440" tIns="45720" rIns="91440" bIns="45720" rtlCol="0" anchor="ctr"/>
           <a:lstStyle>
             <a:lvl1pPr algn="l">
-              <a:defRPr sz="1000" b="0" i="0">
-                <a:solidFill>
-                  <a:schemeClr val="tx1"/>
-                </a:solidFill>
-                <a:effectLst/>
-                <a:latin typeface="+mn-lt"/>
+              <a:defRPr sz="1200">
+                <a:gradFill flip="none" rotWithShape="1">
+                  <a:gsLst>
+                    <a:gs pos="28000">
+                      <a:schemeClr val="tx1">
+                        <a:lumMod val="93000"/>
+                      </a:schemeClr>
+                    </a:gs>
+                    <a:gs pos="0">
+                      <a:schemeClr val="bg1">
+                        <a:lumMod val="38000"/>
+                        <a:lumOff val="62000"/>
+                      </a:schemeClr>
+                    </a:gs>
+                    <a:gs pos="100000">
+                      <a:schemeClr val="tx2">
+                        <a:lumMod val="0"/>
+                        <a:lumOff val="100000"/>
+                      </a:schemeClr>
+                    </a:gs>
+                  </a:gsLst>
+                  <a:lin ang="5400000" scaled="1"/>
+                  <a:tileRect/>
+                </a:gradFill>
               </a:defRPr>
             </a:lvl1pPr>
           </a:lstStyle>
           <a:p>
-            <a:endParaRPr lang="en-US" dirty="0"/>
-          </a:p>
-        </p:txBody>
-      </p:sp>
-      <p:sp>
-        <p:nvSpPr>
-          <p:cNvPr id="6" name="Slide Number Placeholder 5"/>
-          <p:cNvSpPr>
-            <a:spLocks noGrp="1"/>
-          </p:cNvSpPr>
-          <p:nvPr>
-            <p:ph type="sldNum" sz="quarter" idx="4"/>
+            <a:fld id="{B61BEF0D-F0BB-DE4B-95CE-6DB70DBA9567}" type="datetimeFigureOut">
+              <a:rPr lang="en-US" smtClean="0"/>
+              <a:pPr/>
+              <a:t>7/29/2018</a:t>
+            </a:fld>
+            <a:endParaRPr lang="en-US" dirty="0"/>
+          </a:p>
+        </p:txBody>
+      </p:sp>
+      <p:sp>
+        <p:nvSpPr>
+          <p:cNvPr id="5" name="Footer Placeholder 4"/>
+          <p:cNvSpPr>
+            <a:spLocks noGrp="1"/>
+          </p:cNvSpPr>
+          <p:nvPr>
+            <p:ph type="ftr" sz="quarter" idx="3"/>
           </p:nvPr>
         </p:nvSpPr>
         <p:spPr>
           <a:xfrm>
-            <a:off x="10266060" y="5870575"/>
-            <a:ext cx="551167" cy="377825"/>
+            <a:off x="4038600" y="6356350"/>
+            <a:ext cx="4114800" cy="365125"/>
           </a:xfrm>
           <a:prstGeom prst="rect">
             <a:avLst/>
@@ -5337,19 +5243,92 @@
         <p:txBody>
           <a:bodyPr vert="horz" lIns="91440" tIns="45720" rIns="91440" bIns="45720" rtlCol="0" anchor="ctr"/>
           <a:lstStyle>
-            <a:lvl1pPr algn="r">
-              <a:defRPr sz="1000" b="0" i="0">
-                <a:solidFill>
-                  <a:schemeClr val="tx1"/>
-                </a:solidFill>
-                <a:effectLst/>
-                <a:latin typeface="+mn-lt"/>
+            <a:lvl1pPr algn="ctr">
+              <a:defRPr sz="1200">
+                <a:gradFill flip="none" rotWithShape="1">
+                  <a:gsLst>
+                    <a:gs pos="28000">
+                      <a:schemeClr val="tx1">
+                        <a:lumMod val="93000"/>
+                      </a:schemeClr>
+                    </a:gs>
+                    <a:gs pos="0">
+                      <a:schemeClr val="bg1">
+                        <a:lumMod val="38000"/>
+                        <a:lumOff val="62000"/>
+                      </a:schemeClr>
+                    </a:gs>
+                    <a:gs pos="100000">
+                      <a:schemeClr val="tx2">
+                        <a:lumMod val="0"/>
+                        <a:lumOff val="100000"/>
+                      </a:schemeClr>
+                    </a:gs>
+                  </a:gsLst>
+                  <a:lin ang="5400000" scaled="1"/>
+                  <a:tileRect/>
+                </a:gradFill>
               </a:defRPr>
             </a:lvl1pPr>
           </a:lstStyle>
           <a:p>
+            <a:endParaRPr lang="en-US" dirty="0"/>
+          </a:p>
+        </p:txBody>
+      </p:sp>
+      <p:sp>
+        <p:nvSpPr>
+          <p:cNvPr id="6" name="Slide Number Placeholder 5"/>
+          <p:cNvSpPr>
+            <a:spLocks noGrp="1"/>
+          </p:cNvSpPr>
+          <p:nvPr>
+            <p:ph type="sldNum" sz="quarter" idx="4"/>
+          </p:nvPr>
+        </p:nvSpPr>
+        <p:spPr>
+          <a:xfrm>
+            <a:off x="8610600" y="6356350"/>
+            <a:ext cx="2743200" cy="365125"/>
+          </a:xfrm>
+          <a:prstGeom prst="rect">
+            <a:avLst/>
+          </a:prstGeom>
+        </p:spPr>
+        <p:txBody>
+          <a:bodyPr vert="horz" lIns="91440" tIns="45720" rIns="91440" bIns="45720" rtlCol="0" anchor="ctr"/>
+          <a:lstStyle>
+            <a:lvl1pPr algn="r">
+              <a:defRPr sz="1200">
+                <a:gradFill flip="none" rotWithShape="1">
+                  <a:gsLst>
+                    <a:gs pos="28000">
+                      <a:schemeClr val="tx1">
+                        <a:lumMod val="93000"/>
+                      </a:schemeClr>
+                    </a:gs>
+                    <a:gs pos="0">
+                      <a:schemeClr val="bg1">
+                        <a:lumMod val="38000"/>
+                        <a:lumOff val="62000"/>
+                      </a:schemeClr>
+                    </a:gs>
+                    <a:gs pos="100000">
+                      <a:schemeClr val="tx2">
+                        <a:lumMod val="0"/>
+                        <a:lumOff val="100000"/>
+                      </a:schemeClr>
+                    </a:gs>
+                  </a:gsLst>
+                  <a:lin ang="5400000" scaled="1"/>
+                  <a:tileRect/>
+                </a:gradFill>
+              </a:defRPr>
+            </a:lvl1pPr>
+          </a:lstStyle>
+          <a:p>
             <a:fld id="{D57F1E4F-1CFF-5643-939E-217C01CDF565}" type="slidenum">
-              <a:rPr lang="en-US" dirty="0"/>
+              <a:rPr lang="en-US" smtClean="0"/>
               <a:pPr/>
               <a:t>‹#›</a:t>
             </a:fld>
@@ -5361,304 +5340,317 @@
   </p:cSld>
   <p:clrMap bg1="dk1" tx1="lt1" bg2="dk2" tx2="lt2" accent1="accent1" accent2="accent2" accent3="accent3" accent4="accent4" accent5="accent5" accent6="accent6" hlink="hlink" folHlink="folHlink"/>
   <p:sldLayoutIdLst>
-    <p:sldLayoutId id="2147483649" r:id="rId1"/>
-    <p:sldLayoutId id="2147483650" r:id="rId2"/>
-    <p:sldLayoutId id="2147483651" r:id="rId3"/>
-    <p:sldLayoutId id="2147483652" r:id="rId4"/>
-    <p:sldLayoutId id="2147483653" r:id="rId5"/>
-    <p:sldLayoutId id="2147483654" r:id="rId6"/>
-    <p:sldLayoutId id="2147483655" r:id="rId7"/>
-    <p:sldLayoutId id="2147483656" r:id="rId8"/>
-    <p:sldLayoutId id="2147483660" r:id="rId9"/>
-    <p:sldLayoutId id="2147483657" r:id="rId10"/>
-    <p:sldLayoutId id="2147483663" r:id="rId11"/>
-    <p:sldLayoutId id="2147483664" r:id="rId12"/>
-    <p:sldLayoutId id="2147483665" r:id="rId13"/>
-    <p:sldLayoutId id="2147483668" r:id="rId14"/>
-    <p:sldLayoutId id="2147483667" r:id="rId15"/>
-    <p:sldLayoutId id="2147483658" r:id="rId16"/>
-    <p:sldLayoutId id="2147483659" r:id="rId17"/>
+    <p:sldLayoutId id="2147483688" r:id="rId1"/>
+    <p:sldLayoutId id="2147483689" r:id="rId2"/>
+    <p:sldLayoutId id="2147483690" r:id="rId3"/>
+    <p:sldLayoutId id="2147483691" r:id="rId4"/>
+    <p:sldLayoutId id="2147483692" r:id="rId5"/>
+    <p:sldLayoutId id="2147483693" r:id="rId6"/>
+    <p:sldLayoutId id="2147483694" r:id="rId7"/>
+    <p:sldLayoutId id="2147483695" r:id="rId8"/>
+    <p:sldLayoutId id="2147483696" r:id="rId9"/>
+    <p:sldLayoutId id="2147483697" r:id="rId10"/>
+    <p:sldLayoutId id="2147483698" r:id="rId11"/>
+    <p:sldLayoutId id="2147483699" r:id="rId12"/>
+    <p:sldLayoutId id="2147483700" r:id="rId13"/>
+    <p:sldLayoutId id="2147483701" r:id="rId14"/>
+    <p:sldLayoutId id="2147483702" r:id="rId15"/>
+    <p:sldLayoutId id="2147483703" r:id="rId16"/>
+    <p:sldLayoutId id="2147483704" r:id="rId17"/>
   </p:sldLayoutIdLst>
   <p:txStyles>
     <p:titleStyle>
-      <a:lvl1pPr algn="l" defTabSz="457200" rtl="0" eaLnBrk="1" latinLnBrk="0" hangingPunct="1">
+      <a:lvl1pPr algn="l" defTabSz="914400" rtl="0" eaLnBrk="1" latinLnBrk="0" hangingPunct="1">
+        <a:lnSpc>
+          <a:spcPct val="90000"/>
+        </a:lnSpc>
         <a:spcBef>
           <a:spcPct val="0"/>
         </a:spcBef>
         <a:buNone/>
-        <a:defRPr sz="3600" kern="1200" cap="all">
-          <a:ln w="3175" cmpd="sng">
-            <a:noFill/>
-          </a:ln>
-          <a:solidFill>
-            <a:schemeClr val="tx1"/>
-          </a:solidFill>
-          <a:effectLst/>
+        <a:defRPr sz="5400" b="0" kern="1200">
+          <a:gradFill flip="none" rotWithShape="1">
+            <a:gsLst>
+              <a:gs pos="28000">
+                <a:schemeClr val="tx1">
+                  <a:lumMod val="93000"/>
+                </a:schemeClr>
+              </a:gs>
+              <a:gs pos="0">
+                <a:schemeClr val="bg1">
+                  <a:lumMod val="25000"/>
+                  <a:lumOff val="75000"/>
+                </a:schemeClr>
+              </a:gs>
+              <a:gs pos="100000">
+                <a:schemeClr val="tx2">
+                  <a:lumMod val="0"/>
+                  <a:lumOff val="100000"/>
+                </a:schemeClr>
+              </a:gs>
+            </a:gsLst>
+            <a:lin ang="4800000" scaled="0"/>
+            <a:tileRect/>
+          </a:gradFill>
           <a:latin typeface="+mj-lt"/>
           <a:ea typeface="+mj-ea"/>
           <a:cs typeface="+mj-cs"/>
         </a:defRPr>
       </a:lvl1pPr>
-      <a:lvl2pPr eaLnBrk="1" hangingPunct="1">
-        <a:defRPr>
-          <a:solidFill>
-            <a:schemeClr val="tx2"/>
-          </a:solidFill>
-        </a:defRPr>
-      </a:lvl2pPr>
-      <a:lvl3pPr eaLnBrk="1" hangingPunct="1">
-        <a:defRPr>
-          <a:solidFill>
-            <a:schemeClr val="tx2"/>
-          </a:solidFill>
-        </a:defRPr>
-      </a:lvl3pPr>
-      <a:lvl4pPr eaLnBrk="1" hangingPunct="1">
-        <a:defRPr>
-          <a:solidFill>
-            <a:schemeClr val="tx2"/>
-          </a:solidFill>
-        </a:defRPr>
-      </a:lvl4pPr>
-      <a:lvl5pPr eaLnBrk="1" hangingPunct="1">
-        <a:defRPr>
-          <a:solidFill>
-            <a:schemeClr val="tx2"/>
-          </a:solidFill>
-        </a:defRPr>
-      </a:lvl5pPr>
-      <a:lvl6pPr eaLnBrk="1" hangingPunct="1">
-        <a:defRPr>
-          <a:solidFill>
-            <a:schemeClr val="tx2"/>
-          </a:solidFill>
-        </a:defRPr>
-      </a:lvl6pPr>
-      <a:lvl7pPr eaLnBrk="1" hangingPunct="1">
-        <a:defRPr>
-          <a:solidFill>
-            <a:schemeClr val="tx2"/>
-          </a:solidFill>
-        </a:defRPr>
-      </a:lvl7pPr>
-      <a:lvl8pPr eaLnBrk="1" hangingPunct="1">
-        <a:defRPr>
-          <a:solidFill>
-            <a:schemeClr val="tx2"/>
-          </a:solidFill>
-        </a:defRPr>
-      </a:lvl8pPr>
-      <a:lvl9pPr eaLnBrk="1" hangingPunct="1">
-        <a:defRPr>
-          <a:solidFill>
-            <a:schemeClr val="tx2"/>
-          </a:solidFill>
-        </a:defRPr>
-      </a:lvl9pPr>
     </p:titleStyle>
     <p:bodyStyle>
-      <a:lvl1pPr marL="285750" indent="-285750" algn="l" defTabSz="457200" rtl="0" eaLnBrk="1" latinLnBrk="0" hangingPunct="1">
+      <a:lvl1pPr marL="228600" indent="-228600" algn="l" defTabSz="914400" rtl="0" eaLnBrk="1" latinLnBrk="0" hangingPunct="1">
+        <a:lnSpc>
+          <a:spcPct val="90000"/>
+        </a:lnSpc>
         <a:spcBef>
-          <a:spcPts val="0"/>
+          <a:spcPts val="1000"/>
         </a:spcBef>
-        <a:spcAft>
-          <a:spcPts val="1000"/>
-        </a:spcAft>
-        <a:buClr>
-          <a:schemeClr val="tx1"/>
-        </a:buClr>
-        <a:buSzPct val="100000"/>
-        <a:buFont typeface="Arial"/>
+        <a:buFont typeface="Arial" panose="020B0604020202020204" pitchFamily="34" charset="0"/>
         <a:buChar char="•"/>
-        <a:defRPr sz="1800" kern="1200" cap="none">
-          <a:solidFill>
-            <a:schemeClr val="tx1"/>
-          </a:solidFill>
-          <a:effectLst/>
+        <a:defRPr sz="2800" kern="1200">
+          <a:gradFill>
+            <a:gsLst>
+              <a:gs pos="34000">
+                <a:schemeClr val="tx1">
+                  <a:lumMod val="93000"/>
+                </a:schemeClr>
+              </a:gs>
+              <a:gs pos="0">
+                <a:schemeClr val="bg1">
+                  <a:lumMod val="25000"/>
+                  <a:lumOff val="75000"/>
+                </a:schemeClr>
+              </a:gs>
+              <a:gs pos="100000">
+                <a:schemeClr val="tx2">
+                  <a:lumMod val="0"/>
+                  <a:lumOff val="100000"/>
+                </a:schemeClr>
+              </a:gs>
+            </a:gsLst>
+            <a:lin ang="4800000" scaled="0"/>
+          </a:gradFill>
           <a:latin typeface="+mn-lt"/>
           <a:ea typeface="+mn-ea"/>
           <a:cs typeface="+mn-cs"/>
         </a:defRPr>
       </a:lvl1pPr>
-      <a:lvl2pPr marL="742950" indent="-285750" algn="l" defTabSz="457200" rtl="0" eaLnBrk="1" latinLnBrk="0" hangingPunct="1">
+      <a:lvl2pPr marL="685800" indent="-228600" algn="l" defTabSz="914400" rtl="0" eaLnBrk="1" latinLnBrk="0" hangingPunct="1">
+        <a:lnSpc>
+          <a:spcPct val="90000"/>
+        </a:lnSpc>
         <a:spcBef>
-          <a:spcPts val="0"/>
+          <a:spcPts val="500"/>
         </a:spcBef>
-        <a:spcAft>
-          <a:spcPts val="1000"/>
-        </a:spcAft>
-        <a:buClr>
-          <a:schemeClr val="tx1"/>
-        </a:buClr>
-        <a:buSzPct val="100000"/>
-        <a:buFont typeface="Arial"/>
+        <a:buFont typeface="Arial" panose="020B0604020202020204" pitchFamily="34" charset="0"/>
         <a:buChar char="•"/>
-        <a:defRPr sz="1600" kern="1200" cap="none">
-          <a:solidFill>
-            <a:schemeClr val="tx1"/>
-          </a:solidFill>
-          <a:effectLst/>
+        <a:defRPr sz="2400" kern="1200">
+          <a:gradFill>
+            <a:gsLst>
+              <a:gs pos="34000">
+                <a:schemeClr val="tx1">
+                  <a:lumMod val="93000"/>
+                </a:schemeClr>
+              </a:gs>
+              <a:gs pos="0">
+                <a:schemeClr val="bg1">
+                  <a:lumMod val="25000"/>
+                  <a:lumOff val="75000"/>
+                </a:schemeClr>
+              </a:gs>
+              <a:gs pos="100000">
+                <a:schemeClr val="tx2">
+                  <a:lumMod val="0"/>
+                  <a:lumOff val="100000"/>
+                </a:schemeClr>
+              </a:gs>
+            </a:gsLst>
+            <a:lin ang="4800000" scaled="0"/>
+          </a:gradFill>
           <a:latin typeface="+mn-lt"/>
           <a:ea typeface="+mn-ea"/>
           <a:cs typeface="+mn-cs"/>
         </a:defRPr>
       </a:lvl2pPr>
-      <a:lvl3pPr marL="1200150" indent="-285750" algn="l" defTabSz="457200" rtl="0" eaLnBrk="1" latinLnBrk="0" hangingPunct="1">
+      <a:lvl3pPr marL="1143000" indent="-228600" algn="l" defTabSz="914400" rtl="0" eaLnBrk="1" latinLnBrk="0" hangingPunct="1">
+        <a:lnSpc>
+          <a:spcPct val="90000"/>
+        </a:lnSpc>
         <a:spcBef>
-          <a:spcPts val="0"/>
+          <a:spcPts val="500"/>
         </a:spcBef>
-        <a:spcAft>
-          <a:spcPts val="1000"/>
-        </a:spcAft>
-        <a:buClr>
-          <a:schemeClr val="tx1"/>
-        </a:buClr>
-        <a:buSzPct val="100000"/>
-        <a:buFont typeface="Arial"/>
+        <a:buFont typeface="Arial" panose="020B0604020202020204" pitchFamily="34" charset="0"/>
         <a:buChar char="•"/>
-        <a:defRPr sz="1400" kern="1200" cap="none">
-          <a:solidFill>
-            <a:schemeClr val="tx1"/>
-          </a:solidFill>
-          <a:effectLst/>
+        <a:defRPr sz="2000" kern="1200">
+          <a:gradFill>
+            <a:gsLst>
+              <a:gs pos="34000">
+                <a:schemeClr val="tx1">
+                  <a:lumMod val="93000"/>
+                </a:schemeClr>
+              </a:gs>
+              <a:gs pos="0">
+                <a:schemeClr val="bg1">
+                  <a:lumMod val="25000"/>
+                  <a:lumOff val="75000"/>
+                </a:schemeClr>
+              </a:gs>
+              <a:gs pos="100000">
+                <a:schemeClr val="tx2">
+                  <a:lumMod val="0"/>
+                  <a:lumOff val="100000"/>
+                </a:schemeClr>
+              </a:gs>
+            </a:gsLst>
+            <a:lin ang="4800000" scaled="0"/>
+          </a:gradFill>
           <a:latin typeface="+mn-lt"/>
           <a:ea typeface="+mn-ea"/>
           <a:cs typeface="+mn-cs"/>
         </a:defRPr>
       </a:lvl3pPr>
-      <a:lvl4pPr marL="1543050" indent="-171450" algn="l" defTabSz="457200" rtl="0" eaLnBrk="1" latinLnBrk="0" hangingPunct="1">
+      <a:lvl4pPr marL="1600200" indent="-228600" algn="l" defTabSz="914400" rtl="0" eaLnBrk="1" latinLnBrk="0" hangingPunct="1">
+        <a:lnSpc>
+          <a:spcPct val="90000"/>
+        </a:lnSpc>
         <a:spcBef>
-          <a:spcPts val="0"/>
+          <a:spcPts val="500"/>
         </a:spcBef>
-        <a:spcAft>
-          <a:spcPts val="1000"/>
-        </a:spcAft>
-        <a:buClr>
-          <a:schemeClr val="tx1"/>
-        </a:buClr>
-        <a:buSzPct val="100000"/>
-        <a:buFont typeface="Arial"/>
+        <a:buFont typeface="Arial" panose="020B0604020202020204" pitchFamily="34" charset="0"/>
         <a:buChar char="•"/>
-        <a:defRPr sz="1200" kern="1200" cap="none">
-          <a:solidFill>
-            <a:schemeClr val="tx1"/>
-          </a:solidFill>
-          <a:effectLst/>
+        <a:defRPr sz="1800" kern="1200">
+          <a:gradFill>
+            <a:gsLst>
+              <a:gs pos="34000">
+                <a:schemeClr val="tx1">
+                  <a:lumMod val="93000"/>
+                </a:schemeClr>
+              </a:gs>
+              <a:gs pos="0">
+                <a:schemeClr val="bg1">
+                  <a:lumMod val="25000"/>
+                  <a:lumOff val="75000"/>
+                </a:schemeClr>
+              </a:gs>
+              <a:gs pos="100000">
+                <a:schemeClr val="tx2">
+                  <a:lumMod val="0"/>
+                  <a:lumOff val="100000"/>
+                </a:schemeClr>
+              </a:gs>
+            </a:gsLst>
+            <a:lin ang="4800000" scaled="0"/>
+          </a:gradFill>
           <a:latin typeface="+mn-lt"/>
           <a:ea typeface="+mn-ea"/>
           <a:cs typeface="+mn-cs"/>
         </a:defRPr>
       </a:lvl4pPr>
-      <a:lvl5pPr marL="2000250" indent="-171450" algn="l" defTabSz="457200" rtl="0" eaLnBrk="1" latinLnBrk="0" hangingPunct="1">
+      <a:lvl5pPr marL="2057400" indent="-228600" algn="l" defTabSz="914400" rtl="0" eaLnBrk="1" latinLnBrk="0" hangingPunct="1">
+        <a:lnSpc>
+          <a:spcPct val="90000"/>
+        </a:lnSpc>
         <a:spcBef>
-          <a:spcPts val="0"/>
+          <a:spcPts val="500"/>
         </a:spcBef>
-        <a:spcAft>
-          <a:spcPts val="1000"/>
-        </a:spcAft>
-        <a:buClr>
-          <a:schemeClr val="tx1"/>
-        </a:buClr>
-        <a:buSzPct val="100000"/>
-        <a:buFont typeface="Arial"/>
+        <a:buFont typeface="Arial" panose="020B0604020202020204" pitchFamily="34" charset="0"/>
         <a:buChar char="•"/>
-        <a:defRPr sz="1200" kern="1200" cap="none">
-          <a:solidFill>
-            <a:schemeClr val="tx1"/>
-          </a:solidFill>
-          <a:effectLst/>
+        <a:defRPr sz="1800" kern="1200">
+          <a:gradFill>
+            <a:gsLst>
+              <a:gs pos="34000">
+                <a:schemeClr val="tx1">
+                  <a:lumMod val="93000"/>
+                </a:schemeClr>
+              </a:gs>
+              <a:gs pos="0">
+                <a:schemeClr val="bg1">
+                  <a:lumMod val="25000"/>
+                  <a:lumOff val="75000"/>
+                </a:schemeClr>
+              </a:gs>
+              <a:gs pos="100000">
+                <a:schemeClr val="tx2">
+                  <a:lumMod val="0"/>
+                  <a:lumOff val="100000"/>
+                </a:schemeClr>
+              </a:gs>
+            </a:gsLst>
+            <a:lin ang="4800000" scaled="0"/>
+          </a:gradFill>
           <a:latin typeface="+mn-lt"/>
           <a:ea typeface="+mn-ea"/>
           <a:cs typeface="+mn-cs"/>
         </a:defRPr>
       </a:lvl5pPr>
-      <a:lvl6pPr marL="2514600" indent="-228600" algn="l" defTabSz="457200" rtl="0" eaLnBrk="1" latinLnBrk="0" hangingPunct="1">
+      <a:lvl6pPr marL="2514600" indent="-228600" algn="l" defTabSz="914400" rtl="0" eaLnBrk="1" latinLnBrk="0" hangingPunct="1">
+        <a:lnSpc>
+          <a:spcPct val="90000"/>
+        </a:lnSpc>
         <a:spcBef>
-          <a:spcPts val="0"/>
+          <a:spcPts val="500"/>
         </a:spcBef>
-        <a:spcAft>
-          <a:spcPts val="1000"/>
-        </a:spcAft>
-        <a:buClr>
-          <a:schemeClr val="tx1"/>
-        </a:buClr>
-        <a:buSzPct val="100000"/>
-        <a:buFont typeface="Arial"/>
+        <a:buFont typeface="Arial" panose="020B0604020202020204" pitchFamily="34" charset="0"/>
         <a:buChar char="•"/>
-        <a:defRPr sz="1200" kern="1200" cap="none">
+        <a:defRPr sz="1800" kern="1200">
           <a:solidFill>
             <a:schemeClr val="tx1"/>
           </a:solidFill>
-          <a:effectLst/>
           <a:latin typeface="+mn-lt"/>
           <a:ea typeface="+mn-ea"/>
           <a:cs typeface="+mn-cs"/>
         </a:defRPr>
       </a:lvl6pPr>
-      <a:lvl7pPr marL="2971800" indent="-228600" algn="l" defTabSz="457200" rtl="0" eaLnBrk="1" latinLnBrk="0" hangingPunct="1">
+      <a:lvl7pPr marL="2971800" indent="-228600" algn="l" defTabSz="914400" rtl="0" eaLnBrk="1" latinLnBrk="0" hangingPunct="1">
+        <a:lnSpc>
+          <a:spcPct val="90000"/>
+        </a:lnSpc>
         <a:spcBef>
-          <a:spcPts val="0"/>
+          <a:spcPts val="500"/>
         </a:spcBef>
-        <a:spcAft>
-          <a:spcPts val="1000"/>
-        </a:spcAft>
-        <a:buClr>
-          <a:schemeClr val="tx1"/>
-        </a:buClr>
-        <a:buSzPct val="100000"/>
-        <a:buFont typeface="Arial"/>
+        <a:buFont typeface="Arial" panose="020B0604020202020204" pitchFamily="34" charset="0"/>
         <a:buChar char="•"/>
-        <a:defRPr sz="1200" kern="1200" cap="none">
+        <a:defRPr sz="1800" kern="1200">
           <a:solidFill>
             <a:schemeClr val="tx1"/>
           </a:solidFill>
-          <a:effectLst/>
           <a:latin typeface="+mn-lt"/>
           <a:ea typeface="+mn-ea"/>
           <a:cs typeface="+mn-cs"/>
         </a:defRPr>
       </a:lvl7pPr>
-      <a:lvl8pPr marL="3429000" indent="-228600" algn="l" defTabSz="457200" rtl="0" eaLnBrk="1" latinLnBrk="0" hangingPunct="1">
+      <a:lvl8pPr marL="3429000" indent="-228600" algn="l" defTabSz="914400" rtl="0" eaLnBrk="1" latinLnBrk="0" hangingPunct="1">
+        <a:lnSpc>
+          <a:spcPct val="90000"/>
+        </a:lnSpc>
         <a:spcBef>
-          <a:spcPts val="0"/>
+          <a:spcPts val="500"/>
         </a:spcBef>
-        <a:spcAft>
-          <a:spcPts val="1000"/>
-        </a:spcAft>
-        <a:buClr>
-          <a:schemeClr val="tx1"/>
-        </a:buClr>
-        <a:buSzPct val="100000"/>
-        <a:buFont typeface="Arial"/>
+        <a:buFont typeface="Arial" panose="020B0604020202020204" pitchFamily="34" charset="0"/>
         <a:buChar char="•"/>
-        <a:defRPr sz="1200" kern="1200" cap="none">
+        <a:defRPr sz="1800" kern="1200">
           <a:solidFill>
             <a:schemeClr val="tx1"/>
           </a:solidFill>
-          <a:effectLst/>
           <a:latin typeface="+mn-lt"/>
           <a:ea typeface="+mn-ea"/>
           <a:cs typeface="+mn-cs"/>
         </a:defRPr>
       </a:lvl8pPr>
-      <a:lvl9pPr marL="3886200" indent="-228600" algn="l" defTabSz="457200" rtl="0" eaLnBrk="1" latinLnBrk="0" hangingPunct="1">
+      <a:lvl9pPr marL="3886200" indent="-228600" algn="l" defTabSz="914400" rtl="0" eaLnBrk="1" latinLnBrk="0" hangingPunct="1">
+        <a:lnSpc>
+          <a:spcPct val="90000"/>
+        </a:lnSpc>
         <a:spcBef>
-          <a:spcPts val="0"/>
+          <a:spcPts val="500"/>
         </a:spcBef>
-        <a:spcAft>
-          <a:spcPts val="1000"/>
-        </a:spcAft>
-        <a:buClr>
-          <a:schemeClr val="tx1"/>
-        </a:buClr>
-        <a:buSzPct val="100000"/>
-        <a:buFont typeface="Arial"/>
+        <a:buFont typeface="Arial" panose="020B0604020202020204" pitchFamily="34" charset="0"/>
         <a:buChar char="•"/>
-        <a:defRPr sz="1200" kern="1200" cap="none">
+        <a:defRPr sz="1800" kern="1200">
           <a:solidFill>
             <a:schemeClr val="tx1"/>
           </a:solidFill>
-          <a:effectLst/>
           <a:latin typeface="+mn-lt"/>
           <a:ea typeface="+mn-ea"/>
           <a:cs typeface="+mn-cs"/>
@@ -5669,7 +5661,7 @@
       <a:defPPr>
         <a:defRPr lang="en-US"/>
       </a:defPPr>
-      <a:lvl1pPr marL="0" algn="l" defTabSz="457200" rtl="0" eaLnBrk="1" latinLnBrk="0" hangingPunct="1">
+      <a:lvl1pPr marL="0" algn="l" defTabSz="914400" rtl="0" eaLnBrk="1" latinLnBrk="0" hangingPunct="1">
         <a:defRPr sz="1800" kern="1200">
           <a:solidFill>
             <a:schemeClr val="tx1"/>
@@ -5679,7 +5671,7 @@
           <a:cs typeface="+mn-cs"/>
         </a:defRPr>
       </a:lvl1pPr>
-      <a:lvl2pPr marL="457200" algn="l" defTabSz="457200" rtl="0" eaLnBrk="1" latinLnBrk="0" hangingPunct="1">
+      <a:lvl2pPr marL="457200" algn="l" defTabSz="914400" rtl="0" eaLnBrk="1" latinLnBrk="0" hangingPunct="1">
         <a:defRPr sz="1800" kern="1200">
           <a:solidFill>
             <a:schemeClr val="tx1"/>
@@ -5689,7 +5681,7 @@
           <a:cs typeface="+mn-cs"/>
         </a:defRPr>
       </a:lvl2pPr>
-      <a:lvl3pPr marL="914400" algn="l" defTabSz="457200" rtl="0" eaLnBrk="1" latinLnBrk="0" hangingPunct="1">
+      <a:lvl3pPr marL="914400" algn="l" defTabSz="914400" rtl="0" eaLnBrk="1" latinLnBrk="0" hangingPunct="1">
         <a:defRPr sz="1800" kern="1200">
           <a:solidFill>
             <a:schemeClr val="tx1"/>
@@ -5699,7 +5691,7 @@
           <a:cs typeface="+mn-cs"/>
         </a:defRPr>
       </a:lvl3pPr>
-      <a:lvl4pPr marL="1371600" algn="l" defTabSz="457200" rtl="0" eaLnBrk="1" latinLnBrk="0" hangingPunct="1">
+      <a:lvl4pPr marL="1371600" algn="l" defTabSz="914400" rtl="0" eaLnBrk="1" latinLnBrk="0" hangingPunct="1">
         <a:defRPr sz="1800" kern="1200">
           <a:solidFill>
             <a:schemeClr val="tx1"/>
@@ -5709,7 +5701,7 @@
           <a:cs typeface="+mn-cs"/>
         </a:defRPr>
       </a:lvl4pPr>
-      <a:lvl5pPr marL="1828800" algn="l" defTabSz="457200" rtl="0" eaLnBrk="1" latinLnBrk="0" hangingPunct="1">
+      <a:lvl5pPr marL="1828800" algn="l" defTabSz="914400" rtl="0" eaLnBrk="1" latinLnBrk="0" hangingPunct="1">
         <a:defRPr sz="1800" kern="1200">
           <a:solidFill>
             <a:schemeClr val="tx1"/>
@@ -5719,7 +5711,7 @@
           <a:cs typeface="+mn-cs"/>
         </a:defRPr>
       </a:lvl5pPr>
-      <a:lvl6pPr marL="2286000" algn="l" defTabSz="457200" rtl="0" eaLnBrk="1" latinLnBrk="0" hangingPunct="1">
+      <a:lvl6pPr marL="2286000" algn="l" defTabSz="914400" rtl="0" eaLnBrk="1" latinLnBrk="0" hangingPunct="1">
         <a:defRPr sz="1800" kern="1200">
           <a:solidFill>
             <a:schemeClr val="tx1"/>
@@ -5729,7 +5721,7 @@
           <a:cs typeface="+mn-cs"/>
         </a:defRPr>
       </a:lvl6pPr>
-      <a:lvl7pPr marL="2743200" algn="l" defTabSz="457200" rtl="0" eaLnBrk="1" latinLnBrk="0" hangingPunct="1">
+      <a:lvl7pPr marL="2743200" algn="l" defTabSz="914400" rtl="0" eaLnBrk="1" latinLnBrk="0" hangingPunct="1">
         <a:defRPr sz="1800" kern="1200">
           <a:solidFill>
             <a:schemeClr val="tx1"/>
@@ -5739,7 +5731,7 @@
           <a:cs typeface="+mn-cs"/>
         </a:defRPr>
       </a:lvl7pPr>
-      <a:lvl8pPr marL="3200400" algn="l" defTabSz="457200" rtl="0" eaLnBrk="1" latinLnBrk="0" hangingPunct="1">
+      <a:lvl8pPr marL="3200400" algn="l" defTabSz="914400" rtl="0" eaLnBrk="1" latinLnBrk="0" hangingPunct="1">
         <a:defRPr sz="1800" kern="1200">
           <a:solidFill>
             <a:schemeClr val="tx1"/>
@@ -5749,7 +5741,7 @@
           <a:cs typeface="+mn-cs"/>
         </a:defRPr>
       </a:lvl8pPr>
-      <a:lvl9pPr marL="3657600" algn="l" defTabSz="457200" rtl="0" eaLnBrk="1" latinLnBrk="0" hangingPunct="1">
+      <a:lvl9pPr marL="3657600" algn="l" defTabSz="914400" rtl="0" eaLnBrk="1" latinLnBrk="0" hangingPunct="1">
         <a:defRPr sz="1800" kern="1200">
           <a:solidFill>
             <a:schemeClr val="tx1"/>
@@ -5793,45 +5785,125 @@
         </p:nvSpPr>
         <p:spPr/>
         <p:txBody>
-          <a:bodyPr/>
+          <a:bodyPr>
+            <a:scene3d>
+              <a:camera prst="orthographicFront">
+                <a:rot lat="0" lon="0" rev="0"/>
+              </a:camera>
+              <a:lightRig rig="contrasting" dir="t">
+                <a:rot lat="0" lon="0" rev="4500000"/>
+              </a:lightRig>
+            </a:scene3d>
+            <a:sp3d contourW="6350" prstMaterial="metal">
+              <a:bevelT w="127000" h="31750" prst="relaxedInset"/>
+              <a:contourClr>
+                <a:schemeClr val="accent1">
+                  <a:shade val="75000"/>
+                </a:schemeClr>
+              </a:contourClr>
+            </a:sp3d>
+          </a:bodyPr>
           <a:lstStyle/>
           <a:p>
             <a:pPr algn="ctr"/>
             <a:r>
-              <a:rPr lang="en-US" sz="5400" b="1" dirty="0" smtClean="0">
+              <a:rPr lang="en-US" sz="5400" b="1" cap="all" spc="0" dirty="0" smtClean="0">
+                <a:ln w="0"/>
+                <a:gradFill flip="none">
+                  <a:gsLst>
+                    <a:gs pos="0">
+                      <a:schemeClr val="accent1">
+                        <a:tint val="75000"/>
+                        <a:shade val="75000"/>
+                        <a:satMod val="170000"/>
+                      </a:schemeClr>
+                    </a:gs>
+                    <a:gs pos="49000">
+                      <a:schemeClr val="accent1">
+                        <a:tint val="88000"/>
+                        <a:shade val="65000"/>
+                        <a:satMod val="172000"/>
+                      </a:schemeClr>
+                    </a:gs>
+                    <a:gs pos="50000">
+                      <a:schemeClr val="accent1">
+                        <a:shade val="65000"/>
+                        <a:satMod val="130000"/>
+                      </a:schemeClr>
+                    </a:gs>
+                    <a:gs pos="92000">
+                      <a:schemeClr val="accent1">
+                        <a:shade val="50000"/>
+                        <a:satMod val="120000"/>
+                      </a:schemeClr>
+                    </a:gs>
+                    <a:gs pos="100000">
+                      <a:schemeClr val="accent1">
+                        <a:shade val="48000"/>
+                        <a:satMod val="120000"/>
+                      </a:schemeClr>
+                    </a:gs>
+                  </a:gsLst>
+                  <a:lin ang="5400000"/>
+                </a:gradFill>
+                <a:effectLst>
+                  <a:reflection blurRad="12700" stA="50000" endPos="50000" dist="5000" dir="5400000" sy="-100000" rotWithShape="0"/>
+                </a:effectLst>
                 <a:latin typeface="Rockwell" pitchFamily="18" charset="0"/>
               </a:rPr>
               <a:t>Blockchain</a:t>
             </a:r>
-            <a:endParaRPr lang="en-US" sz="5400" b="1" dirty="0">
+            <a:endParaRPr lang="en-US" sz="5400" b="1" cap="all" spc="0" dirty="0">
+              <a:ln w="0"/>
+              <a:gradFill flip="none">
+                <a:gsLst>
+                  <a:gs pos="0">
+                    <a:schemeClr val="accent1">
+                      <a:tint val="75000"/>
+                      <a:shade val="75000"/>
+                      <a:satMod val="170000"/>
+                    </a:schemeClr>
+                  </a:gs>
+                  <a:gs pos="49000">
+                    <a:schemeClr val="accent1">
+                      <a:tint val="88000"/>
+                      <a:shade val="65000"/>
+                      <a:satMod val="172000"/>
+                    </a:schemeClr>
+                  </a:gs>
+                  <a:gs pos="50000">
+                    <a:schemeClr val="accent1">
+                      <a:shade val="65000"/>
+                      <a:satMod val="130000"/>
+                    </a:schemeClr>
+                  </a:gs>
+                  <a:gs pos="92000">
+                    <a:schemeClr val="accent1">
+                      <a:shade val="50000"/>
+                      <a:satMod val="120000"/>
+                    </a:schemeClr>
+                  </a:gs>
+                  <a:gs pos="100000">
+                    <a:schemeClr val="accent1">
+                      <a:shade val="48000"/>
+                      <a:satMod val="120000"/>
+                    </a:schemeClr>
+                  </a:gs>
+                </a:gsLst>
+                <a:lin ang="5400000"/>
+              </a:gradFill>
+              <a:effectLst>
+                <a:reflection blurRad="12700" stA="50000" endPos="50000" dist="5000" dir="5400000" sy="-100000" rotWithShape="0"/>
+              </a:effectLst>
               <a:latin typeface="Rockwell" pitchFamily="18" charset="0"/>
             </a:endParaRPr>
-          </a:p>
-        </p:txBody>
-      </p:sp>
-      <p:sp>
-        <p:nvSpPr>
-          <p:cNvPr id="3" name="Subtitle 2"/>
-          <p:cNvSpPr>
-            <a:spLocks noGrp="1"/>
-          </p:cNvSpPr>
-          <p:nvPr>
-            <p:ph type="subTitle" idx="1"/>
-          </p:nvPr>
-        </p:nvSpPr>
-        <p:spPr/>
-        <p:txBody>
-          <a:bodyPr/>
-          <a:lstStyle/>
-          <a:p>
-            <a:endParaRPr lang="en-US" dirty="0"/>
           </a:p>
         </p:txBody>
       </p:sp>
     </p:spTree>
     <p:extLst>
       <p:ext uri="{BB962C8B-B14F-4D97-AF65-F5344CB8AC3E}">
-        <p14:creationId xmlns:p14="http://schemas.microsoft.com/office/powerpoint/2010/main" xmlns="" val="2526593619"/>
+        <p14:creationId xmlns="" xmlns:p14="http://schemas.microsoft.com/office/powerpoint/2010/main" val="2526593619"/>
       </p:ext>
     </p:extLst>
   </p:cSld>
@@ -5875,7 +5947,12 @@
             <p:ph type="title"/>
           </p:nvPr>
         </p:nvSpPr>
-        <p:spPr/>
+        <p:spPr>
+          <a:xfrm>
+            <a:off x="685801" y="512618"/>
+            <a:ext cx="10131425" cy="1456267"/>
+          </a:xfrm>
+        </p:spPr>
         <p:txBody>
           <a:bodyPr>
             <a:normAutofit/>
@@ -5886,7 +5963,7 @@
               <a:rPr lang="en-US" sz="4000" dirty="0" smtClean="0">
                 <a:latin typeface="Rockwell" pitchFamily="18" charset="0"/>
               </a:rPr>
-              <a:t>What are digital keys?</a:t>
+              <a:t>Attributes of blockchain?</a:t>
             </a:r>
             <a:endParaRPr lang="en-US" sz="4000" dirty="0">
               <a:latin typeface="Rockwell" pitchFamily="18" charset="0"/>
@@ -5904,7 +5981,12 @@
             <p:ph idx="1"/>
           </p:nvPr>
         </p:nvSpPr>
-        <p:spPr/>
+        <p:spPr>
+          <a:xfrm>
+            <a:off x="685801" y="1953491"/>
+            <a:ext cx="10131425" cy="4599709"/>
+          </a:xfrm>
+        </p:spPr>
         <p:txBody>
           <a:bodyPr>
             <a:normAutofit/>
@@ -5915,23 +5997,33 @@
               <a:rPr lang="en-US" sz="2800" dirty="0" smtClean="0">
                 <a:latin typeface="Rockwell" pitchFamily="18" charset="0"/>
               </a:rPr>
-              <a:t>User’s digital keys allow many of the ownership features that can be found in cryptographically secure cryptocurrency systems.</a:t>
-            </a:r>
+              <a:t>Decentralization:  No authority required in order to make a valid transaction, one that everyone reaches consensus on.</a:t>
+            </a:r>
+          </a:p>
+          <a:p>
+            <a:endParaRPr lang="en-US" sz="2800" dirty="0" smtClean="0">
+              <a:latin typeface="Rockwell" pitchFamily="18" charset="0"/>
+            </a:endParaRPr>
           </a:p>
           <a:p>
             <a:r>
               <a:rPr lang="en-US" sz="2800" dirty="0" smtClean="0">
                 <a:latin typeface="Rockwell" pitchFamily="18" charset="0"/>
               </a:rPr>
-              <a:t>Stored and created by cryptocurrency wallets, which exists independently of the network.</a:t>
-            </a:r>
+              <a:t>Transparency: Everyone can look through past transactions, either made by their address, or any other address.</a:t>
+            </a:r>
+          </a:p>
+          <a:p>
+            <a:endParaRPr lang="en-US" sz="2800" dirty="0" smtClean="0">
+              <a:latin typeface="Rockwell" pitchFamily="18" charset="0"/>
+            </a:endParaRPr>
           </a:p>
           <a:p>
             <a:r>
               <a:rPr lang="en-US" sz="2800" dirty="0" smtClean="0">
                 <a:latin typeface="Rockwell" pitchFamily="18" charset="0"/>
               </a:rPr>
-              <a:t>These keys are generated in pairs, consisting of a public key and  private key.</a:t>
+              <a:t>Immutability:  One cannot alter the past transaction Information in the blockchain,  without it being detected. </a:t>
             </a:r>
             <a:endParaRPr lang="en-US" sz="2800" dirty="0">
               <a:latin typeface="Rockwell" pitchFamily="18" charset="0"/>
@@ -5944,6 +6036,13 @@
   <p:clrMapOvr>
     <a:masterClrMapping/>
   </p:clrMapOvr>
+  <p:timing>
+    <p:tnLst>
+      <p:par>
+        <p:cTn id="1" dur="indefinite" restart="never" nodeType="tmRoot"/>
+      </p:par>
+    </p:tnLst>
+  </p:timing>
 </p:sld>
 </file>
 
@@ -5966,6 +6065,35 @@
       </p:grpSpPr>
       <p:sp>
         <p:nvSpPr>
+          <p:cNvPr id="2" name="Title 1"/>
+          <p:cNvSpPr>
+            <a:spLocks noGrp="1"/>
+          </p:cNvSpPr>
+          <p:nvPr>
+            <p:ph type="title"/>
+          </p:nvPr>
+        </p:nvSpPr>
+        <p:spPr/>
+        <p:txBody>
+          <a:bodyPr>
+            <a:normAutofit/>
+          </a:bodyPr>
+          <a:lstStyle/>
+          <a:p>
+            <a:r>
+              <a:rPr lang="en-US" sz="4000" dirty="0" smtClean="0">
+                <a:latin typeface="Rockwell" pitchFamily="18" charset="0"/>
+              </a:rPr>
+              <a:t>Why to Use Blockchain?</a:t>
+            </a:r>
+            <a:endParaRPr lang="en-US" sz="4000" dirty="0">
+              <a:latin typeface="Rockwell" pitchFamily="18" charset="0"/>
+            </a:endParaRPr>
+          </a:p>
+        </p:txBody>
+      </p:sp>
+      <p:sp>
+        <p:nvSpPr>
           <p:cNvPr id="3" name="Content Placeholder 2"/>
           <p:cNvSpPr>
             <a:spLocks noGrp="1"/>
@@ -5976,13 +6104,13 @@
         </p:nvSpPr>
         <p:spPr>
           <a:xfrm>
-            <a:off x="685801" y="775855"/>
-            <a:ext cx="10131425" cy="5015345"/>
+            <a:off x="685801" y="2142067"/>
+            <a:ext cx="10131425" cy="4314151"/>
           </a:xfrm>
         </p:spPr>
         <p:txBody>
           <a:bodyPr>
-            <a:normAutofit fontScale="92500" lnSpcReduction="20000"/>
+            <a:normAutofit/>
           </a:bodyPr>
           <a:lstStyle/>
           <a:p>
@@ -5990,45 +6118,15 @@
               <a:rPr lang="en-US" sz="2800" dirty="0" smtClean="0">
                 <a:latin typeface="Rockwell" pitchFamily="18" charset="0"/>
               </a:rPr>
-              <a:t>Public key : The important aspect to understand about the incorporation of public key cryptography in cryptocurrency systems such as bitcoin is that they are practically irreversible.</a:t>
-            </a:r>
-          </a:p>
-          <a:p>
-            <a:pPr>
-              <a:buNone/>
-            </a:pPr>
+              <a:t>Blockchain technology offers new tools for authentication and authorization in the digital world that preclude the need for many centralized administrators.</a:t>
+            </a:r>
+          </a:p>
+          <a:p>
             <a:r>
               <a:rPr lang="en-US" sz="2800" dirty="0" smtClean="0">
                 <a:latin typeface="Rockwell" pitchFamily="18" charset="0"/>
               </a:rPr>
-              <a:t>       It enables for the creation of digital secrets and forgeable digital signatures, which are essential for ownership on decentralized network.</a:t>
-            </a:r>
-          </a:p>
-          <a:p>
-            <a:pPr lvl="5">
-              <a:buNone/>
-            </a:pPr>
-            <a:endParaRPr lang="en-US" sz="2200" dirty="0" smtClean="0">
-              <a:latin typeface="Rockwell" pitchFamily="18" charset="0"/>
-            </a:endParaRPr>
-          </a:p>
-          <a:p>
-            <a:r>
-              <a:rPr lang="en-US" sz="2800" dirty="0" smtClean="0">
-                <a:latin typeface="Rockwell" pitchFamily="18" charset="0"/>
-              </a:rPr>
-              <a:t>Private key : The private key consists of alphanumerical characters that gives a user access and control over their funds to their corresponding cryptocurrency address.</a:t>
-            </a:r>
-          </a:p>
-          <a:p>
-            <a:pPr>
-              <a:buNone/>
-            </a:pPr>
-            <a:r>
-              <a:rPr lang="en-US" sz="2800" dirty="0" smtClean="0">
-                <a:latin typeface="Rockwell" pitchFamily="18" charset="0"/>
-              </a:rPr>
-              <a:t>        It is used to sign transactions that allow user to spend their funds, by proving that the user in fact have ownership of those funds.</a:t>
+              <a:t>By formalizing and securing new digital relationships, the blockchain revolution is posed to create the backbone of a layer of the internet for transactions and interactions of value.</a:t>
             </a:r>
             <a:endParaRPr lang="en-US" sz="2800" dirty="0">
               <a:latin typeface="Rockwell" pitchFamily="18" charset="0"/>
@@ -6041,6 +6139,13 @@
   <p:clrMapOvr>
     <a:masterClrMapping/>
   </p:clrMapOvr>
+  <p:timing>
+    <p:tnLst>
+      <p:par>
+        <p:cTn id="1" dur="indefinite" restart="never" nodeType="tmRoot"/>
+      </p:par>
+    </p:tnLst>
+  </p:timing>
 </p:sld>
 </file>
 
@@ -6082,7 +6187,7 @@
               <a:rPr lang="en-US" sz="4000" dirty="0" smtClean="0">
                 <a:latin typeface="Rockwell" pitchFamily="18" charset="0"/>
               </a:rPr>
-              <a:t>Truffle</a:t>
+              <a:t>What is hashing</a:t>
             </a:r>
             <a:endParaRPr lang="en-US" sz="4000" dirty="0">
               <a:latin typeface="Rockwell" pitchFamily="18" charset="0"/>
@@ -6111,38 +6216,28 @@
               <a:rPr lang="en-US" sz="2800" dirty="0" smtClean="0">
                 <a:latin typeface="Rockwell" pitchFamily="18" charset="0"/>
               </a:rPr>
-              <a:t>Truffle is a development environment, testing framework and asset pipeline for Ethereum developer easier.</a:t>
-            </a:r>
-          </a:p>
-          <a:p>
+              <a:t>Hashing refers to the concept of taking an </a:t>
+            </a:r>
+            <a:r>
+              <a:rPr lang="en-US" sz="2800" dirty="0" err="1" smtClean="0">
+                <a:latin typeface="Rockwell" pitchFamily="18" charset="0"/>
+              </a:rPr>
+              <a:t>arbitary</a:t>
+            </a:r>
             <a:r>
               <a:rPr lang="en-US" sz="2800" dirty="0" smtClean="0">
                 <a:latin typeface="Rockwell" pitchFamily="18" charset="0"/>
               </a:rPr>
-              <a:t>With Truffle, </a:t>
-            </a:r>
-            <a:r>
-              <a:rPr lang="en-US" sz="2800" smtClean="0">
-                <a:latin typeface="Rockwell" pitchFamily="18" charset="0"/>
-              </a:rPr>
-              <a:t>we get : </a:t>
-            </a:r>
+              <a:t> amount of input data, applying some algorithm to it, and generating a fixed-size output data called the hash.</a:t>
+            </a:r>
+          </a:p>
+          <a:p>
             <a:r>
               <a:rPr lang="en-US" sz="2800" dirty="0" smtClean="0">
                 <a:latin typeface="Rockwell" pitchFamily="18" charset="0"/>
               </a:rPr>
-              <a:t>Built-in smart contracts compilation, linking, development and binary management.</a:t>
-            </a:r>
-          </a:p>
-          <a:p>
-            <a:r>
-              <a:rPr lang="en-US" sz="2800" dirty="0" smtClean="0">
-                <a:latin typeface="Rockwell" pitchFamily="18" charset="0"/>
-              </a:rPr>
-              <a:t>It collects more user feedback, future improvements and enhancements can be made to the platform over time.</a:t>
-            </a:r>
-          </a:p>
-          <a:p>
+              <a:t>A common usage for hash today is to fingerprint files, also known as check zones. This means that a hash is used to verify that a file has not been tampered with or modified in any way not intended by the author.</a:t>
+            </a:r>
             <a:endParaRPr lang="en-US" sz="2800" dirty="0">
               <a:latin typeface="Rockwell" pitchFamily="18" charset="0"/>
             </a:endParaRPr>
@@ -6154,10 +6249,445 @@
   <p:clrMapOvr>
     <a:masterClrMapping/>
   </p:clrMapOvr>
+  <p:timing>
+    <p:tnLst>
+      <p:par>
+        <p:cTn id="1" dur="indefinite" restart="never" nodeType="tmRoot"/>
+      </p:par>
+    </p:tnLst>
+  </p:timing>
 </p:sld>
 </file>
 
 <file path=ppt/slides/slide13.xml><?xml version="1.0" encoding="utf-8"?>
+<p:sld xmlns:a="http://schemas.openxmlformats.org/drawingml/2006/main" xmlns:r="http://schemas.openxmlformats.org/officeDocument/2006/relationships" xmlns:p="http://schemas.openxmlformats.org/presentationml/2006/main">
+  <p:cSld>
+    <p:spTree>
+      <p:nvGrpSpPr>
+        <p:cNvPr id="1" name=""/>
+        <p:cNvGrpSpPr/>
+        <p:nvPr/>
+      </p:nvGrpSpPr>
+      <p:grpSpPr>
+        <a:xfrm>
+          <a:off x="0" y="0"/>
+          <a:ext cx="0" cy="0"/>
+          <a:chOff x="0" y="0"/>
+          <a:chExt cx="0" cy="0"/>
+        </a:xfrm>
+      </p:grpSpPr>
+      <p:sp>
+        <p:nvSpPr>
+          <p:cNvPr id="3" name="Content Placeholder 2"/>
+          <p:cNvSpPr>
+            <a:spLocks noGrp="1"/>
+          </p:cNvSpPr>
+          <p:nvPr>
+            <p:ph idx="1"/>
+          </p:nvPr>
+        </p:nvSpPr>
+        <p:spPr>
+          <a:xfrm>
+            <a:off x="949038" y="789709"/>
+            <a:ext cx="10131425" cy="5583383"/>
+          </a:xfrm>
+        </p:spPr>
+        <p:txBody>
+          <a:bodyPr>
+            <a:normAutofit/>
+          </a:bodyPr>
+          <a:lstStyle/>
+          <a:p>
+            <a:r>
+              <a:rPr lang="en-US" sz="2800" dirty="0" smtClean="0">
+                <a:latin typeface="Rockwell" pitchFamily="18" charset="0"/>
+              </a:rPr>
+              <a:t>Hashing are used in blockchain to represent the current state of the world.</a:t>
+            </a:r>
+          </a:p>
+          <a:p>
+            <a:r>
+              <a:rPr lang="en-US" sz="2800" dirty="0" smtClean="0">
+                <a:latin typeface="Rockwell" pitchFamily="18" charset="0"/>
+              </a:rPr>
+              <a:t>First the hash is calculated for the genesis block using transactions inside that block.</a:t>
+            </a:r>
+          </a:p>
+          <a:p>
+            <a:r>
+              <a:rPr lang="en-US" sz="2800" dirty="0" smtClean="0">
+                <a:latin typeface="Rockwell" pitchFamily="18" charset="0"/>
+              </a:rPr>
+              <a:t>The sequence of initial transactions is used to calculate a block hash for the genesis block.</a:t>
+            </a:r>
+          </a:p>
+          <a:p>
+            <a:r>
+              <a:rPr lang="en-US" sz="2800" dirty="0" smtClean="0">
+                <a:latin typeface="Rockwell" pitchFamily="18" charset="0"/>
+              </a:rPr>
+              <a:t>For every new block that is generated afterward, the previous block’s hash is also used.</a:t>
+            </a:r>
+          </a:p>
+          <a:p>
+            <a:r>
+              <a:rPr lang="en-US" sz="2800" dirty="0" smtClean="0">
+                <a:latin typeface="Rockwell" pitchFamily="18" charset="0"/>
+              </a:rPr>
+              <a:t>This is how a chain of blocks is formed, each new block hash pointing to the block hash that came before it. </a:t>
+            </a:r>
+            <a:endParaRPr lang="en-US" sz="2800" dirty="0">
+              <a:latin typeface="Rockwell" pitchFamily="18" charset="0"/>
+            </a:endParaRPr>
+          </a:p>
+        </p:txBody>
+      </p:sp>
+    </p:spTree>
+  </p:cSld>
+  <p:clrMapOvr>
+    <a:masterClrMapping/>
+  </p:clrMapOvr>
+  <p:timing>
+    <p:tnLst>
+      <p:par>
+        <p:cTn id="1" dur="indefinite" restart="never" nodeType="tmRoot"/>
+      </p:par>
+    </p:tnLst>
+  </p:timing>
+</p:sld>
+</file>
+
+<file path=ppt/slides/slide14.xml><?xml version="1.0" encoding="utf-8"?>
+<p:sld xmlns:a="http://schemas.openxmlformats.org/drawingml/2006/main" xmlns:r="http://schemas.openxmlformats.org/officeDocument/2006/relationships" xmlns:p="http://schemas.openxmlformats.org/presentationml/2006/main">
+  <p:cSld>
+    <p:spTree>
+      <p:nvGrpSpPr>
+        <p:cNvPr id="1" name=""/>
+        <p:cNvGrpSpPr/>
+        <p:nvPr/>
+      </p:nvGrpSpPr>
+      <p:grpSpPr>
+        <a:xfrm>
+          <a:off x="0" y="0"/>
+          <a:ext cx="0" cy="0"/>
+          <a:chOff x="0" y="0"/>
+          <a:chExt cx="0" cy="0"/>
+        </a:xfrm>
+      </p:grpSpPr>
+      <p:sp>
+        <p:nvSpPr>
+          <p:cNvPr id="2" name="Title 1"/>
+          <p:cNvSpPr>
+            <a:spLocks noGrp="1"/>
+          </p:cNvSpPr>
+          <p:nvPr>
+            <p:ph type="title"/>
+          </p:nvPr>
+        </p:nvSpPr>
+        <p:spPr/>
+        <p:txBody>
+          <a:bodyPr>
+            <a:normAutofit/>
+          </a:bodyPr>
+          <a:lstStyle/>
+          <a:p>
+            <a:r>
+              <a:rPr lang="en-US" sz="4000" dirty="0" smtClean="0">
+                <a:latin typeface="Rockwell" pitchFamily="18" charset="0"/>
+              </a:rPr>
+              <a:t>What are digital keys?</a:t>
+            </a:r>
+            <a:endParaRPr lang="en-US" sz="4000" dirty="0">
+              <a:latin typeface="Rockwell" pitchFamily="18" charset="0"/>
+            </a:endParaRPr>
+          </a:p>
+        </p:txBody>
+      </p:sp>
+      <p:sp>
+        <p:nvSpPr>
+          <p:cNvPr id="3" name="Content Placeholder 2"/>
+          <p:cNvSpPr>
+            <a:spLocks noGrp="1"/>
+          </p:cNvSpPr>
+          <p:nvPr>
+            <p:ph idx="1"/>
+          </p:nvPr>
+        </p:nvSpPr>
+        <p:spPr/>
+        <p:txBody>
+          <a:bodyPr>
+            <a:normAutofit/>
+          </a:bodyPr>
+          <a:lstStyle/>
+          <a:p>
+            <a:r>
+              <a:rPr lang="en-US" sz="2800" dirty="0" smtClean="0">
+                <a:latin typeface="Rockwell" pitchFamily="18" charset="0"/>
+              </a:rPr>
+              <a:t>User’s digital keys allow many of the ownership features that can be found in cryptographically secure cryptocurrency systems.</a:t>
+            </a:r>
+          </a:p>
+          <a:p>
+            <a:r>
+              <a:rPr lang="en-US" sz="2800" dirty="0" smtClean="0">
+                <a:latin typeface="Rockwell" pitchFamily="18" charset="0"/>
+              </a:rPr>
+              <a:t>Stored and created by cryptocurrency wallets, which exists independently of the network.</a:t>
+            </a:r>
+          </a:p>
+          <a:p>
+            <a:r>
+              <a:rPr lang="en-US" sz="2800" dirty="0" smtClean="0">
+                <a:latin typeface="Rockwell" pitchFamily="18" charset="0"/>
+              </a:rPr>
+              <a:t>These keys are generated in pairs, consisting of a public key and  private key.</a:t>
+            </a:r>
+            <a:endParaRPr lang="en-US" sz="2800" dirty="0">
+              <a:latin typeface="Rockwell" pitchFamily="18" charset="0"/>
+            </a:endParaRPr>
+          </a:p>
+        </p:txBody>
+      </p:sp>
+    </p:spTree>
+  </p:cSld>
+  <p:clrMapOvr>
+    <a:masterClrMapping/>
+  </p:clrMapOvr>
+  <p:timing>
+    <p:tnLst>
+      <p:par>
+        <p:cTn id="1" dur="indefinite" restart="never" nodeType="tmRoot"/>
+      </p:par>
+    </p:tnLst>
+  </p:timing>
+</p:sld>
+</file>
+
+<file path=ppt/slides/slide15.xml><?xml version="1.0" encoding="utf-8"?>
+<p:sld xmlns:a="http://schemas.openxmlformats.org/drawingml/2006/main" xmlns:r="http://schemas.openxmlformats.org/officeDocument/2006/relationships" xmlns:p="http://schemas.openxmlformats.org/presentationml/2006/main">
+  <p:cSld>
+    <p:spTree>
+      <p:nvGrpSpPr>
+        <p:cNvPr id="1" name=""/>
+        <p:cNvGrpSpPr/>
+        <p:nvPr/>
+      </p:nvGrpSpPr>
+      <p:grpSpPr>
+        <a:xfrm>
+          <a:off x="0" y="0"/>
+          <a:ext cx="0" cy="0"/>
+          <a:chOff x="0" y="0"/>
+          <a:chExt cx="0" cy="0"/>
+        </a:xfrm>
+      </p:grpSpPr>
+      <p:sp>
+        <p:nvSpPr>
+          <p:cNvPr id="3" name="Content Placeholder 2"/>
+          <p:cNvSpPr>
+            <a:spLocks noGrp="1"/>
+          </p:cNvSpPr>
+          <p:nvPr>
+            <p:ph idx="1"/>
+          </p:nvPr>
+        </p:nvSpPr>
+        <p:spPr>
+          <a:xfrm>
+            <a:off x="685801" y="928255"/>
+            <a:ext cx="10131425" cy="5015345"/>
+          </a:xfrm>
+        </p:spPr>
+        <p:txBody>
+          <a:bodyPr>
+            <a:normAutofit fontScale="92500" lnSpcReduction="10000"/>
+          </a:bodyPr>
+          <a:lstStyle/>
+          <a:p>
+            <a:r>
+              <a:rPr lang="en-US" sz="2800" b="1" dirty="0" smtClean="0">
+                <a:latin typeface="Rockwell" pitchFamily="18" charset="0"/>
+              </a:rPr>
+              <a:t>Public key </a:t>
+            </a:r>
+            <a:r>
+              <a:rPr lang="en-US" sz="2800" dirty="0" smtClean="0">
+                <a:latin typeface="Rockwell" pitchFamily="18" charset="0"/>
+              </a:rPr>
+              <a:t>: The important aspect to understand about the incorporation of public key cryptography in cryptocurrency systems such as bitcoin is that they are practically irreversible.</a:t>
+            </a:r>
+          </a:p>
+          <a:p>
+            <a:pPr>
+              <a:buNone/>
+            </a:pPr>
+            <a:r>
+              <a:rPr lang="en-US" sz="2800" dirty="0" smtClean="0">
+                <a:latin typeface="Rockwell" pitchFamily="18" charset="0"/>
+              </a:rPr>
+              <a:t>       It enables for the creation of digital secrets and forgeable digital signatures, which are essential for ownership on decentralized network.</a:t>
+            </a:r>
+          </a:p>
+          <a:p>
+            <a:pPr lvl="5">
+              <a:buNone/>
+            </a:pPr>
+            <a:endParaRPr lang="en-US" sz="2200" dirty="0" smtClean="0">
+              <a:latin typeface="Rockwell" pitchFamily="18" charset="0"/>
+            </a:endParaRPr>
+          </a:p>
+          <a:p>
+            <a:r>
+              <a:rPr lang="en-US" sz="2800" b="1" dirty="0" smtClean="0">
+                <a:latin typeface="Rockwell" pitchFamily="18" charset="0"/>
+              </a:rPr>
+              <a:t>Private key </a:t>
+            </a:r>
+            <a:r>
+              <a:rPr lang="en-US" sz="2800" dirty="0" smtClean="0">
+                <a:latin typeface="Rockwell" pitchFamily="18" charset="0"/>
+              </a:rPr>
+              <a:t>: The private key consists of alphanumerical characters that gives a user access and control over their funds to their corresponding cryptocurrency address.</a:t>
+            </a:r>
+          </a:p>
+          <a:p>
+            <a:pPr>
+              <a:buNone/>
+            </a:pPr>
+            <a:r>
+              <a:rPr lang="en-US" sz="2800" dirty="0" smtClean="0">
+                <a:latin typeface="Rockwell" pitchFamily="18" charset="0"/>
+              </a:rPr>
+              <a:t>        It is used to sign transactions that allow user to spend their funds, by proving that the user in fact have ownership of those funds.</a:t>
+            </a:r>
+            <a:endParaRPr lang="en-US" sz="2800" dirty="0">
+              <a:latin typeface="Rockwell" pitchFamily="18" charset="0"/>
+            </a:endParaRPr>
+          </a:p>
+        </p:txBody>
+      </p:sp>
+    </p:spTree>
+  </p:cSld>
+  <p:clrMapOvr>
+    <a:masterClrMapping/>
+  </p:clrMapOvr>
+  <p:timing>
+    <p:tnLst>
+      <p:par>
+        <p:cTn id="1" dur="indefinite" restart="never" nodeType="tmRoot"/>
+      </p:par>
+    </p:tnLst>
+  </p:timing>
+</p:sld>
+</file>
+
+<file path=ppt/slides/slide16.xml><?xml version="1.0" encoding="utf-8"?>
+<p:sld xmlns:a="http://schemas.openxmlformats.org/drawingml/2006/main" xmlns:r="http://schemas.openxmlformats.org/officeDocument/2006/relationships" xmlns:p="http://schemas.openxmlformats.org/presentationml/2006/main">
+  <p:cSld>
+    <p:spTree>
+      <p:nvGrpSpPr>
+        <p:cNvPr id="1" name=""/>
+        <p:cNvGrpSpPr/>
+        <p:nvPr/>
+      </p:nvGrpSpPr>
+      <p:grpSpPr>
+        <a:xfrm>
+          <a:off x="0" y="0"/>
+          <a:ext cx="0" cy="0"/>
+          <a:chOff x="0" y="0"/>
+          <a:chExt cx="0" cy="0"/>
+        </a:xfrm>
+      </p:grpSpPr>
+      <p:sp>
+        <p:nvSpPr>
+          <p:cNvPr id="2" name="Title 1"/>
+          <p:cNvSpPr>
+            <a:spLocks noGrp="1"/>
+          </p:cNvSpPr>
+          <p:nvPr>
+            <p:ph type="title"/>
+          </p:nvPr>
+        </p:nvSpPr>
+        <p:spPr/>
+        <p:txBody>
+          <a:bodyPr>
+            <a:normAutofit/>
+          </a:bodyPr>
+          <a:lstStyle/>
+          <a:p>
+            <a:r>
+              <a:rPr lang="en-US" sz="4000" dirty="0" smtClean="0">
+                <a:latin typeface="Rockwell" pitchFamily="18" charset="0"/>
+              </a:rPr>
+              <a:t>Truffle</a:t>
+            </a:r>
+            <a:endParaRPr lang="en-US" sz="4000" dirty="0">
+              <a:latin typeface="Rockwell" pitchFamily="18" charset="0"/>
+            </a:endParaRPr>
+          </a:p>
+        </p:txBody>
+      </p:sp>
+      <p:sp>
+        <p:nvSpPr>
+          <p:cNvPr id="3" name="Content Placeholder 2"/>
+          <p:cNvSpPr>
+            <a:spLocks noGrp="1"/>
+          </p:cNvSpPr>
+          <p:nvPr>
+            <p:ph idx="1"/>
+          </p:nvPr>
+        </p:nvSpPr>
+        <p:spPr/>
+        <p:txBody>
+          <a:bodyPr>
+            <a:normAutofit/>
+          </a:bodyPr>
+          <a:lstStyle/>
+          <a:p>
+            <a:r>
+              <a:rPr lang="en-US" sz="2800" dirty="0" smtClean="0">
+                <a:latin typeface="Rockwell" pitchFamily="18" charset="0"/>
+              </a:rPr>
+              <a:t>Truffle is a development environment, testing framework and asset pipeline for Ethereum developer easier.</a:t>
+            </a:r>
+          </a:p>
+          <a:p>
+            <a:r>
+              <a:rPr lang="en-US" sz="2800" dirty="0" smtClean="0">
+                <a:latin typeface="Rockwell" pitchFamily="18" charset="0"/>
+              </a:rPr>
+              <a:t>With Truffle, we get : Built-in smart contracts compilation, linking, development and binary management.</a:t>
+            </a:r>
+          </a:p>
+          <a:p>
+            <a:r>
+              <a:rPr lang="en-US" sz="2800" dirty="0" smtClean="0">
+                <a:latin typeface="Rockwell" pitchFamily="18" charset="0"/>
+              </a:rPr>
+              <a:t>It collects more user feedback, future improvements and enhancements can be made to the platform over time.</a:t>
+            </a:r>
+          </a:p>
+          <a:p>
+            <a:endParaRPr lang="en-US" sz="2800" dirty="0">
+              <a:latin typeface="Rockwell" pitchFamily="18" charset="0"/>
+            </a:endParaRPr>
+          </a:p>
+        </p:txBody>
+      </p:sp>
+    </p:spTree>
+  </p:cSld>
+  <p:clrMapOvr>
+    <a:masterClrMapping/>
+  </p:clrMapOvr>
+  <p:timing>
+    <p:tnLst>
+      <p:par>
+        <p:cTn id="1" dur="indefinite" restart="never" nodeType="tmRoot"/>
+      </p:par>
+    </p:tnLst>
+  </p:timing>
+</p:sld>
+</file>
+
+<file path=ppt/slides/slide17.xml><?xml version="1.0" encoding="utf-8"?>
 <p:sld xmlns:a="http://schemas.openxmlformats.org/drawingml/2006/main" xmlns:r="http://schemas.openxmlformats.org/officeDocument/2006/relationships" xmlns:p="http://schemas.openxmlformats.org/presentationml/2006/main">
   <p:cSld>
     <p:spTree>
@@ -6262,7 +6792,7 @@
               <a:rPr lang="en-US" sz="4000" dirty="0" smtClean="0">
                 <a:latin typeface="Rockwell" pitchFamily="18" charset="0"/>
               </a:rPr>
-              <a:t>What is blockchain?</a:t>
+              <a:t>Current Status</a:t>
             </a:r>
             <a:endParaRPr lang="en-US" sz="4000" dirty="0">
               <a:latin typeface="Rockwell" pitchFamily="18" charset="0"/>
@@ -6282,59 +6812,34 @@
         </p:nvSpPr>
         <p:spPr>
           <a:xfrm>
-            <a:off x="588818" y="2202874"/>
-            <a:ext cx="10131425" cy="4433454"/>
+            <a:off x="685801" y="2142067"/>
+            <a:ext cx="10131425" cy="4050915"/>
           </a:xfrm>
         </p:spPr>
         <p:txBody>
           <a:bodyPr>
-            <a:noAutofit/>
+            <a:normAutofit/>
           </a:bodyPr>
           <a:lstStyle/>
           <a:p>
-            <a:pPr>
-              <a:buNone/>
-            </a:pPr>
+            <a:r>
+              <a:rPr lang="en-US" sz="2800" dirty="0" smtClean="0">
+                <a:latin typeface="Rockwell" pitchFamily="18" charset="0"/>
+              </a:rPr>
+              <a:t>Centralized business models have been the foundation of the world economy for centuries . However, we are already beginning to see the early stages of a movement towards decentralization. </a:t>
+            </a:r>
+          </a:p>
+          <a:p>
+            <a:r>
+              <a:rPr lang="en-US" sz="2800" dirty="0" smtClean="0">
+                <a:latin typeface="Rockwell" pitchFamily="18" charset="0"/>
+              </a:rPr>
+              <a:t>Blockchain technology provides the basis for dynamic shared ledgers that can be applied to save time when recording transaction between parties, remove costs associated with intermediaries, reduce risk of fraud and tampering.</a:t>
+            </a:r>
+          </a:p>
+          <a:p>
             <a:endParaRPr lang="en-US" sz="2800" dirty="0" smtClean="0">
               <a:latin typeface="Rockwell" pitchFamily="18" charset="0"/>
-              <a:cs typeface="Times New Roman" pitchFamily="18" charset="0"/>
-            </a:endParaRPr>
-          </a:p>
-          <a:p>
-            <a:pPr>
-              <a:buFont typeface="Wingdings" pitchFamily="2" charset="2"/>
-              <a:buChar char="q"/>
-            </a:pPr>
-            <a:r>
-              <a:rPr lang="en-US" sz="2800" dirty="0" smtClean="0">
-                <a:latin typeface="Rockwell" pitchFamily="18" charset="0"/>
-                <a:cs typeface="Times New Roman" pitchFamily="18" charset="0"/>
-              </a:rPr>
-              <a:t> </a:t>
-            </a:r>
-            <a:r>
-              <a:rPr lang="en-US" sz="2800" dirty="0" smtClean="0">
-                <a:latin typeface="Rockwell" pitchFamily="18" charset="0"/>
-                <a:cs typeface="Arial" pitchFamily="34" charset="0"/>
-              </a:rPr>
-              <a:t>The blockchain is an incorruptible digital ledger of economic transactions that can be programmed to record not just financial transactions but virtually everything of value.</a:t>
-            </a:r>
-          </a:p>
-          <a:p>
-            <a:pPr>
-              <a:buFont typeface="Wingdings" pitchFamily="2" charset="2"/>
-              <a:buChar char="q"/>
-            </a:pPr>
-            <a:r>
-              <a:rPr lang="en-US" sz="2800" dirty="0" smtClean="0">
-                <a:latin typeface="Rockwell" pitchFamily="18" charset="0"/>
-                <a:cs typeface="Arial" pitchFamily="34" charset="0"/>
-              </a:rPr>
-              <a:t>Information held on a blockchain exists as a shared and continually reconciled database.</a:t>
-            </a:r>
-            <a:endParaRPr lang="en-US" sz="2800" dirty="0" smtClean="0">
-              <a:latin typeface="Rockwell" pitchFamily="18" charset="0"/>
-              <a:cs typeface="Times New Roman" pitchFamily="18" charset="0"/>
             </a:endParaRPr>
           </a:p>
           <a:p>
@@ -6400,7 +6905,7 @@
               <a:rPr lang="en-US" sz="4000" dirty="0" smtClean="0">
                 <a:latin typeface="Rockwell" pitchFamily="18" charset="0"/>
               </a:rPr>
-              <a:t>How is Blockchain created?</a:t>
+              <a:t>What is blockchain?</a:t>
             </a:r>
             <a:endParaRPr lang="en-US" sz="4000" dirty="0">
               <a:latin typeface="Rockwell" pitchFamily="18" charset="0"/>
@@ -6418,49 +6923,67 @@
             <p:ph idx="1"/>
           </p:nvPr>
         </p:nvSpPr>
-        <p:spPr/>
+        <p:spPr>
+          <a:xfrm>
+            <a:off x="588818" y="2202874"/>
+            <a:ext cx="10131425" cy="4433454"/>
+          </a:xfrm>
+        </p:spPr>
         <p:txBody>
           <a:bodyPr>
-            <a:normAutofit/>
+            <a:noAutofit/>
           </a:bodyPr>
           <a:lstStyle/>
           <a:p>
+            <a:pPr>
+              <a:buNone/>
+            </a:pPr>
+            <a:endParaRPr lang="en-US" sz="2800" dirty="0" smtClean="0">
+              <a:latin typeface="Rockwell" pitchFamily="18" charset="0"/>
+              <a:cs typeface="Times New Roman" pitchFamily="18" charset="0"/>
+            </a:endParaRPr>
+          </a:p>
+          <a:p>
+            <a:pPr>
+              <a:buFont typeface="Wingdings" pitchFamily="2" charset="2"/>
+              <a:buChar char="q"/>
+            </a:pPr>
             <a:r>
               <a:rPr lang="en-US" sz="2800" dirty="0" smtClean="0">
                 <a:latin typeface="Rockwell" pitchFamily="18" charset="0"/>
-              </a:rPr>
-              <a:t>Each block contains a cryptographic hash of the previous block, a timestamp, </a:t>
-            </a:r>
-            <a:r>
-              <a:rPr lang="en-US" sz="2800" b="1" dirty="0" smtClean="0">
-                <a:latin typeface="Rockwell" pitchFamily="18" charset="0"/>
-              </a:rPr>
-              <a:t>and</a:t>
+                <a:cs typeface="Times New Roman" pitchFamily="18" charset="0"/>
+              </a:rPr>
+              <a:t> </a:t>
             </a:r>
             <a:r>
               <a:rPr lang="en-US" sz="2800" dirty="0" smtClean="0">
                 <a:latin typeface="Rockwell" pitchFamily="18" charset="0"/>
-              </a:rPr>
-              <a:t> transaction data.</a:t>
-            </a:r>
-          </a:p>
-          <a:p>
+                <a:cs typeface="Arial" pitchFamily="34" charset="0"/>
+              </a:rPr>
+              <a:t>The blockchain is an incorruptible digital ledger of economic transactions that can be programmed to record not just financial transactions but virtually everything of value.</a:t>
+            </a:r>
+          </a:p>
+          <a:p>
+            <a:pPr>
+              <a:buFont typeface="Wingdings" pitchFamily="2" charset="2"/>
+              <a:buChar char="q"/>
+            </a:pPr>
             <a:r>
               <a:rPr lang="en-US" sz="2800" dirty="0" smtClean="0">
                 <a:latin typeface="Rockwell" pitchFamily="18" charset="0"/>
-              </a:rPr>
-              <a:t>It is an open distributed ledger that can record transactions between two parties.</a:t>
-            </a:r>
-          </a:p>
-          <a:p>
-            <a:r>
-              <a:rPr lang="en-US" sz="2800" dirty="0" smtClean="0">
-                <a:latin typeface="Rockwell" pitchFamily="18" charset="0"/>
-              </a:rPr>
-              <a:t>A blockchain is typically managed by peer-to-peer network collectively adhering to a protocol for inter-node communication and validating new blocks.</a:t>
-            </a:r>
-          </a:p>
-          <a:p>
+                <a:cs typeface="Arial" pitchFamily="34" charset="0"/>
+              </a:rPr>
+              <a:t>Information held on a blockchain exists as a shared and continually reconciled database.</a:t>
+            </a:r>
+            <a:endParaRPr lang="en-US" sz="2800" dirty="0" smtClean="0">
+              <a:latin typeface="Rockwell" pitchFamily="18" charset="0"/>
+              <a:cs typeface="Times New Roman" pitchFamily="18" charset="0"/>
+            </a:endParaRPr>
+          </a:p>
+          <a:p>
+            <a:pPr>
+              <a:buNone/>
+            </a:pPr>
             <a:endParaRPr lang="en-US" sz="2800" dirty="0">
               <a:latin typeface="Rockwell" pitchFamily="18" charset="0"/>
             </a:endParaRPr>
@@ -6501,20 +7024,15 @@
       </p:grpSpPr>
       <p:sp>
         <p:nvSpPr>
-          <p:cNvPr id="3" name="Content Placeholder 2"/>
-          <p:cNvSpPr>
-            <a:spLocks noGrp="1"/>
-          </p:cNvSpPr>
-          <p:nvPr>
-            <p:ph idx="1"/>
-          </p:nvPr>
-        </p:nvSpPr>
-        <p:spPr>
-          <a:xfrm>
-            <a:off x="685801" y="762000"/>
-            <a:ext cx="10131425" cy="5638799"/>
-          </a:xfrm>
-        </p:spPr>
+          <p:cNvPr id="2" name="Title 1"/>
+          <p:cNvSpPr>
+            <a:spLocks noGrp="1"/>
+          </p:cNvSpPr>
+          <p:nvPr>
+            <p:ph type="title"/>
+          </p:nvPr>
+        </p:nvSpPr>
+        <p:spPr/>
         <p:txBody>
           <a:bodyPr>
             <a:normAutofit/>
@@ -6522,10 +7040,44 @@
           <a:lstStyle/>
           <a:p>
             <a:r>
+              <a:rPr lang="en-US" sz="4000" dirty="0" smtClean="0">
+                <a:latin typeface="Rockwell" pitchFamily="18" charset="0"/>
+              </a:rPr>
+              <a:t>Data structures of blockchain</a:t>
+            </a:r>
+            <a:endParaRPr lang="en-US" sz="4000" dirty="0">
+              <a:latin typeface="Rockwell" pitchFamily="18" charset="0"/>
+            </a:endParaRPr>
+          </a:p>
+        </p:txBody>
+      </p:sp>
+      <p:sp>
+        <p:nvSpPr>
+          <p:cNvPr id="3" name="Content Placeholder 2"/>
+          <p:cNvSpPr>
+            <a:spLocks noGrp="1"/>
+          </p:cNvSpPr>
+          <p:nvPr>
+            <p:ph idx="1"/>
+          </p:nvPr>
+        </p:nvSpPr>
+        <p:spPr>
+          <a:xfrm>
+            <a:off x="1120000" y="1662545"/>
+            <a:ext cx="10233800" cy="4514418"/>
+          </a:xfrm>
+        </p:spPr>
+        <p:txBody>
+          <a:bodyPr>
+            <a:normAutofit fontScale="92500" lnSpcReduction="10000"/>
+          </a:bodyPr>
+          <a:lstStyle/>
+          <a:p>
+            <a:r>
               <a:rPr lang="en-US" sz="2800" dirty="0" smtClean="0">
                 <a:latin typeface="Rockwell" pitchFamily="18" charset="0"/>
               </a:rPr>
-              <a:t>Once recorded,  the data in any given block cannot be altered retroactively without alteration of all subsequent blocks, which requires consensus of the network majority.</a:t>
+              <a:t>Each block contains a cryptographic hash of the previous block, a timestamp, and transaction data.</a:t>
             </a:r>
           </a:p>
           <a:p>
@@ -6533,19 +7085,71 @@
               <a:rPr lang="en-US" sz="2800" dirty="0" smtClean="0">
                 <a:latin typeface="Rockwell" pitchFamily="18" charset="0"/>
               </a:rPr>
-              <a:t>Though blockchain records are not unalterable,  </a:t>
-            </a:r>
-            <a:r>
-              <a:rPr lang="en-US" sz="2800" dirty="0" err="1" smtClean="0">
-                <a:latin typeface="Rockwell" pitchFamily="18" charset="0"/>
-              </a:rPr>
-              <a:t>blockchains</a:t>
-            </a:r>
+              <a:t>A blockchain is typically managed by peer-to-peer network collectively adhering to a protocol for inter-node communication and validating new blocks.</a:t>
+            </a:r>
+          </a:p>
+          <a:p>
             <a:r>
               <a:rPr lang="en-US" sz="2800" dirty="0" smtClean="0">
                 <a:latin typeface="Rockwell" pitchFamily="18" charset="0"/>
               </a:rPr>
-              <a:t> may be considered secure by design and exemplify a distributed computing system with high Byzantine fault tolerance,</a:t>
+              <a:t>A blockchain in general is a </a:t>
+            </a:r>
+            <a:r>
+              <a:rPr lang="en-US" sz="2800" b="1" i="1" dirty="0" smtClean="0">
+                <a:latin typeface="Rockwell" pitchFamily="18" charset="0"/>
+              </a:rPr>
+              <a:t>hash pointer </a:t>
+            </a:r>
+            <a:r>
+              <a:rPr lang="en-US" sz="2800" dirty="0" smtClean="0">
+                <a:latin typeface="Rockwell" pitchFamily="18" charset="0"/>
+              </a:rPr>
+              <a:t>based data structure composed of : </a:t>
+            </a:r>
+          </a:p>
+          <a:p>
+            <a:pPr>
+              <a:buNone/>
+            </a:pPr>
+            <a:r>
+              <a:rPr lang="en-US" sz="2800" dirty="0" smtClean="0">
+                <a:latin typeface="Rockwell" pitchFamily="18" charset="0"/>
+              </a:rPr>
+              <a:t>		A)Block</a:t>
+            </a:r>
+          </a:p>
+          <a:p>
+            <a:pPr>
+              <a:buNone/>
+            </a:pPr>
+            <a:r>
+              <a:rPr lang="en-US" sz="2800" dirty="0" smtClean="0">
+                <a:latin typeface="Rockwell" pitchFamily="18" charset="0"/>
+              </a:rPr>
+              <a:t>		B)Transaction</a:t>
+            </a:r>
+          </a:p>
+          <a:p>
+            <a:pPr>
+              <a:buNone/>
+            </a:pPr>
+            <a:r>
+              <a:rPr lang="en-US" dirty="0" smtClean="0">
+                <a:latin typeface="Rockwell" pitchFamily="18" charset="0"/>
+              </a:rPr>
+              <a:t>		C)Transaction input</a:t>
+            </a:r>
+          </a:p>
+          <a:p>
+            <a:pPr>
+              <a:buNone/>
+            </a:pPr>
+            <a:r>
+              <a:rPr lang="en-US" sz="2800" dirty="0" smtClean="0">
+                <a:latin typeface="Rockwell" pitchFamily="18" charset="0"/>
+              </a:rPr>
+              <a:t>		D)Transaction output</a:t>
             </a:r>
             <a:endParaRPr lang="en-US" sz="2800" dirty="0">
               <a:latin typeface="Rockwell" pitchFamily="18" charset="0"/>
@@ -6587,35 +7191,6 @@
       </p:grpSpPr>
       <p:sp>
         <p:nvSpPr>
-          <p:cNvPr id="2" name="Title 1"/>
-          <p:cNvSpPr>
-            <a:spLocks noGrp="1"/>
-          </p:cNvSpPr>
-          <p:nvPr>
-            <p:ph type="title"/>
-          </p:nvPr>
-        </p:nvSpPr>
-        <p:spPr/>
-        <p:txBody>
-          <a:bodyPr>
-            <a:normAutofit/>
-          </a:bodyPr>
-          <a:lstStyle/>
-          <a:p>
-            <a:r>
-              <a:rPr lang="en-US" sz="4000" dirty="0" smtClean="0">
-                <a:latin typeface="Rockwell" pitchFamily="18" charset="0"/>
-              </a:rPr>
-              <a:t>What is mining?</a:t>
-            </a:r>
-            <a:endParaRPr lang="en-US" sz="4000" dirty="0">
-              <a:latin typeface="Rockwell" pitchFamily="18" charset="0"/>
-            </a:endParaRPr>
-          </a:p>
-        </p:txBody>
-      </p:sp>
-      <p:sp>
-        <p:nvSpPr>
           <p:cNvPr id="3" name="Content Placeholder 2"/>
           <p:cNvSpPr>
             <a:spLocks noGrp="1"/>
@@ -6626,41 +7201,187 @@
         </p:nvSpPr>
         <p:spPr>
           <a:xfrm>
-            <a:off x="685801" y="1726430"/>
-            <a:ext cx="10131425" cy="4397278"/>
+            <a:off x="685801" y="762000"/>
+            <a:ext cx="10131425" cy="5638799"/>
           </a:xfrm>
         </p:spPr>
         <p:txBody>
           <a:bodyPr>
-            <a:normAutofit/>
+            <a:normAutofit lnSpcReduction="10000"/>
           </a:bodyPr>
           <a:lstStyle/>
           <a:p>
+            <a:pPr>
+              <a:buNone/>
+            </a:pPr>
+            <a:r>
+              <a:rPr lang="en-US" sz="3200" b="1" dirty="0" smtClean="0">
+                <a:solidFill>
+                  <a:srgbClr val="FFFF00"/>
+                </a:solidFill>
+                <a:latin typeface="Rockwell" pitchFamily="18" charset="0"/>
+              </a:rPr>
+              <a:t>A)</a:t>
+            </a:r>
+            <a:r>
+              <a:rPr lang="en-US" sz="3600" b="1" dirty="0" smtClean="0">
+                <a:solidFill>
+                  <a:srgbClr val="FFFF00"/>
+                </a:solidFill>
+                <a:latin typeface="Rockwell" pitchFamily="18" charset="0"/>
+              </a:rPr>
+              <a:t>Block</a:t>
+            </a:r>
             <a:r>
               <a:rPr lang="en-US" sz="2800" dirty="0" smtClean="0">
                 <a:latin typeface="Rockwell" pitchFamily="18" charset="0"/>
               </a:rPr>
-              <a:t>Mining is a distributed computational review process performed on each block of data in a blockchain. This enables for the accomplishment of consensus in the conditions where neither party knows or trusts each other.</a:t>
-            </a:r>
-          </a:p>
-          <a:p>
+              <a:t>: It is the main data structure, It does include :</a:t>
+            </a:r>
+          </a:p>
+          <a:p>
+            <a:pPr marL="514350" indent="-514350">
+              <a:buFont typeface="+mj-lt"/>
+              <a:buAutoNum type="arabicPeriod"/>
+            </a:pPr>
+            <a:r>
+              <a:rPr lang="en-US" b="1" dirty="0" smtClean="0">
+                <a:latin typeface="Rockwell" pitchFamily="18" charset="0"/>
+              </a:rPr>
+              <a:t>index</a:t>
+            </a:r>
+            <a:r>
+              <a:rPr lang="en-US" dirty="0" smtClean="0">
+                <a:latin typeface="Rockwell" pitchFamily="18" charset="0"/>
+              </a:rPr>
+              <a:t>:  It is position of the block on the blockchain</a:t>
+            </a:r>
+          </a:p>
+          <a:p>
+            <a:pPr marL="514350" indent="-514350">
+              <a:buFont typeface="+mj-lt"/>
+              <a:buAutoNum type="arabicPeriod"/>
+            </a:pPr>
+            <a:r>
+              <a:rPr lang="en-US" b="1" dirty="0" smtClean="0">
+                <a:latin typeface="Rockwell" pitchFamily="18" charset="0"/>
+              </a:rPr>
+              <a:t>hash</a:t>
+            </a:r>
+            <a:r>
+              <a:rPr lang="en-US" dirty="0" smtClean="0">
+                <a:latin typeface="Rockwell" pitchFamily="18" charset="0"/>
+              </a:rPr>
+              <a:t>:   It is result of a hash function to the components of the block.</a:t>
+            </a:r>
+          </a:p>
+          <a:p>
+            <a:pPr marL="514350" indent="-514350">
+              <a:buFont typeface="+mj-lt"/>
+              <a:buAutoNum type="arabicPeriod"/>
+            </a:pPr>
+            <a:r>
+              <a:rPr lang="en-US" sz="2800" b="1" dirty="0" smtClean="0">
+                <a:latin typeface="Rockwell" pitchFamily="18" charset="0"/>
+              </a:rPr>
+              <a:t>previousHash</a:t>
+            </a:r>
             <a:r>
               <a:rPr lang="en-US" sz="2800" dirty="0" smtClean="0">
                 <a:latin typeface="Rockwell" pitchFamily="18" charset="0"/>
               </a:rPr>
-              <a:t>It is the process by which transactions are verified and added to the public ledger.</a:t>
-            </a:r>
-          </a:p>
-          <a:p>
+              <a:t>:  It is the hash that links or chains a block to its predecessor</a:t>
+            </a:r>
+          </a:p>
+          <a:p>
+            <a:pPr marL="514350" indent="-514350">
+              <a:buFont typeface="+mj-lt"/>
+              <a:buAutoNum type="arabicPeriod"/>
+            </a:pPr>
+            <a:r>
+              <a:rPr lang="en-US" b="1" dirty="0" smtClean="0">
+                <a:latin typeface="Rockwell" pitchFamily="18" charset="0"/>
+              </a:rPr>
+              <a:t>timestamp</a:t>
+            </a:r>
+            <a:r>
+              <a:rPr lang="en-US" dirty="0" smtClean="0">
+                <a:latin typeface="Rockwell" pitchFamily="18" charset="0"/>
+              </a:rPr>
+              <a:t>:  the UTC </a:t>
+            </a:r>
+            <a:r>
+              <a:rPr lang="en-US" dirty="0" err="1" smtClean="0">
+                <a:latin typeface="Rockwell" pitchFamily="18" charset="0"/>
+              </a:rPr>
+              <a:t>unix</a:t>
+            </a:r>
+            <a:r>
+              <a:rPr lang="en-US" dirty="0" smtClean="0">
+                <a:latin typeface="Rockwell" pitchFamily="18" charset="0"/>
+              </a:rPr>
+              <a:t> timestamp of when the block was created.</a:t>
+            </a:r>
+          </a:p>
+          <a:p>
+            <a:pPr marL="514350" indent="-514350">
+              <a:buFont typeface="+mj-lt"/>
+              <a:buAutoNum type="arabicPeriod"/>
+            </a:pPr>
+            <a:r>
+              <a:rPr lang="en-US" b="1" dirty="0" smtClean="0">
+                <a:latin typeface="Rockwell" pitchFamily="18" charset="0"/>
+              </a:rPr>
+              <a:t>nonce</a:t>
+            </a:r>
+            <a:r>
+              <a:rPr lang="en-US" dirty="0" smtClean="0">
+                <a:latin typeface="Rockwell" pitchFamily="18" charset="0"/>
+              </a:rPr>
+              <a:t>: a 32/64 bits integer used in mining process.</a:t>
+            </a:r>
+          </a:p>
+          <a:p>
+            <a:pPr marL="514350" indent="-514350">
+              <a:buFont typeface="+mj-lt"/>
+              <a:buAutoNum type="arabicPeriod"/>
+            </a:pPr>
+            <a:r>
+              <a:rPr lang="en-US" sz="2800" b="1" dirty="0" smtClean="0">
+                <a:latin typeface="Rockwell" pitchFamily="18" charset="0"/>
+              </a:rPr>
+              <a:t>numTx</a:t>
+            </a:r>
+            <a:r>
+              <a:rPr lang="en-US" dirty="0" smtClean="0">
+                <a:latin typeface="Rockwell" pitchFamily="18" charset="0"/>
+              </a:rPr>
+              <a:t>: the number of transaction in the block.</a:t>
+            </a:r>
+          </a:p>
+          <a:p>
+            <a:pPr marL="514350" indent="-514350">
+              <a:buFont typeface="+mj-lt"/>
+              <a:buAutoNum type="arabicPeriod"/>
+            </a:pPr>
+            <a:r>
+              <a:rPr lang="en-US" b="1" dirty="0" smtClean="0">
+                <a:latin typeface="Rockwell" pitchFamily="18" charset="0"/>
+              </a:rPr>
+              <a:t>t</a:t>
+            </a:r>
+            <a:r>
+              <a:rPr lang="en-US" sz="2800" b="1" dirty="0" smtClean="0">
+                <a:latin typeface="Rockwell" pitchFamily="18" charset="0"/>
+              </a:rPr>
+              <a:t>ransactions</a:t>
+            </a:r>
             <a:r>
               <a:rPr lang="en-US" sz="2800" dirty="0" smtClean="0">
                 <a:latin typeface="Rockwell" pitchFamily="18" charset="0"/>
               </a:rPr>
-              <a:t>It includes compiling recent transactions into blocks and trying to solve a computational difficult puzzle. </a:t>
-            </a:r>
-            <a:endParaRPr lang="en-US" sz="2800" dirty="0">
-              <a:latin typeface="Rockwell" pitchFamily="18" charset="0"/>
-            </a:endParaRPr>
+              <a:t>: an array of all the transactions that are found in that block.</a:t>
+            </a:r>
           </a:p>
         </p:txBody>
       </p:sp>
@@ -6698,105 +7419,205 @@
       </p:grpSpPr>
       <p:sp>
         <p:nvSpPr>
-          <p:cNvPr id="2" name="Title 1"/>
-          <p:cNvSpPr>
-            <a:spLocks noGrp="1"/>
-          </p:cNvSpPr>
-          <p:nvPr>
-            <p:ph type="title"/>
+          <p:cNvPr id="3" name="Content Placeholder 2"/>
+          <p:cNvSpPr>
+            <a:spLocks noGrp="1"/>
+          </p:cNvSpPr>
+          <p:nvPr>
+            <p:ph idx="1"/>
           </p:nvPr>
         </p:nvSpPr>
         <p:spPr>
           <a:xfrm>
-            <a:off x="685801" y="512618"/>
-            <a:ext cx="10131425" cy="1456267"/>
+            <a:off x="609600" y="457200"/>
+            <a:ext cx="10744200" cy="5719763"/>
           </a:xfrm>
         </p:spPr>
         <p:txBody>
           <a:bodyPr>
-            <a:normAutofit/>
+            <a:normAutofit fontScale="92500"/>
           </a:bodyPr>
           <a:lstStyle/>
           <a:p>
-            <a:r>
-              <a:rPr lang="en-US" sz="4000" dirty="0" smtClean="0">
-                <a:latin typeface="Rockwell" pitchFamily="18" charset="0"/>
-              </a:rPr>
-              <a:t>Attributes of </a:t>
-            </a:r>
-            <a:r>
-              <a:rPr lang="en-US" sz="4000" dirty="0" err="1" smtClean="0">
-                <a:latin typeface="Rockwell" pitchFamily="18" charset="0"/>
-              </a:rPr>
-              <a:t>bockchain</a:t>
-            </a:r>
-            <a:r>
-              <a:rPr lang="en-US" sz="4000" dirty="0" smtClean="0">
-                <a:latin typeface="Rockwell" pitchFamily="18" charset="0"/>
-              </a:rPr>
-              <a:t>?</a:t>
-            </a:r>
-            <a:endParaRPr lang="en-US" sz="4000" dirty="0">
+            <a:pPr>
+              <a:buNone/>
+            </a:pPr>
+            <a:r>
+              <a:rPr lang="en-US" sz="3500" dirty="0" smtClean="0">
+                <a:latin typeface="Rockwell" pitchFamily="18" charset="0"/>
+              </a:rPr>
+              <a:t>B) </a:t>
+            </a:r>
+            <a:r>
+              <a:rPr lang="en-US" sz="3500" b="1" dirty="0" smtClean="0">
+                <a:solidFill>
+                  <a:srgbClr val="FFFF00"/>
+                </a:solidFill>
+                <a:latin typeface="Rockwell" pitchFamily="18" charset="0"/>
+              </a:rPr>
+              <a:t>A transaction</a:t>
+            </a:r>
+            <a:r>
+              <a:rPr lang="en-US" dirty="0" smtClean="0">
+                <a:latin typeface="Rockwell" pitchFamily="18" charset="0"/>
+              </a:rPr>
+              <a:t> represents a transfer of ownership, It does include:</a:t>
+            </a:r>
+          </a:p>
+          <a:p>
+            <a:endParaRPr lang="en-US" dirty="0" smtClean="0">
               <a:latin typeface="Rockwell" pitchFamily="18" charset="0"/>
             </a:endParaRPr>
           </a:p>
-        </p:txBody>
-      </p:sp>
-      <p:sp>
-        <p:nvSpPr>
-          <p:cNvPr id="3" name="Content Placeholder 2"/>
-          <p:cNvSpPr>
-            <a:spLocks noGrp="1"/>
-          </p:cNvSpPr>
-          <p:nvPr>
-            <p:ph idx="1"/>
-          </p:nvPr>
-        </p:nvSpPr>
-        <p:spPr>
-          <a:xfrm>
-            <a:off x="685801" y="1953491"/>
-            <a:ext cx="10131425" cy="4599709"/>
-          </a:xfrm>
-        </p:spPr>
-        <p:txBody>
-          <a:bodyPr>
-            <a:normAutofit/>
-          </a:bodyPr>
-          <a:lstStyle/>
-          <a:p>
-            <a:r>
-              <a:rPr lang="en-US" sz="2800" dirty="0" smtClean="0">
-                <a:latin typeface="Rockwell" pitchFamily="18" charset="0"/>
-              </a:rPr>
-              <a:t>Decentralization:  No authority required in order to make a valid transaction, one that everyone reaches consensus on.</a:t>
-            </a:r>
-          </a:p>
-          <a:p>
-            <a:endParaRPr lang="en-US" sz="2800" dirty="0" smtClean="0">
-              <a:latin typeface="Rockwell" pitchFamily="18" charset="0"/>
-            </a:endParaRPr>
-          </a:p>
-          <a:p>
-            <a:r>
-              <a:rPr lang="en-US" sz="2800" dirty="0" smtClean="0">
-                <a:latin typeface="Rockwell" pitchFamily="18" charset="0"/>
-              </a:rPr>
-              <a:t>Transparency: Everyone can look through past transactions, either made by their address, or any other address.</a:t>
-            </a:r>
-          </a:p>
-          <a:p>
-            <a:endParaRPr lang="en-US" sz="2800" dirty="0" smtClean="0">
-              <a:latin typeface="Rockwell" pitchFamily="18" charset="0"/>
-            </a:endParaRPr>
-          </a:p>
-          <a:p>
-            <a:r>
-              <a:rPr lang="en-US" sz="2800" dirty="0" smtClean="0">
-                <a:latin typeface="Rockwell" pitchFamily="18" charset="0"/>
-              </a:rPr>
-              <a:t>Immutability:  One cannot alter the past transaction Information in the blockchain,  without it being detected. </a:t>
-            </a:r>
-            <a:endParaRPr lang="en-US" sz="2800" dirty="0">
+          <a:p>
+            <a:pPr>
+              <a:buNone/>
+            </a:pPr>
+            <a:r>
+              <a:rPr lang="en-US" dirty="0" smtClean="0">
+                <a:latin typeface="Rockwell" pitchFamily="18" charset="0"/>
+              </a:rPr>
+              <a:t>1.</a:t>
+            </a:r>
+            <a:r>
+              <a:rPr lang="en-US" b="1" dirty="0" smtClean="0">
+                <a:latin typeface="Rockwell" pitchFamily="18" charset="0"/>
+              </a:rPr>
+              <a:t>hash</a:t>
+            </a:r>
+            <a:r>
+              <a:rPr lang="en-US" dirty="0" smtClean="0">
+                <a:latin typeface="Rockwell" pitchFamily="18" charset="0"/>
+              </a:rPr>
+              <a:t>: It is the a message digest of the data included in a transaction like its type, the transaction outputs and transaction inputs data.</a:t>
+            </a:r>
+          </a:p>
+          <a:p>
+            <a:pPr>
+              <a:buNone/>
+            </a:pPr>
+            <a:r>
+              <a:rPr lang="en-US" dirty="0" smtClean="0">
+                <a:latin typeface="Rockwell" pitchFamily="18" charset="0"/>
+              </a:rPr>
+              <a:t>2.</a:t>
+            </a:r>
+            <a:r>
+              <a:rPr lang="en-US" b="1" dirty="0" smtClean="0">
+                <a:latin typeface="Rockwell" pitchFamily="18" charset="0"/>
+              </a:rPr>
+              <a:t>type</a:t>
+            </a:r>
+            <a:r>
+              <a:rPr lang="en-US" dirty="0" smtClean="0">
+                <a:latin typeface="Rockwell" pitchFamily="18" charset="0"/>
+              </a:rPr>
+              <a:t>: It is the type of the transaction. There are many types but the most important are :</a:t>
+            </a:r>
+          </a:p>
+          <a:p>
+            <a:pPr marL="514350" indent="-514350">
+              <a:buNone/>
+            </a:pPr>
+            <a:r>
+              <a:rPr lang="en-US" b="1" dirty="0" smtClean="0">
+                <a:latin typeface="Rockwell" pitchFamily="18" charset="0"/>
+              </a:rPr>
+              <a:t>       </a:t>
+            </a:r>
+            <a:r>
+              <a:rPr lang="en-US" dirty="0" smtClean="0">
+                <a:latin typeface="Rockwell" pitchFamily="18" charset="0"/>
+              </a:rPr>
+              <a:t>(a) COIN</a:t>
+            </a:r>
+            <a:r>
+              <a:rPr lang="en-US" b="1" dirty="0" smtClean="0">
+                <a:latin typeface="Rockwell" pitchFamily="18" charset="0"/>
+              </a:rPr>
+              <a:t> </a:t>
+            </a:r>
+            <a:r>
+              <a:rPr lang="en-US" dirty="0" smtClean="0">
+                <a:latin typeface="Rockwell" pitchFamily="18" charset="0"/>
+              </a:rPr>
+              <a:t>BASE</a:t>
+            </a:r>
+            <a:r>
+              <a:rPr lang="en-US" b="1" dirty="0" smtClean="0">
+                <a:latin typeface="Rockwell" pitchFamily="18" charset="0"/>
+              </a:rPr>
+              <a:t> </a:t>
+            </a:r>
+            <a:r>
+              <a:rPr lang="en-US" dirty="0" smtClean="0">
+                <a:latin typeface="Rockwell" pitchFamily="18" charset="0"/>
+              </a:rPr>
+              <a:t>Transaction : crypto currency token supply mechanism.</a:t>
+            </a:r>
+            <a:br>
+              <a:rPr lang="en-US" dirty="0" smtClean="0">
+                <a:latin typeface="Rockwell" pitchFamily="18" charset="0"/>
+              </a:rPr>
+            </a:br>
+            <a:r>
+              <a:rPr lang="en-US" dirty="0" smtClean="0">
+                <a:latin typeface="Rockwell" pitchFamily="18" charset="0"/>
+              </a:rPr>
+              <a:t> (b) FEE Transaction: the fee that a transaction's creator tips to the</a:t>
+            </a:r>
+            <a:br>
+              <a:rPr lang="en-US" dirty="0" smtClean="0">
+                <a:latin typeface="Rockwell" pitchFamily="18" charset="0"/>
+              </a:rPr>
+            </a:br>
+            <a:r>
+              <a:rPr lang="en-US" dirty="0" smtClean="0">
+                <a:latin typeface="Rockwell" pitchFamily="18" charset="0"/>
+              </a:rPr>
+              <a:t>miners.</a:t>
+            </a:r>
+            <a:br>
+              <a:rPr lang="en-US" dirty="0" smtClean="0">
+                <a:latin typeface="Rockwell" pitchFamily="18" charset="0"/>
+              </a:rPr>
+            </a:br>
+            <a:r>
+              <a:rPr lang="en-US" dirty="0" smtClean="0">
+                <a:latin typeface="Rockwell" pitchFamily="18" charset="0"/>
+              </a:rPr>
+              <a:t> (c)</a:t>
+            </a:r>
+            <a:r>
+              <a:rPr lang="en-US" b="1" dirty="0" smtClean="0">
+                <a:latin typeface="Rockwell" pitchFamily="18" charset="0"/>
+              </a:rPr>
+              <a:t> </a:t>
+            </a:r>
+            <a:r>
+              <a:rPr lang="en-US" dirty="0" smtClean="0">
+                <a:latin typeface="Rockwell" pitchFamily="18" charset="0"/>
+              </a:rPr>
+              <a:t>REGULAR</a:t>
+            </a:r>
+            <a:r>
+              <a:rPr lang="en-US" b="1" dirty="0" smtClean="0">
+                <a:latin typeface="Rockwell" pitchFamily="18" charset="0"/>
+              </a:rPr>
+              <a:t> </a:t>
+            </a:r>
+            <a:r>
+              <a:rPr lang="en-US" dirty="0" smtClean="0">
+                <a:latin typeface="Rockwell" pitchFamily="18" charset="0"/>
+              </a:rPr>
+              <a:t>Transaction: A regular transfer of token ownership.</a:t>
+            </a:r>
+            <a:br>
+              <a:rPr lang="en-US" dirty="0" smtClean="0">
+                <a:latin typeface="Rockwell" pitchFamily="18" charset="0"/>
+              </a:rPr>
+            </a:br>
+            <a:endParaRPr lang="en-US" dirty="0" smtClean="0">
               <a:latin typeface="Rockwell" pitchFamily="18" charset="0"/>
             </a:endParaRPr>
           </a:p>
@@ -6836,70 +7657,121 @@
       </p:grpSpPr>
       <p:sp>
         <p:nvSpPr>
-          <p:cNvPr id="2" name="Title 1"/>
-          <p:cNvSpPr>
-            <a:spLocks noGrp="1"/>
-          </p:cNvSpPr>
-          <p:nvPr>
-            <p:ph type="title"/>
-          </p:nvPr>
-        </p:nvSpPr>
-        <p:spPr/>
+          <p:cNvPr id="3" name="Content Placeholder 2"/>
+          <p:cNvSpPr>
+            <a:spLocks noGrp="1"/>
+          </p:cNvSpPr>
+          <p:nvPr>
+            <p:ph idx="1"/>
+          </p:nvPr>
+        </p:nvSpPr>
+        <p:spPr>
+          <a:xfrm>
+            <a:off x="856764" y="537152"/>
+            <a:ext cx="10233800" cy="4351338"/>
+          </a:xfrm>
+        </p:spPr>
         <p:txBody>
           <a:bodyPr>
             <a:normAutofit/>
           </a:bodyPr>
           <a:lstStyle/>
           <a:p>
-            <a:r>
-              <a:rPr lang="en-US" sz="4000" dirty="0" smtClean="0">
-                <a:latin typeface="Rockwell" pitchFamily="18" charset="0"/>
-              </a:rPr>
-              <a:t>Why to Use Blockchain?</a:t>
-            </a:r>
-            <a:endParaRPr lang="en-US" sz="4000" dirty="0">
-              <a:latin typeface="Rockwell" pitchFamily="18" charset="0"/>
-            </a:endParaRPr>
-          </a:p>
-        </p:txBody>
-      </p:sp>
-      <p:sp>
-        <p:nvSpPr>
-          <p:cNvPr id="3" name="Content Placeholder 2"/>
-          <p:cNvSpPr>
-            <a:spLocks noGrp="1"/>
-          </p:cNvSpPr>
-          <p:nvPr>
-            <p:ph idx="1"/>
-          </p:nvPr>
-        </p:nvSpPr>
-        <p:spPr>
-          <a:xfrm>
-            <a:off x="685801" y="2142067"/>
-            <a:ext cx="10131425" cy="4314151"/>
-          </a:xfrm>
-        </p:spPr>
-        <p:txBody>
-          <a:bodyPr>
-            <a:normAutofit/>
-          </a:bodyPr>
-          <a:lstStyle/>
-          <a:p>
-            <a:r>
-              <a:rPr lang="en-US" sz="2800" dirty="0" smtClean="0">
-                <a:latin typeface="Rockwell" pitchFamily="18" charset="0"/>
-              </a:rPr>
-              <a:t>Blockchain technology offers new tools for authentication and authorization in the digital world that preclude the need for many centralized administrators.</a:t>
-            </a:r>
-          </a:p>
-          <a:p>
-            <a:r>
-              <a:rPr lang="en-US" sz="2800" dirty="0" smtClean="0">
-                <a:latin typeface="Rockwell" pitchFamily="18" charset="0"/>
-              </a:rPr>
-              <a:t>By formalizing and securing new digital relationships, the blockchain revolution is posed to create the backbone of a layer of the internet for transactions and interactions of value.</a:t>
-            </a:r>
-            <a:endParaRPr lang="en-US" sz="2800" dirty="0">
+            <a:pPr>
+              <a:buNone/>
+            </a:pPr>
+            <a:r>
+              <a:rPr lang="en-US" sz="3200" dirty="0" smtClean="0">
+                <a:solidFill>
+                  <a:schemeClr val="tx1"/>
+                </a:solidFill>
+                <a:latin typeface="Rockwell" pitchFamily="18" charset="0"/>
+              </a:rPr>
+              <a:t>(C)</a:t>
+            </a:r>
+            <a:r>
+              <a:rPr lang="en-US" sz="3200" b="1" dirty="0" smtClean="0">
+                <a:solidFill>
+                  <a:schemeClr val="tx1"/>
+                </a:solidFill>
+                <a:latin typeface="Rockwell" pitchFamily="18" charset="0"/>
+              </a:rPr>
+              <a:t> </a:t>
+            </a:r>
+            <a:r>
+              <a:rPr lang="en-US" sz="3200" b="1" dirty="0" smtClean="0">
+                <a:solidFill>
+                  <a:srgbClr val="FFFF00"/>
+                </a:solidFill>
+                <a:latin typeface="Rockwell" pitchFamily="18" charset="0"/>
+              </a:rPr>
+              <a:t>Transaction Input </a:t>
+            </a:r>
+            <a:r>
+              <a:rPr lang="en-US" dirty="0" smtClean="0">
+                <a:latin typeface="Rockwell" pitchFamily="18" charset="0"/>
+              </a:rPr>
+              <a:t>data is where you declare where the token you plan to transfer comes from, It does include:</a:t>
+            </a:r>
+          </a:p>
+          <a:p>
+            <a:r>
+              <a:rPr lang="en-US" b="1" dirty="0" smtClean="0">
+                <a:latin typeface="Rockwell" pitchFamily="18" charset="0"/>
+              </a:rPr>
+              <a:t>taxed</a:t>
+            </a:r>
+            <a:r>
+              <a:rPr lang="en-US" dirty="0" smtClean="0">
+                <a:latin typeface="Rockwell" pitchFamily="18" charset="0"/>
+              </a:rPr>
+              <a:t> :The id of the blockchain aware transaction where the token you try to unlock comes from. </a:t>
+            </a:r>
+          </a:p>
+          <a:p>
+            <a:r>
+              <a:rPr lang="en-US" b="1" dirty="0" smtClean="0">
+                <a:latin typeface="Rockwell" pitchFamily="18" charset="0"/>
+              </a:rPr>
+              <a:t>vout</a:t>
+            </a:r>
+            <a:r>
+              <a:rPr lang="en-US" dirty="0" smtClean="0">
+                <a:latin typeface="Rockwell" pitchFamily="18" charset="0"/>
+              </a:rPr>
+              <a:t> : Its index on that transaction’s outputs array.</a:t>
+            </a:r>
+          </a:p>
+          <a:p>
+            <a:r>
+              <a:rPr lang="en-US" b="1" dirty="0" smtClean="0">
+                <a:latin typeface="Rockwell" pitchFamily="18" charset="0"/>
+              </a:rPr>
+              <a:t>amount</a:t>
+            </a:r>
+            <a:r>
+              <a:rPr lang="en-US" dirty="0" smtClean="0">
+                <a:latin typeface="Rockwell" pitchFamily="18" charset="0"/>
+              </a:rPr>
+              <a:t> : the amount of token you are trying to unlock.</a:t>
+            </a:r>
+          </a:p>
+          <a:p>
+            <a:r>
+              <a:rPr lang="en-US" b="1" dirty="0" smtClean="0">
+                <a:latin typeface="Rockwell" pitchFamily="18" charset="0"/>
+              </a:rPr>
+              <a:t>unlockingScript</a:t>
+            </a:r>
+            <a:r>
+              <a:rPr lang="en-US" dirty="0" smtClean="0">
+                <a:latin typeface="Rockwell" pitchFamily="18" charset="0"/>
+              </a:rPr>
+              <a:t> : this is a list of script operation codes + data like digital signature and public key where you provide a script to unlock the tokens.</a:t>
+            </a:r>
+          </a:p>
+          <a:p>
+            <a:endParaRPr lang="en-US" dirty="0">
               <a:latin typeface="Rockwell" pitchFamily="18" charset="0"/>
             </a:endParaRPr>
           </a:p>
@@ -6939,77 +7811,90 @@
       </p:grpSpPr>
       <p:sp>
         <p:nvSpPr>
-          <p:cNvPr id="2" name="Title 1"/>
-          <p:cNvSpPr>
-            <a:spLocks noGrp="1"/>
-          </p:cNvSpPr>
-          <p:nvPr>
-            <p:ph type="title"/>
-          </p:nvPr>
-        </p:nvSpPr>
-        <p:spPr/>
-        <p:txBody>
-          <a:bodyPr>
-            <a:normAutofit/>
-          </a:bodyPr>
-          <a:lstStyle/>
-          <a:p>
-            <a:r>
-              <a:rPr lang="en-US" sz="4000" dirty="0" smtClean="0">
-                <a:latin typeface="Rockwell" pitchFamily="18" charset="0"/>
-              </a:rPr>
-              <a:t>What is hashing</a:t>
-            </a:r>
-            <a:endParaRPr lang="en-US" sz="4000" dirty="0">
+          <p:cNvPr id="3" name="Content Placeholder 2"/>
+          <p:cNvSpPr>
+            <a:spLocks noGrp="1"/>
+          </p:cNvSpPr>
+          <p:nvPr>
+            <p:ph idx="1"/>
+          </p:nvPr>
+        </p:nvSpPr>
+        <p:spPr>
+          <a:xfrm>
+            <a:off x="526473" y="484909"/>
+            <a:ext cx="10827327" cy="5692054"/>
+          </a:xfrm>
+        </p:spPr>
+        <p:txBody>
+          <a:bodyPr/>
+          <a:lstStyle/>
+          <a:p>
+            <a:pPr>
+              <a:buNone/>
+            </a:pPr>
+            <a:r>
+              <a:rPr lang="en-US" dirty="0" smtClean="0">
+                <a:latin typeface="Rockwell" pitchFamily="18" charset="0"/>
+              </a:rPr>
+              <a:t>(D) </a:t>
+            </a:r>
+            <a:r>
+              <a:rPr lang="en-US" sz="3200" b="1" dirty="0" smtClean="0">
+                <a:solidFill>
+                  <a:srgbClr val="FFFF00"/>
+                </a:solidFill>
+                <a:latin typeface="Rockwell" pitchFamily="18" charset="0"/>
+              </a:rPr>
+              <a:t>Transaction Output </a:t>
+            </a:r>
+            <a:r>
+              <a:rPr lang="en-US" dirty="0" smtClean="0">
+                <a:latin typeface="Rockwell" pitchFamily="18" charset="0"/>
+              </a:rPr>
+              <a:t>represents where the tokens are being spent, It does include:</a:t>
+            </a:r>
+          </a:p>
+          <a:p>
+            <a:r>
+              <a:rPr lang="en-US" b="1" dirty="0" smtClean="0">
+                <a:latin typeface="Rockwell" pitchFamily="18" charset="0"/>
+              </a:rPr>
+              <a:t>amount</a:t>
+            </a:r>
+            <a:r>
+              <a:rPr lang="en-US" dirty="0" smtClean="0">
+                <a:latin typeface="Rockwell" pitchFamily="18" charset="0"/>
+              </a:rPr>
+              <a:t>: the amount of tokens to be spent or transferred.</a:t>
+            </a:r>
+          </a:p>
+          <a:p>
+            <a:r>
+              <a:rPr lang="en-US" b="1" dirty="0" smtClean="0">
+                <a:latin typeface="Rockwell" pitchFamily="18" charset="0"/>
+              </a:rPr>
+              <a:t>locking script</a:t>
+            </a:r>
+            <a:r>
+              <a:rPr lang="en-US" dirty="0" smtClean="0">
+                <a:latin typeface="Rockwell" pitchFamily="18" charset="0"/>
+              </a:rPr>
+              <a:t>: its the script that sets the rules on the address that will be receiving the tokens. it does contain most of time some script operation codes and an address.</a:t>
+            </a:r>
+          </a:p>
+          <a:p>
+            <a:pPr>
+              <a:buNone/>
+            </a:pPr>
+            <a:endParaRPr lang="en-US" dirty="0" smtClean="0">
               <a:latin typeface="Rockwell" pitchFamily="18" charset="0"/>
             </a:endParaRPr>
           </a:p>
-        </p:txBody>
-      </p:sp>
-      <p:sp>
-        <p:nvSpPr>
-          <p:cNvPr id="3" name="Content Placeholder 2"/>
-          <p:cNvSpPr>
-            <a:spLocks noGrp="1"/>
-          </p:cNvSpPr>
-          <p:nvPr>
-            <p:ph idx="1"/>
-          </p:nvPr>
-        </p:nvSpPr>
-        <p:spPr/>
-        <p:txBody>
-          <a:bodyPr>
-            <a:normAutofit/>
-          </a:bodyPr>
-          <a:lstStyle/>
-          <a:p>
-            <a:r>
-              <a:rPr lang="en-US" sz="2800" dirty="0" smtClean="0">
-                <a:latin typeface="Rockwell" pitchFamily="18" charset="0"/>
-              </a:rPr>
-              <a:t>Hashing refers to the concept of taking an </a:t>
-            </a:r>
-            <a:r>
-              <a:rPr lang="en-US" sz="2800" dirty="0" err="1" smtClean="0">
-                <a:latin typeface="Rockwell" pitchFamily="18" charset="0"/>
-              </a:rPr>
-              <a:t>arbitary</a:t>
-            </a:r>
-            <a:r>
-              <a:rPr lang="en-US" sz="2800" dirty="0" smtClean="0">
-                <a:latin typeface="Rockwell" pitchFamily="18" charset="0"/>
-              </a:rPr>
-              <a:t> amount of input data, applying some algorithm to it, and generating a fixed-size output data called the hash.</a:t>
-            </a:r>
-          </a:p>
-          <a:p>
-            <a:r>
-              <a:rPr lang="en-US" sz="2800" dirty="0" smtClean="0">
-                <a:latin typeface="Rockwell" pitchFamily="18" charset="0"/>
-              </a:rPr>
-              <a:t>A common usage for hash today is to fingerprint files, also known as check zones. This means that a hash is used to verify that a file has not been tampered with or modified in any way not intended by the author.</a:t>
-            </a:r>
-            <a:endParaRPr lang="en-US" sz="2800" dirty="0">
+          <a:p>
+            <a:pPr>
+              <a:buNone/>
+            </a:pPr>
+            <a:endParaRPr lang="en-US" dirty="0">
               <a:latin typeface="Rockwell" pitchFamily="18" charset="0"/>
             </a:endParaRPr>
           </a:p>
@@ -7049,20 +7934,15 @@
       </p:grpSpPr>
       <p:sp>
         <p:nvSpPr>
-          <p:cNvPr id="3" name="Content Placeholder 2"/>
-          <p:cNvSpPr>
-            <a:spLocks noGrp="1"/>
-          </p:cNvSpPr>
-          <p:nvPr>
-            <p:ph idx="1"/>
-          </p:nvPr>
-        </p:nvSpPr>
-        <p:spPr>
-          <a:xfrm>
-            <a:off x="949038" y="789709"/>
-            <a:ext cx="10131425" cy="5583383"/>
-          </a:xfrm>
-        </p:spPr>
+          <p:cNvPr id="2" name="Title 1"/>
+          <p:cNvSpPr>
+            <a:spLocks noGrp="1"/>
+          </p:cNvSpPr>
+          <p:nvPr>
+            <p:ph type="title"/>
+          </p:nvPr>
+        </p:nvSpPr>
+        <p:spPr/>
         <p:txBody>
           <a:bodyPr>
             <a:normAutofit/>
@@ -7070,10 +7950,44 @@
           <a:lstStyle/>
           <a:p>
             <a:r>
+              <a:rPr lang="en-US" sz="4000" dirty="0" smtClean="0">
+                <a:latin typeface="Rockwell" pitchFamily="18" charset="0"/>
+              </a:rPr>
+              <a:t>What is mining?</a:t>
+            </a:r>
+            <a:endParaRPr lang="en-US" sz="4000" dirty="0">
+              <a:latin typeface="Rockwell" pitchFamily="18" charset="0"/>
+            </a:endParaRPr>
+          </a:p>
+        </p:txBody>
+      </p:sp>
+      <p:sp>
+        <p:nvSpPr>
+          <p:cNvPr id="3" name="Content Placeholder 2"/>
+          <p:cNvSpPr>
+            <a:spLocks noGrp="1"/>
+          </p:cNvSpPr>
+          <p:nvPr>
+            <p:ph idx="1"/>
+          </p:nvPr>
+        </p:nvSpPr>
+        <p:spPr>
+          <a:xfrm>
+            <a:off x="685801" y="1726430"/>
+            <a:ext cx="10131425" cy="4397278"/>
+          </a:xfrm>
+        </p:spPr>
+        <p:txBody>
+          <a:bodyPr>
+            <a:normAutofit/>
+          </a:bodyPr>
+          <a:lstStyle/>
+          <a:p>
+            <a:r>
               <a:rPr lang="en-US" sz="2800" dirty="0" smtClean="0">
                 <a:latin typeface="Rockwell" pitchFamily="18" charset="0"/>
               </a:rPr>
-              <a:t>Hashing are used in blockchain to represent the current state of the world.</a:t>
+              <a:t>Mining is a distributed computational review process performed on each block of data in a blockchain. This enables for the accomplishment of consensus in the conditions where neither party knows or trusts each other.</a:t>
             </a:r>
           </a:p>
           <a:p>
@@ -7081,7 +7995,7 @@
               <a:rPr lang="en-US" sz="2800" dirty="0" smtClean="0">
                 <a:latin typeface="Rockwell" pitchFamily="18" charset="0"/>
               </a:rPr>
-              <a:t>First the hash is calculated for the genesis block using transactions inside that block.</a:t>
+              <a:t>It is the process by which transactions are verified and added to the public ledger.</a:t>
             </a:r>
           </a:p>
           <a:p>
@@ -7089,23 +8003,7 @@
               <a:rPr lang="en-US" sz="2800" dirty="0" smtClean="0">
                 <a:latin typeface="Rockwell" pitchFamily="18" charset="0"/>
               </a:rPr>
-              <a:t>The sequence of initial transactions is used to calculate a block hash for the genesis block.</a:t>
-            </a:r>
-          </a:p>
-          <a:p>
-            <a:r>
-              <a:rPr lang="en-US" sz="2800" dirty="0" smtClean="0">
-                <a:latin typeface="Rockwell" pitchFamily="18" charset="0"/>
-              </a:rPr>
-              <a:t>For every new block that is generated afterward, the previous block’s hash is also used.</a:t>
-            </a:r>
-          </a:p>
-          <a:p>
-            <a:r>
-              <a:rPr lang="en-US" sz="2800" dirty="0" smtClean="0">
-                <a:latin typeface="Rockwell" pitchFamily="18" charset="0"/>
-              </a:rPr>
-              <a:t>This is how a chain of blocks is formed, each new block hash pointing to the block hash that came before it. </a:t>
+              <a:t>It includes compiling recent transactions into blocks and trying to solve a computational difficult puzzle. </a:t>
             </a:r>
             <a:endParaRPr lang="en-US" sz="2800" dirty="0">
               <a:latin typeface="Rockwell" pitchFamily="18" charset="0"/>
@@ -7129,9 +8027,9 @@
 </file>
 
 <file path=ppt/theme/theme1.xml><?xml version="1.0" encoding="utf-8"?>
-<a:theme xmlns:a="http://schemas.openxmlformats.org/drawingml/2006/main" name="Celestial">
+<a:theme xmlns:a="http://schemas.openxmlformats.org/drawingml/2006/main" name="Depth">
   <a:themeElements>
-    <a:clrScheme name="Celestial">
+    <a:clrScheme name="Depth">
       <a:dk1>
         <a:sysClr val="windowText" lastClr="000000"/>
       </a:dk1>
@@ -7139,52 +8037,52 @@
         <a:sysClr val="window" lastClr="FFFFFF"/>
       </a:lt1>
       <a:dk2>
-        <a:srgbClr val="18276C"/>
+        <a:srgbClr val="455F51"/>
       </a:dk2>
       <a:lt2>
-        <a:srgbClr val="EBEBEB"/>
+        <a:srgbClr val="94D7E4"/>
       </a:lt2>
       <a:accent1>
-        <a:srgbClr val="AC3EC1"/>
+        <a:srgbClr val="41AEBD"/>
       </a:accent1>
       <a:accent2>
-        <a:srgbClr val="477BD1"/>
+        <a:srgbClr val="97E9D5"/>
       </a:accent2>
       <a:accent3>
-        <a:srgbClr val="46B298"/>
+        <a:srgbClr val="A2CF49"/>
       </a:accent3>
       <a:accent4>
-        <a:srgbClr val="90BA4C"/>
+        <a:srgbClr val="608F3D"/>
       </a:accent4>
       <a:accent5>
-        <a:srgbClr val="DD9D31"/>
+        <a:srgbClr val="F4DE3A"/>
       </a:accent5>
       <a:accent6>
-        <a:srgbClr val="E25247"/>
+        <a:srgbClr val="FCB11C"/>
       </a:accent6>
       <a:hlink>
-        <a:srgbClr val="C573D2"/>
+        <a:srgbClr val="FBCA98"/>
       </a:hlink>
       <a:folHlink>
-        <a:srgbClr val="CCAEE8"/>
+        <a:srgbClr val="D3B86D"/>
       </a:folHlink>
     </a:clrScheme>
-    <a:fontScheme name="Celestial">
+    <a:fontScheme name="Depth">
       <a:majorFont>
-        <a:latin typeface="Calibri Light"/>
+        <a:latin typeface="Corbel"/>
         <a:ea typeface=""/>
         <a:cs typeface=""/>
-        <a:font script="Jpan" typeface="ＭＳ Ｐゴシック"/>
-        <a:font script="Hang" typeface="맑은 고딕"/>
-        <a:font script="Hans" typeface="宋体"/>
+        <a:font script="Jpan" typeface="メイリオ"/>
+        <a:font script="Hang" typeface="HY엽서L"/>
+        <a:font script="Hans" typeface="华文楷体"/>
         <a:font script="Hant" typeface="新細明體"/>
-        <a:font script="Arab" typeface="Times New Roman"/>
-        <a:font script="Hebr" typeface="Times New Roman"/>
-        <a:font script="Thai" typeface="Angsana New"/>
+        <a:font script="Arab" typeface="Tahoma"/>
+        <a:font script="Hebr" typeface="Miriam"/>
+        <a:font script="Thai" typeface="DilleniaUPC"/>
         <a:font script="Ethi" typeface="Nyala"/>
         <a:font script="Beng" typeface="Vrinda"/>
         <a:font script="Gujr" typeface="Shruti"/>
-        <a:font script="Khmr" typeface="MoolBoran"/>
+        <a:font script="Khmr" typeface="DaunPenh"/>
         <a:font script="Knda" typeface="Tunga"/>
         <a:font script="Guru" typeface="Raavi"/>
         <a:font script="Cans" typeface="Euphemia"/>
@@ -7201,21 +8099,21 @@
         <a:font script="Laoo" typeface="DokChampa"/>
         <a:font script="Sinh" typeface="Iskoola Pota"/>
         <a:font script="Mong" typeface="Mongolian Baiti"/>
-        <a:font script="Viet" typeface="Times New Roman"/>
+        <a:font script="Viet" typeface="Arial"/>
         <a:font script="Uigh" typeface="Microsoft Uighur"/>
         <a:font script="Geor" typeface="Sylfaen"/>
       </a:majorFont>
       <a:minorFont>
-        <a:latin typeface="Calibri"/>
+        <a:latin typeface="Corbel"/>
         <a:ea typeface=""/>
         <a:cs typeface=""/>
-        <a:font script="Jpan" typeface="ＭＳ Ｐゴシック"/>
-        <a:font script="Hang" typeface="맑은 고딕"/>
-        <a:font script="Hans" typeface="宋体"/>
+        <a:font script="Jpan" typeface="メイリオ"/>
+        <a:font script="Hang" typeface="HY엽서L"/>
+        <a:font script="Hans" typeface="华文楷体"/>
         <a:font script="Hant" typeface="新細明體"/>
-        <a:font script="Arab" typeface="Arial"/>
-        <a:font script="Hebr" typeface="Arial"/>
-        <a:font script="Thai" typeface="Cordia New"/>
+        <a:font script="Arab" typeface="Tahoma"/>
+        <a:font script="Hebr" typeface="Miriam"/>
+        <a:font script="Thai" typeface="DilleniaUPC"/>
         <a:font script="Ethi" typeface="Nyala"/>
         <a:font script="Beng" typeface="Vrinda"/>
         <a:font script="Gujr" typeface="Shruti"/>
@@ -7241,7 +8139,7 @@
         <a:font script="Geor" typeface="Sylfaen"/>
       </a:minorFont>
     </a:fontScheme>
-    <a:fmtScheme name="Celestial">
+    <a:fmtScheme name="Depth">
       <a:fillStyleLst>
         <a:solidFill>
           <a:schemeClr val="phClr"/>
@@ -7250,14 +8148,23 @@
           <a:gsLst>
             <a:gs pos="0">
               <a:schemeClr val="phClr">
-                <a:tint val="70000"/>
                 <a:lumMod val="110000"/>
+                <a:satMod val="105000"/>
+                <a:tint val="67000"/>
+              </a:schemeClr>
+            </a:gs>
+            <a:gs pos="50000">
+              <a:schemeClr val="phClr">
+                <a:lumMod val="105000"/>
+                <a:satMod val="103000"/>
+                <a:tint val="73000"/>
               </a:schemeClr>
             </a:gs>
             <a:gs pos="100000">
               <a:schemeClr val="phClr">
-                <a:tint val="82000"/>
-                <a:alpha val="74000"/>
+                <a:lumMod val="105000"/>
+                <a:satMod val="109000"/>
+                <a:tint val="81000"/>
               </a:schemeClr>
             </a:gs>
           </a:gsLst>
@@ -7267,38 +8174,50 @@
           <a:gsLst>
             <a:gs pos="0">
               <a:schemeClr val="phClr">
-                <a:tint val="98000"/>
+                <a:satMod val="103000"/>
+                <a:lumMod val="102000"/>
+                <a:tint val="94000"/>
+              </a:schemeClr>
+            </a:gs>
+            <a:gs pos="50000">
+              <a:schemeClr val="phClr">
+                <a:satMod val="110000"/>
                 <a:lumMod val="100000"/>
+                <a:shade val="100000"/>
               </a:schemeClr>
             </a:gs>
             <a:gs pos="100000">
               <a:schemeClr val="phClr">
-                <a:shade val="88000"/>
-                <a:lumMod val="88000"/>
+                <a:lumMod val="99000"/>
+                <a:satMod val="120000"/>
+                <a:shade val="78000"/>
               </a:schemeClr>
             </a:gs>
           </a:gsLst>
-          <a:lin ang="5400000" scaled="1"/>
+          <a:lin ang="5400000" scaled="0"/>
         </a:gradFill>
       </a:fillStyleLst>
       <a:lnStyleLst>
-        <a:ln w="9525" cap="rnd" cmpd="sng" algn="ctr">
+        <a:ln w="6350" cap="flat" cmpd="sng" algn="ctr">
           <a:solidFill>
             <a:schemeClr val="phClr"/>
           </a:solidFill>
           <a:prstDash val="solid"/>
+          <a:miter lim="800000"/>
         </a:ln>
-        <a:ln w="19050" cap="rnd" cmpd="sng" algn="ctr">
+        <a:ln w="12700" cap="flat" cmpd="sng" algn="ctr">
           <a:solidFill>
             <a:schemeClr val="phClr"/>
           </a:solidFill>
           <a:prstDash val="solid"/>
+          <a:miter lim="800000"/>
         </a:ln>
-        <a:ln w="25400" cap="rnd" cmpd="sng" algn="ctr">
+        <a:ln w="19050" cap="flat" cmpd="sng" algn="ctr">
           <a:solidFill>
             <a:schemeClr val="phClr"/>
           </a:solidFill>
           <a:prstDash val="solid"/>
+          <a:miter lim="800000"/>
         </a:ln>
       </a:lnStyleLst>
       <a:effectStyleLst>
@@ -7306,64 +8225,55 @@
           <a:effectLst/>
         </a:effectStyle>
         <a:effectStyle>
+          <a:effectLst/>
+        </a:effectStyle>
+        <a:effectStyle>
           <a:effectLst>
-            <a:outerShdw blurRad="50800" dist="38100" dir="5400000" rotWithShape="0">
+            <a:outerShdw blurRad="57150" dist="19050" dir="5400000" algn="ctr" rotWithShape="0">
               <a:srgbClr val="000000">
-                <a:alpha val="35000"/>
+                <a:alpha val="63000"/>
               </a:srgbClr>
             </a:outerShdw>
           </a:effectLst>
-        </a:effectStyle>
-        <a:effectStyle>
-          <a:effectLst>
-            <a:outerShdw blurRad="63500" dist="38100" dir="5400000" rotWithShape="0">
-              <a:srgbClr val="000000">
-                <a:alpha val="65000"/>
-              </a:srgbClr>
-            </a:outerShdw>
-          </a:effectLst>
-          <a:scene3d>
-            <a:camera prst="orthographicFront">
-              <a:rot lat="0" lon="0" rev="0"/>
-            </a:camera>
-            <a:lightRig rig="threePt" dir="tl">
-              <a:rot lat="0" lon="0" rev="1200000"/>
-            </a:lightRig>
-          </a:scene3d>
-          <a:sp3d>
-            <a:bevelT w="38100" h="12700"/>
-          </a:sp3d>
         </a:effectStyle>
       </a:effectStyleLst>
       <a:bgFillStyleLst>
         <a:solidFill>
           <a:schemeClr val="phClr"/>
         </a:solidFill>
+        <a:solidFill>
+          <a:schemeClr val="phClr">
+            <a:tint val="95000"/>
+            <a:satMod val="170000"/>
+          </a:schemeClr>
+        </a:solidFill>
         <a:gradFill rotWithShape="1">
           <a:gsLst>
             <a:gs pos="0">
               <a:schemeClr val="phClr">
-                <a:tint val="90000"/>
-                <a:shade val="96000"/>
-                <a:hueMod val="100000"/>
-                <a:satMod val="180000"/>
-                <a:lumMod val="110000"/>
+                <a:tint val="93000"/>
+                <a:satMod val="150000"/>
+                <a:shade val="98000"/>
+                <a:lumMod val="102000"/>
+              </a:schemeClr>
+            </a:gs>
+            <a:gs pos="50000">
+              <a:schemeClr val="phClr">
+                <a:tint val="98000"/>
+                <a:satMod val="130000"/>
+                <a:shade val="90000"/>
+                <a:lumMod val="103000"/>
               </a:schemeClr>
             </a:gs>
             <a:gs pos="100000">
               <a:schemeClr val="phClr">
-                <a:shade val="96000"/>
-                <a:satMod val="160000"/>
-                <a:lumMod val="100000"/>
+                <a:shade val="63000"/>
+                <a:satMod val="120000"/>
               </a:schemeClr>
             </a:gs>
           </a:gsLst>
-          <a:lin ang="4740000" scaled="1"/>
+          <a:lin ang="5400000" scaled="0"/>
         </a:gradFill>
-        <a:blipFill>
-          <a:blip xmlns:r="http://schemas.openxmlformats.org/officeDocument/2006/relationships" r:embed="rId1"/>
-          <a:stretch/>
-        </a:blipFill>
       </a:bgFillStyleLst>
     </a:fmtScheme>
   </a:themeElements>
@@ -7371,7 +8281,7 @@
   <a:extraClrSchemeLst/>
   <a:extLst>
     <a:ext uri="{05A4C25C-085E-4340-85A3-A5531E510DB2}">
-      <thm15:themeFamily xmlns:thm15="http://schemas.microsoft.com/office/thememl/2012/main" xmlns="" name="Celestial" id="{C4BB2A3D-0E93-4C5F-B0D2-9D3FCE089CC5}" vid="{42E5908D-19A2-46FD-89FA-638B126129EF}"/>
+      <thm15:themeFamily xmlns="" xmlns:thm15="http://schemas.microsoft.com/office/thememl/2012/main" name="Depth" id="{7BEAFC2A-325C-49C4-AC08-2B765DA903F9}" vid="{1735E755-43E6-43AA-ABA2-C989ECC79AF5}"/>
     </a:ext>
   </a:extLst>
 </a:theme>
